--- a/docs/us_5001/eCourse.pptx
+++ b/docs/us_5001/eCourse.pptx
@@ -1,44 +1,44 @@
 
 <file path=ppt/presentation.xml><?xml version="1.0" encoding="utf-8"?>
-<p:presentation xmlns:a="http://schemas.openxmlformats.org/drawingml/2006/main" xmlns:r="http://schemas.openxmlformats.org/officeDocument/2006/relationships" xmlns:mc="http://schemas.openxmlformats.org/markup-compatibility/2006" xmlns:mv="urn:schemas-microsoft-com:mac:vml" xmlns:p="http://schemas.openxmlformats.org/presentationml/2006/main" xmlns:c="http://schemas.openxmlformats.org/drawingml/2006/chart" xmlns:dgm="http://schemas.openxmlformats.org/drawingml/2006/diagram" xmlns:o="urn:schemas-microsoft-com:office:office" xmlns:v="urn:schemas-microsoft-com:vml" xmlns:pvml="urn:schemas-microsoft-com:office:powerpoint" xmlns:com="http://schemas.openxmlformats.org/drawingml/2006/compatibility" xmlns:p14="http://schemas.microsoft.com/office/powerpoint/2010/main" xmlns:p15="http://schemas.microsoft.com/office/powerpoint/2012/main" xmlns:ahyp="http://schemas.microsoft.com/office/drawing/2018/hyperlinkcolor" autoCompressPictures="0" embedTrueTypeFonts="1" strictFirstAndLastChars="0" saveSubsetFonts="1">
+<p:presentation xmlns:a="http://schemas.openxmlformats.org/drawingml/2006/main" xmlns:r="http://schemas.openxmlformats.org/officeDocument/2006/relationships" xmlns:p="http://schemas.openxmlformats.org/presentationml/2006/main" strictFirstAndLastChars="0" embedTrueTypeFonts="1" saveSubsetFonts="1" autoCompressPictures="0">
   <p:sldMasterIdLst>
-    <p:sldMasterId id="2147483659" r:id="rId4"/>
+    <p:sldMasterId id="2147483659" r:id="rId1"/>
   </p:sldMasterIdLst>
   <p:notesMasterIdLst>
-    <p:notesMasterId r:id="rId5"/>
+    <p:notesMasterId r:id="rId7"/>
   </p:notesMasterIdLst>
   <p:sldIdLst>
-    <p:sldId id="256" r:id="rId6"/>
-    <p:sldId id="257" r:id="rId7"/>
-    <p:sldId id="258" r:id="rId8"/>
-    <p:sldId id="259" r:id="rId9"/>
-    <p:sldId id="260" r:id="rId10"/>
+    <p:sldId id="256" r:id="rId2"/>
+    <p:sldId id="257" r:id="rId3"/>
+    <p:sldId id="258" r:id="rId4"/>
+    <p:sldId id="259" r:id="rId5"/>
+    <p:sldId id="260" r:id="rId6"/>
   </p:sldIdLst>
-  <p:sldSz cy="5143500" cx="9144000"/>
+  <p:sldSz cx="9144000" cy="5143500" type="screen16x9"/>
   <p:notesSz cx="6858000" cy="9144000"/>
   <p:embeddedFontLst>
     <p:embeddedFont>
-      <p:font typeface="Raleway"/>
-      <p:regular r:id="rId11"/>
-      <p:bold r:id="rId12"/>
-      <p:italic r:id="rId13"/>
-      <p:boldItalic r:id="rId14"/>
+      <p:font typeface="Inter" panose="02000503000000020004" pitchFamily="2" charset="0"/>
+      <p:regular r:id="rId8"/>
+      <p:bold r:id="rId9"/>
     </p:embeddedFont>
     <p:embeddedFont>
-      <p:font typeface="Lato"/>
-      <p:regular r:id="rId15"/>
-      <p:bold r:id="rId16"/>
-      <p:italic r:id="rId17"/>
-      <p:boldItalic r:id="rId18"/>
+      <p:font typeface="Lato" panose="020F0502020204030203" pitchFamily="34" charset="0"/>
+      <p:regular r:id="rId10"/>
+      <p:bold r:id="rId11"/>
+      <p:italic r:id="rId12"/>
+      <p:boldItalic r:id="rId13"/>
     </p:embeddedFont>
     <p:embeddedFont>
-      <p:font typeface="Inter"/>
-      <p:regular r:id="rId19"/>
-      <p:bold r:id="rId20"/>
+      <p:font typeface="Raleway" pitchFamily="2" charset="77"/>
+      <p:regular r:id="rId14"/>
+      <p:bold r:id="rId15"/>
+      <p:italic r:id="rId16"/>
+      <p:boldItalic r:id="rId17"/>
     </p:embeddedFont>
   </p:embeddedFontLst>
   <p:defaultTextStyle>
-    <a:defPPr lvl="0" marR="0" rtl="0" algn="l">
+    <a:defPPr marR="0" lvl="0" algn="l" rtl="0">
       <a:lnSpc>
         <a:spcPct val="100000"/>
       </a:lnSpc>
@@ -49,7 +49,7 @@
         <a:spcPts val="0"/>
       </a:spcAft>
     </a:defPPr>
-    <a:lvl1pPr lvl="0" marR="0" rtl="0" algn="l">
+    <a:lvl1pPr marR="0" lvl="0" algn="l" rtl="0">
       <a:lnSpc>
         <a:spcPct val="100000"/>
       </a:lnSpc>
@@ -63,7 +63,7 @@
         <a:srgbClr val="000000"/>
       </a:buClr>
       <a:buFont typeface="Arial"/>
-      <a:defRPr b="0" i="0" sz="1400" u="none" cap="none" strike="noStrike">
+      <a:defRPr sz="1400" b="0" i="0" u="none" strike="noStrike" cap="none">
         <a:solidFill>
           <a:srgbClr val="000000"/>
         </a:solidFill>
@@ -73,7 +73,7 @@
         <a:sym typeface="Arial"/>
       </a:defRPr>
     </a:lvl1pPr>
-    <a:lvl2pPr lvl="1" marR="0" rtl="0" algn="l">
+    <a:lvl2pPr marR="0" lvl="1" algn="l" rtl="0">
       <a:lnSpc>
         <a:spcPct val="100000"/>
       </a:lnSpc>
@@ -87,7 +87,7 @@
         <a:srgbClr val="000000"/>
       </a:buClr>
       <a:buFont typeface="Arial"/>
-      <a:defRPr b="0" i="0" sz="1400" u="none" cap="none" strike="noStrike">
+      <a:defRPr sz="1400" b="0" i="0" u="none" strike="noStrike" cap="none">
         <a:solidFill>
           <a:srgbClr val="000000"/>
         </a:solidFill>
@@ -97,7 +97,7 @@
         <a:sym typeface="Arial"/>
       </a:defRPr>
     </a:lvl2pPr>
-    <a:lvl3pPr lvl="2" marR="0" rtl="0" algn="l">
+    <a:lvl3pPr marR="0" lvl="2" algn="l" rtl="0">
       <a:lnSpc>
         <a:spcPct val="100000"/>
       </a:lnSpc>
@@ -111,7 +111,7 @@
         <a:srgbClr val="000000"/>
       </a:buClr>
       <a:buFont typeface="Arial"/>
-      <a:defRPr b="0" i="0" sz="1400" u="none" cap="none" strike="noStrike">
+      <a:defRPr sz="1400" b="0" i="0" u="none" strike="noStrike" cap="none">
         <a:solidFill>
           <a:srgbClr val="000000"/>
         </a:solidFill>
@@ -121,7 +121,7 @@
         <a:sym typeface="Arial"/>
       </a:defRPr>
     </a:lvl3pPr>
-    <a:lvl4pPr lvl="3" marR="0" rtl="0" algn="l">
+    <a:lvl4pPr marR="0" lvl="3" algn="l" rtl="0">
       <a:lnSpc>
         <a:spcPct val="100000"/>
       </a:lnSpc>
@@ -135,7 +135,7 @@
         <a:srgbClr val="000000"/>
       </a:buClr>
       <a:buFont typeface="Arial"/>
-      <a:defRPr b="0" i="0" sz="1400" u="none" cap="none" strike="noStrike">
+      <a:defRPr sz="1400" b="0" i="0" u="none" strike="noStrike" cap="none">
         <a:solidFill>
           <a:srgbClr val="000000"/>
         </a:solidFill>
@@ -145,7 +145,7 @@
         <a:sym typeface="Arial"/>
       </a:defRPr>
     </a:lvl4pPr>
-    <a:lvl5pPr lvl="4" marR="0" rtl="0" algn="l">
+    <a:lvl5pPr marR="0" lvl="4" algn="l" rtl="0">
       <a:lnSpc>
         <a:spcPct val="100000"/>
       </a:lnSpc>
@@ -159,7 +159,7 @@
         <a:srgbClr val="000000"/>
       </a:buClr>
       <a:buFont typeface="Arial"/>
-      <a:defRPr b="0" i="0" sz="1400" u="none" cap="none" strike="noStrike">
+      <a:defRPr sz="1400" b="0" i="0" u="none" strike="noStrike" cap="none">
         <a:solidFill>
           <a:srgbClr val="000000"/>
         </a:solidFill>
@@ -169,7 +169,7 @@
         <a:sym typeface="Arial"/>
       </a:defRPr>
     </a:lvl5pPr>
-    <a:lvl6pPr lvl="5" marR="0" rtl="0" algn="l">
+    <a:lvl6pPr marR="0" lvl="5" algn="l" rtl="0">
       <a:lnSpc>
         <a:spcPct val="100000"/>
       </a:lnSpc>
@@ -183,7 +183,7 @@
         <a:srgbClr val="000000"/>
       </a:buClr>
       <a:buFont typeface="Arial"/>
-      <a:defRPr b="0" i="0" sz="1400" u="none" cap="none" strike="noStrike">
+      <a:defRPr sz="1400" b="0" i="0" u="none" strike="noStrike" cap="none">
         <a:solidFill>
           <a:srgbClr val="000000"/>
         </a:solidFill>
@@ -193,7 +193,7 @@
         <a:sym typeface="Arial"/>
       </a:defRPr>
     </a:lvl6pPr>
-    <a:lvl7pPr lvl="6" marR="0" rtl="0" algn="l">
+    <a:lvl7pPr marR="0" lvl="6" algn="l" rtl="0">
       <a:lnSpc>
         <a:spcPct val="100000"/>
       </a:lnSpc>
@@ -207,7 +207,7 @@
         <a:srgbClr val="000000"/>
       </a:buClr>
       <a:buFont typeface="Arial"/>
-      <a:defRPr b="0" i="0" sz="1400" u="none" cap="none" strike="noStrike">
+      <a:defRPr sz="1400" b="0" i="0" u="none" strike="noStrike" cap="none">
         <a:solidFill>
           <a:srgbClr val="000000"/>
         </a:solidFill>
@@ -217,7 +217,7 @@
         <a:sym typeface="Arial"/>
       </a:defRPr>
     </a:lvl7pPr>
-    <a:lvl8pPr lvl="7" marR="0" rtl="0" algn="l">
+    <a:lvl8pPr marR="0" lvl="7" algn="l" rtl="0">
       <a:lnSpc>
         <a:spcPct val="100000"/>
       </a:lnSpc>
@@ -231,7 +231,7 @@
         <a:srgbClr val="000000"/>
       </a:buClr>
       <a:buFont typeface="Arial"/>
-      <a:defRPr b="0" i="0" sz="1400" u="none" cap="none" strike="noStrike">
+      <a:defRPr sz="1400" b="0" i="0" u="none" strike="noStrike" cap="none">
         <a:solidFill>
           <a:srgbClr val="000000"/>
         </a:solidFill>
@@ -241,7 +241,7 @@
         <a:sym typeface="Arial"/>
       </a:defRPr>
     </a:lvl8pPr>
-    <a:lvl9pPr lvl="8" marR="0" rtl="0" algn="l">
+    <a:lvl9pPr marR="0" lvl="8" algn="l" rtl="0">
       <a:lnSpc>
         <a:spcPct val="100000"/>
       </a:lnSpc>
@@ -255,7 +255,7 @@
         <a:srgbClr val="000000"/>
       </a:buClr>
       <a:buFont typeface="Arial"/>
-      <a:defRPr b="0" i="0" sz="1400" u="none" cap="none" strike="noStrike">
+      <a:defRPr sz="1400" b="0" i="0" u="none" strike="noStrike" cap="none">
         <a:solidFill>
           <a:srgbClr val="000000"/>
         </a:solidFill>
@@ -268,7 +268,7 @@
   </p:defaultTextStyle>
   <p:extLst>
     <p:ext uri="{EFAFB233-063F-42B5-8137-9DF3F51BA10A}">
-      <p15:sldGuideLst>
+      <p15:sldGuideLst xmlns:p15="http://schemas.microsoft.com/office/powerpoint/2012/main">
         <p15:guide id="1" orient="horz" pos="1620">
           <p15:clr>
             <a:srgbClr val="747775"/>
@@ -286,11 +286,16 @@
 </file>
 
 <file path=ppt/notesMasters/notesMaster1.xml><?xml version="1.0" encoding="utf-8"?>
-<p:notesMaster xmlns:a="http://schemas.openxmlformats.org/drawingml/2006/main" xmlns:r="http://schemas.openxmlformats.org/officeDocument/2006/relationships" xmlns:mc="http://schemas.openxmlformats.org/markup-compatibility/2006" xmlns:mv="urn:schemas-microsoft-com:mac:vml" xmlns:p="http://schemas.openxmlformats.org/presentationml/2006/main" xmlns:c="http://schemas.openxmlformats.org/drawingml/2006/chart" xmlns:dgm="http://schemas.openxmlformats.org/drawingml/2006/diagram" xmlns:o="urn:schemas-microsoft-com:office:office" xmlns:v="urn:schemas-microsoft-com:vml" xmlns:pvml="urn:schemas-microsoft-com:office:powerpoint" xmlns:com="http://schemas.openxmlformats.org/drawingml/2006/compatibility" xmlns:p14="http://schemas.microsoft.com/office/powerpoint/2010/main" xmlns:p15="http://schemas.microsoft.com/office/powerpoint/2012/main" xmlns:ahyp="http://schemas.microsoft.com/office/drawing/2018/hyperlinkcolor">
+<p:notesMaster xmlns:a="http://schemas.openxmlformats.org/drawingml/2006/main" xmlns:r="http://schemas.openxmlformats.org/officeDocument/2006/relationships" xmlns:p="http://schemas.openxmlformats.org/presentationml/2006/main">
   <p:cSld>
+    <p:bg>
+      <p:bgRef idx="1001">
+        <a:schemeClr val="bg1"/>
+      </p:bgRef>
+    </p:bg>
     <p:spTree>
       <p:nvGrpSpPr>
-        <p:cNvPr id="2" name="Shape 2"/>
+        <p:cNvPr id="1" name="Shape 2"/>
         <p:cNvGrpSpPr/>
         <p:nvPr/>
       </p:nvGrpSpPr>
@@ -305,9 +310,11 @@
       <p:sp>
         <p:nvSpPr>
           <p:cNvPr id="3" name="Google Shape;3;n"/>
-          <p:cNvSpPr/>
+          <p:cNvSpPr>
+            <a:spLocks noGrp="1" noRot="1" noChangeAspect="1"/>
+          </p:cNvSpPr>
           <p:nvPr>
-            <p:ph idx="2" type="sldImg"/>
+            <p:ph type="sldImg" idx="2"/>
           </p:nvPr>
         </p:nvSpPr>
         <p:spPr>
@@ -316,9 +323,13 @@
             <a:ext cx="6096075" cy="3429000"/>
           </a:xfrm>
           <a:custGeom>
-            <a:rect b="b" l="l" r="r" t="t"/>
+            <a:avLst/>
+            <a:gdLst/>
+            <a:ahLst/>
+            <a:cxnLst/>
+            <a:rect l="l" t="t" r="r" b="b"/>
             <a:pathLst>
-              <a:path extrusionOk="0" h="120000" w="120000">
+              <a:path w="120000" h="120000" extrusionOk="0">
                 <a:moveTo>
                   <a:pt x="0" y="0"/>
                 </a:moveTo>
@@ -336,23 +347,25 @@
             </a:pathLst>
           </a:custGeom>
           <a:noFill/>
-          <a:ln cap="flat" cmpd="sng" w="9525">
+          <a:ln w="9525" cap="flat" cmpd="sng">
             <a:solidFill>
               <a:srgbClr val="000000"/>
             </a:solidFill>
             <a:prstDash val="solid"/>
             <a:round/>
-            <a:headEnd len="sm" w="sm" type="none"/>
-            <a:tailEnd len="sm" w="sm" type="none"/>
+            <a:headEnd type="none" w="sm" len="sm"/>
+            <a:tailEnd type="none" w="sm" len="sm"/>
           </a:ln>
         </p:spPr>
       </p:sp>
       <p:sp>
         <p:nvSpPr>
           <p:cNvPr id="4" name="Google Shape;4;n"/>
-          <p:cNvSpPr txBox="1"/>
+          <p:cNvSpPr txBox="1">
+            <a:spLocks noGrp="1"/>
+          </p:cNvSpPr>
           <p:nvPr>
-            <p:ph idx="1" type="body"/>
+            <p:ph type="body" idx="1"/>
           </p:nvPr>
         </p:nvSpPr>
         <p:spPr>
@@ -369,11 +382,11 @@
           </a:ln>
         </p:spPr>
         <p:txBody>
-          <a:bodyPr anchorCtr="0" anchor="t" bIns="91425" lIns="91425" spcFirstLastPara="1" rIns="91425" wrap="square" tIns="91425">
+          <a:bodyPr spcFirstLastPara="1" wrap="square" lIns="91425" tIns="91425" rIns="91425" bIns="91425" anchor="t" anchorCtr="0">
             <a:noAutofit/>
           </a:bodyPr>
           <a:lstStyle>
-            <a:lvl1pPr indent="-298450" lvl="0" marL="457200">
+            <a:lvl1pPr marL="457200" lvl="0" indent="-298450">
               <a:spcBef>
                 <a:spcPts val="0"/>
               </a:spcBef>
@@ -384,7 +397,7 @@
               <a:buChar char="●"/>
               <a:defRPr sz="1100"/>
             </a:lvl1pPr>
-            <a:lvl2pPr indent="-298450" lvl="1" marL="914400">
+            <a:lvl2pPr marL="914400" lvl="1" indent="-298450">
               <a:spcBef>
                 <a:spcPts val="0"/>
               </a:spcBef>
@@ -395,7 +408,7 @@
               <a:buChar char="○"/>
               <a:defRPr sz="1100"/>
             </a:lvl2pPr>
-            <a:lvl3pPr indent="-298450" lvl="2" marL="1371600">
+            <a:lvl3pPr marL="1371600" lvl="2" indent="-298450">
               <a:spcBef>
                 <a:spcPts val="0"/>
               </a:spcBef>
@@ -406,7 +419,7 @@
               <a:buChar char="■"/>
               <a:defRPr sz="1100"/>
             </a:lvl3pPr>
-            <a:lvl4pPr indent="-298450" lvl="3" marL="1828800">
+            <a:lvl4pPr marL="1828800" lvl="3" indent="-298450">
               <a:spcBef>
                 <a:spcPts val="0"/>
               </a:spcBef>
@@ -417,7 +430,7 @@
               <a:buChar char="●"/>
               <a:defRPr sz="1100"/>
             </a:lvl4pPr>
-            <a:lvl5pPr indent="-298450" lvl="4" marL="2286000">
+            <a:lvl5pPr marL="2286000" lvl="4" indent="-298450">
               <a:spcBef>
                 <a:spcPts val="0"/>
               </a:spcBef>
@@ -428,7 +441,7 @@
               <a:buChar char="○"/>
               <a:defRPr sz="1100"/>
             </a:lvl5pPr>
-            <a:lvl6pPr indent="-298450" lvl="5" marL="2743200">
+            <a:lvl6pPr marL="2743200" lvl="5" indent="-298450">
               <a:spcBef>
                 <a:spcPts val="0"/>
               </a:spcBef>
@@ -439,7 +452,7 @@
               <a:buChar char="■"/>
               <a:defRPr sz="1100"/>
             </a:lvl6pPr>
-            <a:lvl7pPr indent="-298450" lvl="6" marL="3200400">
+            <a:lvl7pPr marL="3200400" lvl="6" indent="-298450">
               <a:spcBef>
                 <a:spcPts val="0"/>
               </a:spcBef>
@@ -450,7 +463,7 @@
               <a:buChar char="●"/>
               <a:defRPr sz="1100"/>
             </a:lvl7pPr>
-            <a:lvl8pPr indent="-298450" lvl="7" marL="3657600">
+            <a:lvl8pPr marL="3657600" lvl="7" indent="-298450">
               <a:spcBef>
                 <a:spcPts val="0"/>
               </a:spcBef>
@@ -461,7 +474,7 @@
               <a:buChar char="○"/>
               <a:defRPr sz="1100"/>
             </a:lvl8pPr>
-            <a:lvl9pPr indent="-298450" lvl="8" marL="4114800">
+            <a:lvl9pPr marL="4114800" lvl="8" indent="-298450">
               <a:spcBef>
                 <a:spcPts val="0"/>
               </a:spcBef>
@@ -473,14 +486,16 @@
               <a:defRPr sz="1100"/>
             </a:lvl9pPr>
           </a:lstStyle>
-          <a:p/>
+          <a:p>
+            <a:endParaRPr/>
+          </a:p>
         </p:txBody>
       </p:sp>
     </p:spTree>
   </p:cSld>
-  <p:clrMap accent1="accent1" accent2="accent2" accent3="accent3" accent4="accent4" accent5="accent5" accent6="accent6" bg1="lt1" bg2="dk2" tx1="dk1" tx2="lt2" folHlink="folHlink" hlink="hlink"/>
+  <p:clrMap bg1="lt1" tx1="dk1" bg2="dk2" tx2="lt2" accent1="accent1" accent2="accent2" accent3="accent3" accent4="accent4" accent5="accent5" accent6="accent6" hlink="hlink" folHlink="folHlink"/>
   <p:notesStyle>
-    <a:defPPr lvl="0" marR="0" rtl="0" algn="l">
+    <a:defPPr marR="0" lvl="0" algn="l" rtl="0">
       <a:lnSpc>
         <a:spcPct val="100000"/>
       </a:lnSpc>
@@ -491,7 +506,7 @@
         <a:spcPts val="0"/>
       </a:spcAft>
     </a:defPPr>
-    <a:lvl1pPr lvl="0" marR="0" rtl="0" algn="l">
+    <a:lvl1pPr marR="0" lvl="0" algn="l" rtl="0">
       <a:lnSpc>
         <a:spcPct val="100000"/>
       </a:lnSpc>
@@ -505,7 +520,7 @@
         <a:srgbClr val="000000"/>
       </a:buClr>
       <a:buFont typeface="Arial"/>
-      <a:defRPr b="0" i="0" sz="1400" u="none" cap="none" strike="noStrike">
+      <a:defRPr sz="1400" b="0" i="0" u="none" strike="noStrike" cap="none">
         <a:solidFill>
           <a:srgbClr val="000000"/>
         </a:solidFill>
@@ -515,7 +530,7 @@
         <a:sym typeface="Arial"/>
       </a:defRPr>
     </a:lvl1pPr>
-    <a:lvl2pPr lvl="1" marR="0" rtl="0" algn="l">
+    <a:lvl2pPr marR="0" lvl="1" algn="l" rtl="0">
       <a:lnSpc>
         <a:spcPct val="100000"/>
       </a:lnSpc>
@@ -529,7 +544,7 @@
         <a:srgbClr val="000000"/>
       </a:buClr>
       <a:buFont typeface="Arial"/>
-      <a:defRPr b="0" i="0" sz="1400" u="none" cap="none" strike="noStrike">
+      <a:defRPr sz="1400" b="0" i="0" u="none" strike="noStrike" cap="none">
         <a:solidFill>
           <a:srgbClr val="000000"/>
         </a:solidFill>
@@ -539,7 +554,7 @@
         <a:sym typeface="Arial"/>
       </a:defRPr>
     </a:lvl2pPr>
-    <a:lvl3pPr lvl="2" marR="0" rtl="0" algn="l">
+    <a:lvl3pPr marR="0" lvl="2" algn="l" rtl="0">
       <a:lnSpc>
         <a:spcPct val="100000"/>
       </a:lnSpc>
@@ -553,7 +568,7 @@
         <a:srgbClr val="000000"/>
       </a:buClr>
       <a:buFont typeface="Arial"/>
-      <a:defRPr b="0" i="0" sz="1400" u="none" cap="none" strike="noStrike">
+      <a:defRPr sz="1400" b="0" i="0" u="none" strike="noStrike" cap="none">
         <a:solidFill>
           <a:srgbClr val="000000"/>
         </a:solidFill>
@@ -563,7 +578,7 @@
         <a:sym typeface="Arial"/>
       </a:defRPr>
     </a:lvl3pPr>
-    <a:lvl4pPr lvl="3" marR="0" rtl="0" algn="l">
+    <a:lvl4pPr marR="0" lvl="3" algn="l" rtl="0">
       <a:lnSpc>
         <a:spcPct val="100000"/>
       </a:lnSpc>
@@ -577,7 +592,7 @@
         <a:srgbClr val="000000"/>
       </a:buClr>
       <a:buFont typeface="Arial"/>
-      <a:defRPr b="0" i="0" sz="1400" u="none" cap="none" strike="noStrike">
+      <a:defRPr sz="1400" b="0" i="0" u="none" strike="noStrike" cap="none">
         <a:solidFill>
           <a:srgbClr val="000000"/>
         </a:solidFill>
@@ -587,7 +602,7 @@
         <a:sym typeface="Arial"/>
       </a:defRPr>
     </a:lvl4pPr>
-    <a:lvl5pPr lvl="4" marR="0" rtl="0" algn="l">
+    <a:lvl5pPr marR="0" lvl="4" algn="l" rtl="0">
       <a:lnSpc>
         <a:spcPct val="100000"/>
       </a:lnSpc>
@@ -601,7 +616,7 @@
         <a:srgbClr val="000000"/>
       </a:buClr>
       <a:buFont typeface="Arial"/>
-      <a:defRPr b="0" i="0" sz="1400" u="none" cap="none" strike="noStrike">
+      <a:defRPr sz="1400" b="0" i="0" u="none" strike="noStrike" cap="none">
         <a:solidFill>
           <a:srgbClr val="000000"/>
         </a:solidFill>
@@ -611,7 +626,7 @@
         <a:sym typeface="Arial"/>
       </a:defRPr>
     </a:lvl5pPr>
-    <a:lvl6pPr lvl="5" marR="0" rtl="0" algn="l">
+    <a:lvl6pPr marR="0" lvl="5" algn="l" rtl="0">
       <a:lnSpc>
         <a:spcPct val="100000"/>
       </a:lnSpc>
@@ -625,7 +640,7 @@
         <a:srgbClr val="000000"/>
       </a:buClr>
       <a:buFont typeface="Arial"/>
-      <a:defRPr b="0" i="0" sz="1400" u="none" cap="none" strike="noStrike">
+      <a:defRPr sz="1400" b="0" i="0" u="none" strike="noStrike" cap="none">
         <a:solidFill>
           <a:srgbClr val="000000"/>
         </a:solidFill>
@@ -635,7 +650,7 @@
         <a:sym typeface="Arial"/>
       </a:defRPr>
     </a:lvl6pPr>
-    <a:lvl7pPr lvl="6" marR="0" rtl="0" algn="l">
+    <a:lvl7pPr marR="0" lvl="6" algn="l" rtl="0">
       <a:lnSpc>
         <a:spcPct val="100000"/>
       </a:lnSpc>
@@ -649,7 +664,7 @@
         <a:srgbClr val="000000"/>
       </a:buClr>
       <a:buFont typeface="Arial"/>
-      <a:defRPr b="0" i="0" sz="1400" u="none" cap="none" strike="noStrike">
+      <a:defRPr sz="1400" b="0" i="0" u="none" strike="noStrike" cap="none">
         <a:solidFill>
           <a:srgbClr val="000000"/>
         </a:solidFill>
@@ -659,7 +674,7 @@
         <a:sym typeface="Arial"/>
       </a:defRPr>
     </a:lvl7pPr>
-    <a:lvl8pPr lvl="7" marR="0" rtl="0" algn="l">
+    <a:lvl8pPr marR="0" lvl="7" algn="l" rtl="0">
       <a:lnSpc>
         <a:spcPct val="100000"/>
       </a:lnSpc>
@@ -673,7 +688,7 @@
         <a:srgbClr val="000000"/>
       </a:buClr>
       <a:buFont typeface="Arial"/>
-      <a:defRPr b="0" i="0" sz="1400" u="none" cap="none" strike="noStrike">
+      <a:defRPr sz="1400" b="0" i="0" u="none" strike="noStrike" cap="none">
         <a:solidFill>
           <a:srgbClr val="000000"/>
         </a:solidFill>
@@ -683,7 +698,7 @@
         <a:sym typeface="Arial"/>
       </a:defRPr>
     </a:lvl8pPr>
-    <a:lvl9pPr lvl="8" marR="0" rtl="0" algn="l">
+    <a:lvl9pPr marR="0" lvl="8" algn="l" rtl="0">
       <a:lnSpc>
         <a:spcPct val="100000"/>
       </a:lnSpc>
@@ -697,7 +712,7 @@
         <a:srgbClr val="000000"/>
       </a:buClr>
       <a:buFont typeface="Arial"/>
-      <a:defRPr b="0" i="0" sz="1400" u="none" cap="none" strike="noStrike">
+      <a:defRPr sz="1400" b="0" i="0" u="none" strike="noStrike" cap="none">
         <a:solidFill>
           <a:srgbClr val="000000"/>
         </a:solidFill>
@@ -712,11 +727,11 @@
 </file>
 
 <file path=ppt/notesSlides/notesSlide1.xml><?xml version="1.0" encoding="utf-8"?>
-<p:notes xmlns:a="http://schemas.openxmlformats.org/drawingml/2006/main" xmlns:r="http://schemas.openxmlformats.org/officeDocument/2006/relationships" xmlns:mc="http://schemas.openxmlformats.org/markup-compatibility/2006" xmlns:mv="urn:schemas-microsoft-com:mac:vml" xmlns:p="http://schemas.openxmlformats.org/presentationml/2006/main" xmlns:c="http://schemas.openxmlformats.org/drawingml/2006/chart" xmlns:dgm="http://schemas.openxmlformats.org/drawingml/2006/diagram" xmlns:o="urn:schemas-microsoft-com:office:office" xmlns:v="urn:schemas-microsoft-com:vml" xmlns:pvml="urn:schemas-microsoft-com:office:powerpoint" xmlns:com="http://schemas.openxmlformats.org/drawingml/2006/compatibility" xmlns:p14="http://schemas.microsoft.com/office/powerpoint/2010/main" xmlns:p15="http://schemas.microsoft.com/office/powerpoint/2012/main" xmlns:ahyp="http://schemas.microsoft.com/office/drawing/2018/hyperlinkcolor" showMasterPhAnim="0" showMasterSp="0">
+<p:notes xmlns:a="http://schemas.openxmlformats.org/drawingml/2006/main" xmlns:r="http://schemas.openxmlformats.org/officeDocument/2006/relationships" xmlns:p="http://schemas.openxmlformats.org/presentationml/2006/main" showMasterSp="0" showMasterPhAnim="0">
   <p:cSld>
     <p:spTree>
       <p:nvGrpSpPr>
-        <p:cNvPr id="82" name="Shape 82"/>
+        <p:cNvPr id="1" name="Shape 82"/>
         <p:cNvGrpSpPr/>
         <p:nvPr/>
       </p:nvGrpSpPr>
@@ -731,20 +746,26 @@
       <p:sp>
         <p:nvSpPr>
           <p:cNvPr id="83" name="Google Shape;83;p:notes"/>
-          <p:cNvSpPr/>
+          <p:cNvSpPr>
+            <a:spLocks noGrp="1" noRot="1" noChangeAspect="1"/>
+          </p:cNvSpPr>
           <p:nvPr>
-            <p:ph idx="2" type="sldImg"/>
+            <p:ph type="sldImg" idx="2"/>
           </p:nvPr>
         </p:nvSpPr>
         <p:spPr>
           <a:xfrm>
-            <a:off x="381300" y="685800"/>
-            <a:ext cx="6096075" cy="3429000"/>
+            <a:off x="381000" y="685800"/>
+            <a:ext cx="6096000" cy="3429000"/>
           </a:xfrm>
           <a:custGeom>
-            <a:rect b="b" l="l" r="r" t="t"/>
+            <a:avLst/>
+            <a:gdLst/>
+            <a:ahLst/>
+            <a:cxnLst/>
+            <a:rect l="l" t="t" r="r" b="b"/>
             <a:pathLst>
-              <a:path extrusionOk="0" h="120000" w="120000">
+              <a:path w="120000" h="120000" extrusionOk="0">
                 <a:moveTo>
                   <a:pt x="0" y="0"/>
                 </a:moveTo>
@@ -766,9 +787,11 @@
       <p:sp>
         <p:nvSpPr>
           <p:cNvPr id="84" name="Google Shape;84;p:notes"/>
-          <p:cNvSpPr txBox="1"/>
+          <p:cNvSpPr txBox="1">
+            <a:spLocks noGrp="1"/>
+          </p:cNvSpPr>
           <p:nvPr>
-            <p:ph idx="1" type="body"/>
+            <p:ph type="body" idx="1"/>
           </p:nvPr>
         </p:nvSpPr>
         <p:spPr>
@@ -781,12 +804,12 @@
           </a:prstGeom>
         </p:spPr>
         <p:txBody>
-          <a:bodyPr anchorCtr="0" anchor="t" bIns="91425" lIns="91425" spcFirstLastPara="1" rIns="91425" wrap="square" tIns="91425">
+          <a:bodyPr spcFirstLastPara="1" wrap="square" lIns="91425" tIns="91425" rIns="91425" bIns="91425" anchor="t" anchorCtr="0">
             <a:noAutofit/>
           </a:bodyPr>
           <a:lstStyle/>
           <a:p>
-            <a:pPr indent="0" lvl="0" marL="0" rtl="0" algn="l">
+            <a:pPr marL="0" lvl="0" indent="0" algn="l" rtl="0">
               <a:spcBef>
                 <a:spcPts val="0"/>
               </a:spcBef>
@@ -795,9 +818,6 @@
               </a:spcAft>
               <a:buNone/>
             </a:pPr>
-            <a:r>
-              <a:t/>
-            </a:r>
             <a:endParaRPr/>
           </a:p>
         </p:txBody>
@@ -811,11 +831,11 @@
 </file>
 
 <file path=ppt/notesSlides/notesSlide2.xml><?xml version="1.0" encoding="utf-8"?>
-<p:notes xmlns:a="http://schemas.openxmlformats.org/drawingml/2006/main" xmlns:r="http://schemas.openxmlformats.org/officeDocument/2006/relationships" xmlns:mc="http://schemas.openxmlformats.org/markup-compatibility/2006" xmlns:mv="urn:schemas-microsoft-com:mac:vml" xmlns:p="http://schemas.openxmlformats.org/presentationml/2006/main" xmlns:c="http://schemas.openxmlformats.org/drawingml/2006/chart" xmlns:dgm="http://schemas.openxmlformats.org/drawingml/2006/diagram" xmlns:o="urn:schemas-microsoft-com:office:office" xmlns:v="urn:schemas-microsoft-com:vml" xmlns:pvml="urn:schemas-microsoft-com:office:powerpoint" xmlns:com="http://schemas.openxmlformats.org/drawingml/2006/compatibility" xmlns:p14="http://schemas.microsoft.com/office/powerpoint/2010/main" xmlns:p15="http://schemas.microsoft.com/office/powerpoint/2012/main" xmlns:ahyp="http://schemas.microsoft.com/office/drawing/2018/hyperlinkcolor" showMasterPhAnim="0" showMasterSp="0">
+<p:notes xmlns:a="http://schemas.openxmlformats.org/drawingml/2006/main" xmlns:r="http://schemas.openxmlformats.org/officeDocument/2006/relationships" xmlns:p="http://schemas.openxmlformats.org/presentationml/2006/main" showMasterSp="0" showMasterPhAnim="0">
   <p:cSld>
     <p:spTree>
       <p:nvGrpSpPr>
-        <p:cNvPr id="90" name="Shape 90"/>
+        <p:cNvPr id="1" name="Shape 90"/>
         <p:cNvGrpSpPr/>
         <p:nvPr/>
       </p:nvGrpSpPr>
@@ -830,9 +850,11 @@
       <p:sp>
         <p:nvSpPr>
           <p:cNvPr id="91" name="Google Shape;91;g2482ec45172_0_196:notes"/>
-          <p:cNvSpPr/>
+          <p:cNvSpPr>
+            <a:spLocks noGrp="1" noRot="1" noChangeAspect="1"/>
+          </p:cNvSpPr>
           <p:nvPr>
-            <p:ph idx="2" type="sldImg"/>
+            <p:ph type="sldImg" idx="2"/>
           </p:nvPr>
         </p:nvSpPr>
         <p:spPr>
@@ -841,9 +863,13 @@
             <a:ext cx="6096000" cy="3429000"/>
           </a:xfrm>
           <a:custGeom>
-            <a:rect b="b" l="l" r="r" t="t"/>
+            <a:avLst/>
+            <a:gdLst/>
+            <a:ahLst/>
+            <a:cxnLst/>
+            <a:rect l="l" t="t" r="r" b="b"/>
             <a:pathLst>
-              <a:path extrusionOk="0" h="120000" w="120000">
+              <a:path w="120000" h="120000" extrusionOk="0">
                 <a:moveTo>
                   <a:pt x="0" y="0"/>
                 </a:moveTo>
@@ -865,9 +891,11 @@
       <p:sp>
         <p:nvSpPr>
           <p:cNvPr id="92" name="Google Shape;92;g2482ec45172_0_196:notes"/>
-          <p:cNvSpPr txBox="1"/>
+          <p:cNvSpPr txBox="1">
+            <a:spLocks noGrp="1"/>
+          </p:cNvSpPr>
           <p:nvPr>
-            <p:ph idx="1" type="body"/>
+            <p:ph type="body" idx="1"/>
           </p:nvPr>
         </p:nvSpPr>
         <p:spPr>
@@ -880,12 +908,12 @@
           </a:prstGeom>
         </p:spPr>
         <p:txBody>
-          <a:bodyPr anchorCtr="0" anchor="t" bIns="91425" lIns="91425" spcFirstLastPara="1" rIns="91425" wrap="square" tIns="91425">
+          <a:bodyPr spcFirstLastPara="1" wrap="square" lIns="91425" tIns="91425" rIns="91425" bIns="91425" anchor="t" anchorCtr="0">
             <a:noAutofit/>
           </a:bodyPr>
           <a:lstStyle/>
           <a:p>
-            <a:pPr indent="0" lvl="0" marL="0" rtl="0" algn="l">
+            <a:pPr marL="0" lvl="0" indent="0" algn="l" rtl="0">
               <a:spcBef>
                 <a:spcPts val="0"/>
               </a:spcBef>
@@ -894,9 +922,6 @@
               </a:spcAft>
               <a:buNone/>
             </a:pPr>
-            <a:r>
-              <a:t/>
-            </a:r>
             <a:endParaRPr/>
           </a:p>
         </p:txBody>
@@ -910,11 +935,11 @@
 </file>
 
 <file path=ppt/notesSlides/notesSlide3.xml><?xml version="1.0" encoding="utf-8"?>
-<p:notes xmlns:a="http://schemas.openxmlformats.org/drawingml/2006/main" xmlns:r="http://schemas.openxmlformats.org/officeDocument/2006/relationships" xmlns:mc="http://schemas.openxmlformats.org/markup-compatibility/2006" xmlns:mv="urn:schemas-microsoft-com:mac:vml" xmlns:p="http://schemas.openxmlformats.org/presentationml/2006/main" xmlns:c="http://schemas.openxmlformats.org/drawingml/2006/chart" xmlns:dgm="http://schemas.openxmlformats.org/drawingml/2006/diagram" xmlns:o="urn:schemas-microsoft-com:office:office" xmlns:v="urn:schemas-microsoft-com:vml" xmlns:pvml="urn:schemas-microsoft-com:office:powerpoint" xmlns:com="http://schemas.openxmlformats.org/drawingml/2006/compatibility" xmlns:p14="http://schemas.microsoft.com/office/powerpoint/2010/main" xmlns:p15="http://schemas.microsoft.com/office/powerpoint/2012/main" xmlns:ahyp="http://schemas.microsoft.com/office/drawing/2018/hyperlinkcolor" showMasterPhAnim="0" showMasterSp="0">
+<p:notes xmlns:a="http://schemas.openxmlformats.org/drawingml/2006/main" xmlns:r="http://schemas.openxmlformats.org/officeDocument/2006/relationships" xmlns:p="http://schemas.openxmlformats.org/presentationml/2006/main" showMasterSp="0" showMasterPhAnim="0">
   <p:cSld>
     <p:spTree>
       <p:nvGrpSpPr>
-        <p:cNvPr id="97" name="Shape 97"/>
+        <p:cNvPr id="1" name="Shape 97"/>
         <p:cNvGrpSpPr/>
         <p:nvPr/>
       </p:nvGrpSpPr>
@@ -929,9 +954,11 @@
       <p:sp>
         <p:nvSpPr>
           <p:cNvPr id="98" name="Google Shape;98;g2482ec45172_0_201:notes"/>
-          <p:cNvSpPr/>
+          <p:cNvSpPr>
+            <a:spLocks noGrp="1" noRot="1" noChangeAspect="1"/>
+          </p:cNvSpPr>
           <p:nvPr>
-            <p:ph idx="2" type="sldImg"/>
+            <p:ph type="sldImg" idx="2"/>
           </p:nvPr>
         </p:nvSpPr>
         <p:spPr>
@@ -940,9 +967,13 @@
             <a:ext cx="6096000" cy="3429000"/>
           </a:xfrm>
           <a:custGeom>
-            <a:rect b="b" l="l" r="r" t="t"/>
+            <a:avLst/>
+            <a:gdLst/>
+            <a:ahLst/>
+            <a:cxnLst/>
+            <a:rect l="l" t="t" r="r" b="b"/>
             <a:pathLst>
-              <a:path extrusionOk="0" h="120000" w="120000">
+              <a:path w="120000" h="120000" extrusionOk="0">
                 <a:moveTo>
                   <a:pt x="0" y="0"/>
                 </a:moveTo>
@@ -964,9 +995,11 @@
       <p:sp>
         <p:nvSpPr>
           <p:cNvPr id="99" name="Google Shape;99;g2482ec45172_0_201:notes"/>
-          <p:cNvSpPr txBox="1"/>
+          <p:cNvSpPr txBox="1">
+            <a:spLocks noGrp="1"/>
+          </p:cNvSpPr>
           <p:nvPr>
-            <p:ph idx="1" type="body"/>
+            <p:ph type="body" idx="1"/>
           </p:nvPr>
         </p:nvSpPr>
         <p:spPr>
@@ -979,12 +1012,12 @@
           </a:prstGeom>
         </p:spPr>
         <p:txBody>
-          <a:bodyPr anchorCtr="0" anchor="t" bIns="91425" lIns="91425" spcFirstLastPara="1" rIns="91425" wrap="square" tIns="91425">
+          <a:bodyPr spcFirstLastPara="1" wrap="square" lIns="91425" tIns="91425" rIns="91425" bIns="91425" anchor="t" anchorCtr="0">
             <a:noAutofit/>
           </a:bodyPr>
           <a:lstStyle/>
           <a:p>
-            <a:pPr indent="0" lvl="0" marL="0" rtl="0" algn="l">
+            <a:pPr marL="0" lvl="0" indent="0" algn="l" rtl="0">
               <a:spcBef>
                 <a:spcPts val="0"/>
               </a:spcBef>
@@ -993,9 +1026,6 @@
               </a:spcAft>
               <a:buNone/>
             </a:pPr>
-            <a:r>
-              <a:t/>
-            </a:r>
             <a:endParaRPr/>
           </a:p>
         </p:txBody>
@@ -1009,11 +1039,11 @@
 </file>
 
 <file path=ppt/notesSlides/notesSlide4.xml><?xml version="1.0" encoding="utf-8"?>
-<p:notes xmlns:a="http://schemas.openxmlformats.org/drawingml/2006/main" xmlns:r="http://schemas.openxmlformats.org/officeDocument/2006/relationships" xmlns:mc="http://schemas.openxmlformats.org/markup-compatibility/2006" xmlns:mv="urn:schemas-microsoft-com:mac:vml" xmlns:p="http://schemas.openxmlformats.org/presentationml/2006/main" xmlns:c="http://schemas.openxmlformats.org/drawingml/2006/chart" xmlns:dgm="http://schemas.openxmlformats.org/drawingml/2006/diagram" xmlns:o="urn:schemas-microsoft-com:office:office" xmlns:v="urn:schemas-microsoft-com:vml" xmlns:pvml="urn:schemas-microsoft-com:office:powerpoint" xmlns:com="http://schemas.openxmlformats.org/drawingml/2006/compatibility" xmlns:p14="http://schemas.microsoft.com/office/powerpoint/2010/main" xmlns:p15="http://schemas.microsoft.com/office/powerpoint/2012/main" xmlns:ahyp="http://schemas.microsoft.com/office/drawing/2018/hyperlinkcolor" showMasterPhAnim="0" showMasterSp="0">
+<p:notes xmlns:a="http://schemas.openxmlformats.org/drawingml/2006/main" xmlns:r="http://schemas.openxmlformats.org/officeDocument/2006/relationships" xmlns:p="http://schemas.openxmlformats.org/presentationml/2006/main" showMasterSp="0" showMasterPhAnim="0">
   <p:cSld>
     <p:spTree>
       <p:nvGrpSpPr>
-        <p:cNvPr id="104" name="Shape 104"/>
+        <p:cNvPr id="1" name="Shape 104"/>
         <p:cNvGrpSpPr/>
         <p:nvPr/>
       </p:nvGrpSpPr>
@@ -1028,9 +1058,11 @@
       <p:sp>
         <p:nvSpPr>
           <p:cNvPr id="105" name="Google Shape;105;g2482ec45172_0_877:notes"/>
-          <p:cNvSpPr/>
+          <p:cNvSpPr>
+            <a:spLocks noGrp="1" noRot="1" noChangeAspect="1"/>
+          </p:cNvSpPr>
           <p:nvPr>
-            <p:ph idx="2" type="sldImg"/>
+            <p:ph type="sldImg" idx="2"/>
           </p:nvPr>
         </p:nvSpPr>
         <p:spPr>
@@ -1039,9 +1071,13 @@
             <a:ext cx="6096000" cy="3429000"/>
           </a:xfrm>
           <a:custGeom>
-            <a:rect b="b" l="l" r="r" t="t"/>
+            <a:avLst/>
+            <a:gdLst/>
+            <a:ahLst/>
+            <a:cxnLst/>
+            <a:rect l="l" t="t" r="r" b="b"/>
             <a:pathLst>
-              <a:path extrusionOk="0" h="120000" w="120000">
+              <a:path w="120000" h="120000" extrusionOk="0">
                 <a:moveTo>
                   <a:pt x="0" y="0"/>
                 </a:moveTo>
@@ -1063,9 +1099,11 @@
       <p:sp>
         <p:nvSpPr>
           <p:cNvPr id="106" name="Google Shape;106;g2482ec45172_0_877:notes"/>
-          <p:cNvSpPr txBox="1"/>
+          <p:cNvSpPr txBox="1">
+            <a:spLocks noGrp="1"/>
+          </p:cNvSpPr>
           <p:nvPr>
-            <p:ph idx="1" type="body"/>
+            <p:ph type="body" idx="1"/>
           </p:nvPr>
         </p:nvSpPr>
         <p:spPr>
@@ -1078,12 +1116,12 @@
           </a:prstGeom>
         </p:spPr>
         <p:txBody>
-          <a:bodyPr anchorCtr="0" anchor="t" bIns="91425" lIns="91425" spcFirstLastPara="1" rIns="91425" wrap="square" tIns="91425">
+          <a:bodyPr spcFirstLastPara="1" wrap="square" lIns="91425" tIns="91425" rIns="91425" bIns="91425" anchor="t" anchorCtr="0">
             <a:noAutofit/>
           </a:bodyPr>
           <a:lstStyle/>
           <a:p>
-            <a:pPr indent="0" lvl="0" marL="0" rtl="0" algn="l">
+            <a:pPr marL="0" lvl="0" indent="0" algn="l" rtl="0">
               <a:spcBef>
                 <a:spcPts val="0"/>
               </a:spcBef>
@@ -1092,9 +1130,6 @@
               </a:spcAft>
               <a:buNone/>
             </a:pPr>
-            <a:r>
-              <a:t/>
-            </a:r>
             <a:endParaRPr/>
           </a:p>
         </p:txBody>
@@ -1108,11 +1143,11 @@
 </file>
 
 <file path=ppt/notesSlides/notesSlide5.xml><?xml version="1.0" encoding="utf-8"?>
-<p:notes xmlns:a="http://schemas.openxmlformats.org/drawingml/2006/main" xmlns:r="http://schemas.openxmlformats.org/officeDocument/2006/relationships" xmlns:mc="http://schemas.openxmlformats.org/markup-compatibility/2006" xmlns:mv="urn:schemas-microsoft-com:mac:vml" xmlns:p="http://schemas.openxmlformats.org/presentationml/2006/main" xmlns:c="http://schemas.openxmlformats.org/drawingml/2006/chart" xmlns:dgm="http://schemas.openxmlformats.org/drawingml/2006/diagram" xmlns:o="urn:schemas-microsoft-com:office:office" xmlns:v="urn:schemas-microsoft-com:vml" xmlns:pvml="urn:schemas-microsoft-com:office:powerpoint" xmlns:com="http://schemas.openxmlformats.org/drawingml/2006/compatibility" xmlns:p14="http://schemas.microsoft.com/office/powerpoint/2010/main" xmlns:p15="http://schemas.microsoft.com/office/powerpoint/2012/main" xmlns:ahyp="http://schemas.microsoft.com/office/drawing/2018/hyperlinkcolor" showMasterPhAnim="0" showMasterSp="0">
+<p:notes xmlns:a="http://schemas.openxmlformats.org/drawingml/2006/main" xmlns:r="http://schemas.openxmlformats.org/officeDocument/2006/relationships" xmlns:p="http://schemas.openxmlformats.org/presentationml/2006/main" showMasterSp="0" showMasterPhAnim="0">
   <p:cSld>
     <p:spTree>
       <p:nvGrpSpPr>
-        <p:cNvPr id="112" name="Shape 112"/>
+        <p:cNvPr id="1" name="Shape 112"/>
         <p:cNvGrpSpPr/>
         <p:nvPr/>
       </p:nvGrpSpPr>
@@ -1127,9 +1162,11 @@
       <p:sp>
         <p:nvSpPr>
           <p:cNvPr id="113" name="Google Shape;113;g2482ec45172_0_885:notes"/>
-          <p:cNvSpPr/>
+          <p:cNvSpPr>
+            <a:spLocks noGrp="1" noRot="1" noChangeAspect="1"/>
+          </p:cNvSpPr>
           <p:nvPr>
-            <p:ph idx="2" type="sldImg"/>
+            <p:ph type="sldImg" idx="2"/>
           </p:nvPr>
         </p:nvSpPr>
         <p:spPr>
@@ -1138,9 +1175,13 @@
             <a:ext cx="6096000" cy="3429000"/>
           </a:xfrm>
           <a:custGeom>
-            <a:rect b="b" l="l" r="r" t="t"/>
+            <a:avLst/>
+            <a:gdLst/>
+            <a:ahLst/>
+            <a:cxnLst/>
+            <a:rect l="l" t="t" r="r" b="b"/>
             <a:pathLst>
-              <a:path extrusionOk="0" h="120000" w="120000">
+              <a:path w="120000" h="120000" extrusionOk="0">
                 <a:moveTo>
                   <a:pt x="0" y="0"/>
                 </a:moveTo>
@@ -1162,9 +1203,11 @@
       <p:sp>
         <p:nvSpPr>
           <p:cNvPr id="114" name="Google Shape;114;g2482ec45172_0_885:notes"/>
-          <p:cNvSpPr txBox="1"/>
+          <p:cNvSpPr txBox="1">
+            <a:spLocks noGrp="1"/>
+          </p:cNvSpPr>
           <p:nvPr>
-            <p:ph idx="1" type="body"/>
+            <p:ph type="body" idx="1"/>
           </p:nvPr>
         </p:nvSpPr>
         <p:spPr>
@@ -1177,12 +1220,12 @@
           </a:prstGeom>
         </p:spPr>
         <p:txBody>
-          <a:bodyPr anchorCtr="0" anchor="t" bIns="91425" lIns="91425" spcFirstLastPara="1" rIns="91425" wrap="square" tIns="91425">
+          <a:bodyPr spcFirstLastPara="1" wrap="square" lIns="91425" tIns="91425" rIns="91425" bIns="91425" anchor="t" anchorCtr="0">
             <a:noAutofit/>
           </a:bodyPr>
           <a:lstStyle/>
           <a:p>
-            <a:pPr indent="0" lvl="0" marL="0" rtl="0" algn="l">
+            <a:pPr marL="0" lvl="0" indent="0" algn="l" rtl="0">
               <a:spcBef>
                 <a:spcPts val="0"/>
               </a:spcBef>
@@ -1191,9 +1234,6 @@
               </a:spcAft>
               <a:buNone/>
             </a:pPr>
-            <a:r>
-              <a:t/>
-            </a:r>
             <a:endParaRPr/>
           </a:p>
         </p:txBody>
@@ -1207,18 +1247,19 @@
 </file>
 
 <file path=ppt/slideLayouts/slideLayout1.xml><?xml version="1.0" encoding="utf-8"?>
-<p:sldLayout xmlns:a="http://schemas.openxmlformats.org/drawingml/2006/main" xmlns:r="http://schemas.openxmlformats.org/officeDocument/2006/relationships" xmlns:mc="http://schemas.openxmlformats.org/markup-compatibility/2006" xmlns:mv="urn:schemas-microsoft-com:mac:vml" xmlns:p="http://schemas.openxmlformats.org/presentationml/2006/main" xmlns:c="http://schemas.openxmlformats.org/drawingml/2006/chart" xmlns:dgm="http://schemas.openxmlformats.org/drawingml/2006/diagram" xmlns:o="urn:schemas-microsoft-com:office:office" xmlns:v="urn:schemas-microsoft-com:vml" xmlns:pvml="urn:schemas-microsoft-com:office:powerpoint" xmlns:com="http://schemas.openxmlformats.org/drawingml/2006/compatibility" xmlns:p14="http://schemas.microsoft.com/office/powerpoint/2010/main" xmlns:p15="http://schemas.microsoft.com/office/powerpoint/2012/main" xmlns:ahyp="http://schemas.microsoft.com/office/drawing/2018/hyperlinkcolor" matchingName="Title slide" type="title">
+<p:sldLayout xmlns:a="http://schemas.openxmlformats.org/drawingml/2006/main" xmlns:r="http://schemas.openxmlformats.org/officeDocument/2006/relationships" xmlns:p="http://schemas.openxmlformats.org/presentationml/2006/main" matchingName="Title slide" type="title">
   <p:cSld name="TITLE">
     <p:bg>
       <p:bgPr>
         <a:solidFill>
           <a:schemeClr val="lt2"/>
         </a:solidFill>
+        <a:effectLst/>
       </p:bgPr>
     </p:bg>
     <p:spTree>
       <p:nvGrpSpPr>
-        <p:cNvPr id="9" name="Shape 9"/>
+        <p:cNvPr id="1" name="Shape 9"/>
         <p:cNvGrpSpPr/>
         <p:nvPr/>
       </p:nvGrpSpPr>
@@ -1252,12 +1293,12 @@
           </a:ln>
         </p:spPr>
         <p:txBody>
-          <a:bodyPr anchorCtr="0" anchor="ctr" bIns="91425" lIns="91425" spcFirstLastPara="1" rIns="91425" wrap="square" tIns="91425">
+          <a:bodyPr spcFirstLastPara="1" wrap="square" lIns="91425" tIns="91425" rIns="91425" bIns="91425" anchor="ctr" anchorCtr="0">
             <a:noAutofit/>
           </a:bodyPr>
           <a:lstStyle/>
           <a:p>
-            <a:pPr indent="0" lvl="0" marL="0" rtl="0" algn="l">
+            <a:pPr marL="0" lvl="0" indent="0" algn="l" rtl="0">
               <a:spcBef>
                 <a:spcPts val="0"/>
               </a:spcBef>
@@ -1266,9 +1307,6 @@
               </a:spcAft>
               <a:buNone/>
             </a:pPr>
-            <a:r>
-              <a:t/>
-            </a:r>
             <a:endParaRPr/>
           </a:p>
         </p:txBody>
@@ -1309,12 +1347,12 @@
             </a:ln>
           </p:spPr>
           <p:txBody>
-            <a:bodyPr anchorCtr="0" anchor="ctr" bIns="91425" lIns="91425" spcFirstLastPara="1" rIns="91425" wrap="square" tIns="91425">
+            <a:bodyPr spcFirstLastPara="1" wrap="square" lIns="91425" tIns="91425" rIns="91425" bIns="91425" anchor="ctr" anchorCtr="0">
               <a:noAutofit/>
             </a:bodyPr>
             <a:lstStyle/>
             <a:p>
-              <a:pPr indent="0" lvl="0" marL="0" rtl="0" algn="l">
+              <a:pPr marL="0" lvl="0" indent="0" algn="l" rtl="0">
                 <a:spcBef>
                   <a:spcPts val="0"/>
                 </a:spcBef>
@@ -1323,9 +1361,6 @@
                 </a:spcAft>
                 <a:buNone/>
               </a:pPr>
-              <a:r>
-                <a:t/>
-              </a:r>
               <a:endParaRPr/>
             </a:p>
           </p:txBody>
@@ -1352,12 +1387,12 @@
             </a:ln>
           </p:spPr>
           <p:txBody>
-            <a:bodyPr anchorCtr="0" anchor="ctr" bIns="91425" lIns="91425" spcFirstLastPara="1" rIns="91425" wrap="square" tIns="91425">
+            <a:bodyPr spcFirstLastPara="1" wrap="square" lIns="91425" tIns="91425" rIns="91425" bIns="91425" anchor="ctr" anchorCtr="0">
               <a:noAutofit/>
             </a:bodyPr>
             <a:lstStyle/>
             <a:p>
-              <a:pPr indent="0" lvl="0" marL="0" rtl="0" algn="l">
+              <a:pPr marL="0" lvl="0" indent="0" algn="l" rtl="0">
                 <a:spcBef>
                   <a:spcPts val="0"/>
                 </a:spcBef>
@@ -1366,9 +1401,6 @@
                 </a:spcAft>
                 <a:buNone/>
               </a:pPr>
-              <a:r>
-                <a:t/>
-              </a:r>
               <a:endParaRPr/>
             </a:p>
           </p:txBody>
@@ -1377,7 +1409,9 @@
       <p:sp>
         <p:nvSpPr>
           <p:cNvPr id="14" name="Google Shape;14;p2"/>
-          <p:cNvSpPr txBox="1"/>
+          <p:cNvSpPr txBox="1">
+            <a:spLocks noGrp="1"/>
+          </p:cNvSpPr>
           <p:nvPr>
             <p:ph type="ctrTitle"/>
           </p:nvPr>
@@ -1392,7 +1426,7 @@
           </a:prstGeom>
         </p:spPr>
         <p:txBody>
-          <a:bodyPr anchorCtr="0" anchor="t" bIns="91425" lIns="91425" spcFirstLastPara="1" rIns="91425" wrap="square" tIns="91425">
+          <a:bodyPr spcFirstLastPara="1" wrap="square" lIns="91425" tIns="91425" rIns="91425" bIns="91425" anchor="t" anchorCtr="0">
             <a:normAutofit/>
           </a:bodyPr>
           <a:lstStyle>
@@ -1496,15 +1530,19 @@
               <a:defRPr sz="4200"/>
             </a:lvl9pPr>
           </a:lstStyle>
-          <a:p/>
+          <a:p>
+            <a:endParaRPr/>
+          </a:p>
         </p:txBody>
       </p:sp>
       <p:sp>
         <p:nvSpPr>
           <p:cNvPr id="15" name="Google Shape;15;p2"/>
-          <p:cNvSpPr txBox="1"/>
+          <p:cNvSpPr txBox="1">
+            <a:spLocks noGrp="1"/>
+          </p:cNvSpPr>
           <p:nvPr>
-            <p:ph idx="1" type="subTitle"/>
+            <p:ph type="subTitle" idx="1"/>
           </p:nvPr>
         </p:nvSpPr>
         <p:spPr>
@@ -1517,7 +1555,7 @@
           </a:prstGeom>
         </p:spPr>
         <p:txBody>
-          <a:bodyPr anchorCtr="0" anchor="t" bIns="91425" lIns="91425" spcFirstLastPara="1" rIns="91425" wrap="square" tIns="91425">
+          <a:bodyPr spcFirstLastPara="1" wrap="square" lIns="91425" tIns="91425" rIns="91425" bIns="91425" anchor="t" anchorCtr="0">
             <a:normAutofit/>
           </a:bodyPr>
           <a:lstStyle>
@@ -1648,15 +1686,19 @@
               <a:defRPr sz="1600"/>
             </a:lvl9pPr>
           </a:lstStyle>
-          <a:p/>
+          <a:p>
+            <a:endParaRPr/>
+          </a:p>
         </p:txBody>
       </p:sp>
       <p:sp>
         <p:nvSpPr>
           <p:cNvPr id="16" name="Google Shape;16;p2"/>
-          <p:cNvSpPr txBox="1"/>
+          <p:cNvSpPr txBox="1">
+            <a:spLocks noGrp="1"/>
+          </p:cNvSpPr>
           <p:nvPr>
-            <p:ph idx="12" type="sldNum"/>
+            <p:ph type="sldNum" idx="12"/>
           </p:nvPr>
         </p:nvSpPr>
         <p:spPr>
@@ -1669,7 +1711,7 @@
           </a:prstGeom>
         </p:spPr>
         <p:txBody>
-          <a:bodyPr anchorCtr="0" anchor="ctr" bIns="91425" lIns="91425" spcFirstLastPara="1" rIns="91425" wrap="square" tIns="91425">
+          <a:bodyPr spcFirstLastPara="1" wrap="square" lIns="91425" tIns="91425" rIns="91425" bIns="91425" anchor="ctr" anchorCtr="0">
             <a:normAutofit/>
           </a:bodyPr>
           <a:lstStyle>
@@ -1711,7 +1753,7 @@
             </a:lvl9pPr>
           </a:lstStyle>
           <a:p>
-            <a:pPr indent="0" lvl="0" marL="0" rtl="0" algn="r">
+            <a:pPr marL="0" lvl="0" indent="0" algn="r" rtl="0">
               <a:spcBef>
                 <a:spcPts val="0"/>
               </a:spcBef>
@@ -1722,7 +1764,7 @@
             </a:pPr>
             <a:fld id="{00000000-1234-1234-1234-123412341234}" type="slidenum">
               <a:rPr lang="pt-PT"/>
-              <a:t>‹#›</a:t>
+              <a:t>‹nº›</a:t>
             </a:fld>
             <a:endParaRPr/>
           </a:p>
@@ -1737,18 +1779,19 @@
 </file>
 
 <file path=ppt/slideLayouts/slideLayout10.xml><?xml version="1.0" encoding="utf-8"?>
-<p:sldLayout xmlns:a="http://schemas.openxmlformats.org/drawingml/2006/main" xmlns:r="http://schemas.openxmlformats.org/officeDocument/2006/relationships" xmlns:mc="http://schemas.openxmlformats.org/markup-compatibility/2006" xmlns:mv="urn:schemas-microsoft-com:mac:vml" xmlns:p="http://schemas.openxmlformats.org/presentationml/2006/main" xmlns:c="http://schemas.openxmlformats.org/drawingml/2006/chart" xmlns:dgm="http://schemas.openxmlformats.org/drawingml/2006/diagram" xmlns:o="urn:schemas-microsoft-com:office:office" xmlns:v="urn:schemas-microsoft-com:vml" xmlns:pvml="urn:schemas-microsoft-com:office:powerpoint" xmlns:com="http://schemas.openxmlformats.org/drawingml/2006/compatibility" xmlns:p14="http://schemas.microsoft.com/office/powerpoint/2010/main" xmlns:p15="http://schemas.microsoft.com/office/powerpoint/2012/main" xmlns:ahyp="http://schemas.microsoft.com/office/drawing/2018/hyperlinkcolor" matchingName="Big number">
+<p:sldLayout xmlns:a="http://schemas.openxmlformats.org/drawingml/2006/main" xmlns:r="http://schemas.openxmlformats.org/officeDocument/2006/relationships" xmlns:p="http://schemas.openxmlformats.org/presentationml/2006/main" matchingName="Big number">
   <p:cSld name="BIG_NUMBER">
     <p:bg>
       <p:bgPr>
         <a:solidFill>
           <a:schemeClr val="dk1"/>
         </a:solidFill>
+        <a:effectLst/>
       </p:bgPr>
     </p:bg>
     <p:spTree>
       <p:nvGrpSpPr>
-        <p:cNvPr id="73" name="Shape 73"/>
+        <p:cNvPr id="1" name="Shape 73"/>
         <p:cNvGrpSpPr/>
         <p:nvPr/>
       </p:nvGrpSpPr>
@@ -1796,12 +1839,12 @@
             </a:ln>
           </p:spPr>
           <p:txBody>
-            <a:bodyPr anchorCtr="0" anchor="ctr" bIns="91425" lIns="91425" spcFirstLastPara="1" rIns="91425" wrap="square" tIns="91425">
+            <a:bodyPr spcFirstLastPara="1" wrap="square" lIns="91425" tIns="91425" rIns="91425" bIns="91425" anchor="ctr" anchorCtr="0">
               <a:noAutofit/>
             </a:bodyPr>
             <a:lstStyle/>
             <a:p>
-              <a:pPr indent="0" lvl="0" marL="0" rtl="0" algn="l">
+              <a:pPr marL="0" lvl="0" indent="0" algn="l" rtl="0">
                 <a:spcBef>
                   <a:spcPts val="0"/>
                 </a:spcBef>
@@ -1810,9 +1853,6 @@
                 </a:spcAft>
                 <a:buNone/>
               </a:pPr>
-              <a:r>
-                <a:t/>
-              </a:r>
               <a:endParaRPr/>
             </a:p>
           </p:txBody>
@@ -1839,12 +1879,12 @@
             </a:ln>
           </p:spPr>
           <p:txBody>
-            <a:bodyPr anchorCtr="0" anchor="ctr" bIns="91425" lIns="91425" spcFirstLastPara="1" rIns="91425" wrap="square" tIns="91425">
+            <a:bodyPr spcFirstLastPara="1" wrap="square" lIns="91425" tIns="91425" rIns="91425" bIns="91425" anchor="ctr" anchorCtr="0">
               <a:noAutofit/>
             </a:bodyPr>
             <a:lstStyle/>
             <a:p>
-              <a:pPr indent="0" lvl="0" marL="0" rtl="0" algn="l">
+              <a:pPr marL="0" lvl="0" indent="0" algn="l" rtl="0">
                 <a:spcBef>
                   <a:spcPts val="0"/>
                 </a:spcBef>
@@ -1853,9 +1893,6 @@
                 </a:spcAft>
                 <a:buNone/>
               </a:pPr>
-              <a:r>
-                <a:t/>
-              </a:r>
               <a:endParaRPr/>
             </a:p>
           </p:txBody>
@@ -1864,9 +1901,11 @@
       <p:sp>
         <p:nvSpPr>
           <p:cNvPr id="77" name="Google Shape;77;p11"/>
-          <p:cNvSpPr txBox="1"/>
+          <p:cNvSpPr txBox="1">
+            <a:spLocks noGrp="1"/>
+          </p:cNvSpPr>
           <p:nvPr>
-            <p:ph hasCustomPrompt="1" type="title"/>
+            <p:ph type="title" hasCustomPrompt="1"/>
           </p:nvPr>
         </p:nvSpPr>
         <p:spPr>
@@ -1879,7 +1918,7 @@
           </a:prstGeom>
         </p:spPr>
         <p:txBody>
-          <a:bodyPr anchorCtr="0" anchor="t" bIns="91425" lIns="91425" spcFirstLastPara="1" rIns="91425" wrap="square" tIns="91425">
+          <a:bodyPr spcFirstLastPara="1" wrap="square" lIns="91425" tIns="91425" rIns="91425" bIns="91425" anchor="t" anchorCtr="0">
             <a:normAutofit/>
           </a:bodyPr>
           <a:lstStyle>
@@ -2056,9 +2095,11 @@
       <p:sp>
         <p:nvSpPr>
           <p:cNvPr id="78" name="Google Shape;78;p11"/>
-          <p:cNvSpPr txBox="1"/>
+          <p:cNvSpPr txBox="1">
+            <a:spLocks noGrp="1"/>
+          </p:cNvSpPr>
           <p:nvPr>
-            <p:ph idx="1" type="body"/>
+            <p:ph type="body" idx="1"/>
           </p:nvPr>
         </p:nvSpPr>
         <p:spPr>
@@ -2071,11 +2112,11 @@
           </a:prstGeom>
         </p:spPr>
         <p:txBody>
-          <a:bodyPr anchorCtr="0" anchor="t" bIns="91425" lIns="91425" spcFirstLastPara="1" rIns="91425" wrap="square" tIns="91425">
+          <a:bodyPr spcFirstLastPara="1" wrap="square" lIns="91425" tIns="91425" rIns="91425" bIns="91425" anchor="t" anchorCtr="0">
             <a:normAutofit/>
           </a:bodyPr>
           <a:lstStyle>
-            <a:lvl1pPr indent="-311150" lvl="0" marL="457200">
+            <a:lvl1pPr marL="457200" lvl="0" indent="-311150">
               <a:spcBef>
                 <a:spcPts val="0"/>
               </a:spcBef>
@@ -2093,7 +2134,7 @@
                 </a:solidFill>
               </a:defRPr>
             </a:lvl1pPr>
-            <a:lvl2pPr indent="-298450" lvl="1" marL="914400">
+            <a:lvl2pPr marL="914400" lvl="1" indent="-298450">
               <a:spcBef>
                 <a:spcPts val="0"/>
               </a:spcBef>
@@ -2111,7 +2152,7 @@
                 </a:solidFill>
               </a:defRPr>
             </a:lvl2pPr>
-            <a:lvl3pPr indent="-298450" lvl="2" marL="1371600">
+            <a:lvl3pPr marL="1371600" lvl="2" indent="-298450">
               <a:spcBef>
                 <a:spcPts val="0"/>
               </a:spcBef>
@@ -2129,7 +2170,7 @@
                 </a:solidFill>
               </a:defRPr>
             </a:lvl3pPr>
-            <a:lvl4pPr indent="-298450" lvl="3" marL="1828800">
+            <a:lvl4pPr marL="1828800" lvl="3" indent="-298450">
               <a:spcBef>
                 <a:spcPts val="0"/>
               </a:spcBef>
@@ -2147,7 +2188,7 @@
                 </a:solidFill>
               </a:defRPr>
             </a:lvl4pPr>
-            <a:lvl5pPr indent="-298450" lvl="4" marL="2286000">
+            <a:lvl5pPr marL="2286000" lvl="4" indent="-298450">
               <a:spcBef>
                 <a:spcPts val="0"/>
               </a:spcBef>
@@ -2165,7 +2206,7 @@
                 </a:solidFill>
               </a:defRPr>
             </a:lvl5pPr>
-            <a:lvl6pPr indent="-298450" lvl="5" marL="2743200">
+            <a:lvl6pPr marL="2743200" lvl="5" indent="-298450">
               <a:spcBef>
                 <a:spcPts val="0"/>
               </a:spcBef>
@@ -2183,7 +2224,7 @@
                 </a:solidFill>
               </a:defRPr>
             </a:lvl6pPr>
-            <a:lvl7pPr indent="-298450" lvl="6" marL="3200400">
+            <a:lvl7pPr marL="3200400" lvl="6" indent="-298450">
               <a:spcBef>
                 <a:spcPts val="0"/>
               </a:spcBef>
@@ -2201,7 +2242,7 @@
                 </a:solidFill>
               </a:defRPr>
             </a:lvl7pPr>
-            <a:lvl8pPr indent="-298450" lvl="7" marL="3657600">
+            <a:lvl8pPr marL="3657600" lvl="7" indent="-298450">
               <a:spcBef>
                 <a:spcPts val="0"/>
               </a:spcBef>
@@ -2219,7 +2260,7 @@
                 </a:solidFill>
               </a:defRPr>
             </a:lvl8pPr>
-            <a:lvl9pPr indent="-298450" lvl="8" marL="4114800">
+            <a:lvl9pPr marL="4114800" lvl="8" indent="-298450">
               <a:spcBef>
                 <a:spcPts val="0"/>
               </a:spcBef>
@@ -2238,15 +2279,19 @@
               </a:defRPr>
             </a:lvl9pPr>
           </a:lstStyle>
-          <a:p/>
+          <a:p>
+            <a:endParaRPr/>
+          </a:p>
         </p:txBody>
       </p:sp>
       <p:sp>
         <p:nvSpPr>
           <p:cNvPr id="79" name="Google Shape;79;p11"/>
-          <p:cNvSpPr txBox="1"/>
+          <p:cNvSpPr txBox="1">
+            <a:spLocks noGrp="1"/>
+          </p:cNvSpPr>
           <p:nvPr>
-            <p:ph idx="12" type="sldNum"/>
+            <p:ph type="sldNum" idx="12"/>
           </p:nvPr>
         </p:nvSpPr>
         <p:spPr>
@@ -2259,7 +2304,7 @@
           </a:prstGeom>
         </p:spPr>
         <p:txBody>
-          <a:bodyPr anchorCtr="0" anchor="ctr" bIns="91425" lIns="91425" spcFirstLastPara="1" rIns="91425" wrap="square" tIns="91425">
+          <a:bodyPr spcFirstLastPara="1" wrap="square" lIns="91425" tIns="91425" rIns="91425" bIns="91425" anchor="ctr" anchorCtr="0">
             <a:normAutofit/>
           </a:bodyPr>
           <a:lstStyle>
@@ -2337,7 +2382,7 @@
             </a:lvl9pPr>
           </a:lstStyle>
           <a:p>
-            <a:pPr indent="0" lvl="0" marL="0" rtl="0" algn="r">
+            <a:pPr marL="0" lvl="0" indent="0" algn="r" rtl="0">
               <a:spcBef>
                 <a:spcPts val="0"/>
               </a:spcBef>
@@ -2348,7 +2393,7 @@
             </a:pPr>
             <a:fld id="{00000000-1234-1234-1234-123412341234}" type="slidenum">
               <a:rPr lang="pt-PT"/>
-              <a:t>‹#›</a:t>
+              <a:t>‹nº›</a:t>
             </a:fld>
             <a:endParaRPr/>
           </a:p>
@@ -2363,11 +2408,11 @@
 </file>
 
 <file path=ppt/slideLayouts/slideLayout11.xml><?xml version="1.0" encoding="utf-8"?>
-<p:sldLayout xmlns:a="http://schemas.openxmlformats.org/drawingml/2006/main" xmlns:r="http://schemas.openxmlformats.org/officeDocument/2006/relationships" xmlns:mc="http://schemas.openxmlformats.org/markup-compatibility/2006" xmlns:mv="urn:schemas-microsoft-com:mac:vml" xmlns:p="http://schemas.openxmlformats.org/presentationml/2006/main" xmlns:c="http://schemas.openxmlformats.org/drawingml/2006/chart" xmlns:dgm="http://schemas.openxmlformats.org/drawingml/2006/diagram" xmlns:o="urn:schemas-microsoft-com:office:office" xmlns:v="urn:schemas-microsoft-com:vml" xmlns:pvml="urn:schemas-microsoft-com:office:powerpoint" xmlns:com="http://schemas.openxmlformats.org/drawingml/2006/compatibility" xmlns:p14="http://schemas.microsoft.com/office/powerpoint/2010/main" xmlns:p15="http://schemas.microsoft.com/office/powerpoint/2012/main" xmlns:ahyp="http://schemas.microsoft.com/office/drawing/2018/hyperlinkcolor" matchingName="Blank" type="blank">
+<p:sldLayout xmlns:a="http://schemas.openxmlformats.org/drawingml/2006/main" xmlns:r="http://schemas.openxmlformats.org/officeDocument/2006/relationships" xmlns:p="http://schemas.openxmlformats.org/presentationml/2006/main" matchingName="Blank" type="blank">
   <p:cSld name="BLANK">
     <p:spTree>
       <p:nvGrpSpPr>
-        <p:cNvPr id="80" name="Shape 80"/>
+        <p:cNvPr id="1" name="Shape 80"/>
         <p:cNvGrpSpPr/>
         <p:nvPr/>
       </p:nvGrpSpPr>
@@ -2382,9 +2427,11 @@
       <p:sp>
         <p:nvSpPr>
           <p:cNvPr id="81" name="Google Shape;81;p12"/>
-          <p:cNvSpPr txBox="1"/>
+          <p:cNvSpPr txBox="1">
+            <a:spLocks noGrp="1"/>
+          </p:cNvSpPr>
           <p:nvPr>
-            <p:ph idx="12" type="sldNum"/>
+            <p:ph type="sldNum" idx="12"/>
           </p:nvPr>
         </p:nvSpPr>
         <p:spPr>
@@ -2397,7 +2444,7 @@
           </a:prstGeom>
         </p:spPr>
         <p:txBody>
-          <a:bodyPr anchorCtr="0" anchor="ctr" bIns="91425" lIns="91425" spcFirstLastPara="1" rIns="91425" wrap="square" tIns="91425">
+          <a:bodyPr spcFirstLastPara="1" wrap="square" lIns="91425" tIns="91425" rIns="91425" bIns="91425" anchor="ctr" anchorCtr="0">
             <a:normAutofit/>
           </a:bodyPr>
           <a:lstStyle>
@@ -2439,7 +2486,7 @@
             </a:lvl9pPr>
           </a:lstStyle>
           <a:p>
-            <a:pPr indent="0" lvl="0" marL="0" rtl="0" algn="r">
+            <a:pPr marL="0" lvl="0" indent="0" algn="r" rtl="0">
               <a:spcBef>
                 <a:spcPts val="0"/>
               </a:spcBef>
@@ -2450,7 +2497,7 @@
             </a:pPr>
             <a:fld id="{00000000-1234-1234-1234-123412341234}" type="slidenum">
               <a:rPr lang="pt-PT"/>
-              <a:t>‹#›</a:t>
+              <a:t>‹nº›</a:t>
             </a:fld>
             <a:endParaRPr/>
           </a:p>
@@ -2465,18 +2512,19 @@
 </file>
 
 <file path=ppt/slideLayouts/slideLayout2.xml><?xml version="1.0" encoding="utf-8"?>
-<p:sldLayout xmlns:a="http://schemas.openxmlformats.org/drawingml/2006/main" xmlns:r="http://schemas.openxmlformats.org/officeDocument/2006/relationships" xmlns:mc="http://schemas.openxmlformats.org/markup-compatibility/2006" xmlns:mv="urn:schemas-microsoft-com:mac:vml" xmlns:p="http://schemas.openxmlformats.org/presentationml/2006/main" xmlns:c="http://schemas.openxmlformats.org/drawingml/2006/chart" xmlns:dgm="http://schemas.openxmlformats.org/drawingml/2006/diagram" xmlns:o="urn:schemas-microsoft-com:office:office" xmlns:v="urn:schemas-microsoft-com:vml" xmlns:pvml="urn:schemas-microsoft-com:office:powerpoint" xmlns:com="http://schemas.openxmlformats.org/drawingml/2006/compatibility" xmlns:p14="http://schemas.microsoft.com/office/powerpoint/2010/main" xmlns:p15="http://schemas.microsoft.com/office/powerpoint/2012/main" xmlns:ahyp="http://schemas.microsoft.com/office/drawing/2018/hyperlinkcolor" matchingName="Section header" type="secHead">
+<p:sldLayout xmlns:a="http://schemas.openxmlformats.org/drawingml/2006/main" xmlns:r="http://schemas.openxmlformats.org/officeDocument/2006/relationships" xmlns:p="http://schemas.openxmlformats.org/presentationml/2006/main" matchingName="Section header" type="secHead">
   <p:cSld name="SECTION_HEADER">
     <p:bg>
       <p:bgPr>
         <a:solidFill>
           <a:schemeClr val="dk1"/>
         </a:solidFill>
+        <a:effectLst/>
       </p:bgPr>
     </p:bg>
     <p:spTree>
       <p:nvGrpSpPr>
-        <p:cNvPr id="17" name="Shape 17"/>
+        <p:cNvPr id="1" name="Shape 17"/>
         <p:cNvGrpSpPr/>
         <p:nvPr/>
       </p:nvGrpSpPr>
@@ -2524,12 +2572,12 @@
             </a:ln>
           </p:spPr>
           <p:txBody>
-            <a:bodyPr anchorCtr="0" anchor="ctr" bIns="91425" lIns="91425" spcFirstLastPara="1" rIns="91425" wrap="square" tIns="91425">
+            <a:bodyPr spcFirstLastPara="1" wrap="square" lIns="91425" tIns="91425" rIns="91425" bIns="91425" anchor="ctr" anchorCtr="0">
               <a:noAutofit/>
             </a:bodyPr>
             <a:lstStyle/>
             <a:p>
-              <a:pPr indent="0" lvl="0" marL="0" rtl="0" algn="l">
+              <a:pPr marL="0" lvl="0" indent="0" algn="l" rtl="0">
                 <a:spcBef>
                   <a:spcPts val="0"/>
                 </a:spcBef>
@@ -2538,9 +2586,6 @@
                 </a:spcAft>
                 <a:buNone/>
               </a:pPr>
-              <a:r>
-                <a:t/>
-              </a:r>
               <a:endParaRPr/>
             </a:p>
           </p:txBody>
@@ -2567,12 +2612,12 @@
             </a:ln>
           </p:spPr>
           <p:txBody>
-            <a:bodyPr anchorCtr="0" anchor="ctr" bIns="91425" lIns="91425" spcFirstLastPara="1" rIns="91425" wrap="square" tIns="91425">
+            <a:bodyPr spcFirstLastPara="1" wrap="square" lIns="91425" tIns="91425" rIns="91425" bIns="91425" anchor="ctr" anchorCtr="0">
               <a:noAutofit/>
             </a:bodyPr>
             <a:lstStyle/>
             <a:p>
-              <a:pPr indent="0" lvl="0" marL="0" rtl="0" algn="l">
+              <a:pPr marL="0" lvl="0" indent="0" algn="l" rtl="0">
                 <a:spcBef>
                   <a:spcPts val="0"/>
                 </a:spcBef>
@@ -2581,9 +2626,6 @@
                 </a:spcAft>
                 <a:buNone/>
               </a:pPr>
-              <a:r>
-                <a:t/>
-              </a:r>
               <a:endParaRPr/>
             </a:p>
           </p:txBody>
@@ -2592,7 +2634,9 @@
       <p:sp>
         <p:nvSpPr>
           <p:cNvPr id="21" name="Google Shape;21;p3"/>
-          <p:cNvSpPr txBox="1"/>
+          <p:cNvSpPr txBox="1">
+            <a:spLocks noGrp="1"/>
+          </p:cNvSpPr>
           <p:nvPr>
             <p:ph type="title"/>
           </p:nvPr>
@@ -2607,7 +2651,7 @@
           </a:prstGeom>
         </p:spPr>
         <p:txBody>
-          <a:bodyPr anchorCtr="0" anchor="t" bIns="91425" lIns="91425" spcFirstLastPara="1" rIns="91425" wrap="square" tIns="91425">
+          <a:bodyPr spcFirstLastPara="1" wrap="square" lIns="91425" tIns="91425" rIns="91425" bIns="91425" anchor="t" anchorCtr="0">
             <a:normAutofit/>
           </a:bodyPr>
           <a:lstStyle>
@@ -2774,15 +2818,19 @@
               </a:defRPr>
             </a:lvl9pPr>
           </a:lstStyle>
-          <a:p/>
+          <a:p>
+            <a:endParaRPr/>
+          </a:p>
         </p:txBody>
       </p:sp>
       <p:sp>
         <p:nvSpPr>
           <p:cNvPr id="22" name="Google Shape;22;p3"/>
-          <p:cNvSpPr txBox="1"/>
+          <p:cNvSpPr txBox="1">
+            <a:spLocks noGrp="1"/>
+          </p:cNvSpPr>
           <p:nvPr>
-            <p:ph idx="12" type="sldNum"/>
+            <p:ph type="sldNum" idx="12"/>
           </p:nvPr>
         </p:nvSpPr>
         <p:spPr>
@@ -2795,7 +2843,7 @@
           </a:prstGeom>
         </p:spPr>
         <p:txBody>
-          <a:bodyPr anchorCtr="0" anchor="ctr" bIns="91425" lIns="91425" spcFirstLastPara="1" rIns="91425" wrap="square" tIns="91425">
+          <a:bodyPr spcFirstLastPara="1" wrap="square" lIns="91425" tIns="91425" rIns="91425" bIns="91425" anchor="ctr" anchorCtr="0">
             <a:normAutofit/>
           </a:bodyPr>
           <a:lstStyle>
@@ -2873,7 +2921,7 @@
             </a:lvl9pPr>
           </a:lstStyle>
           <a:p>
-            <a:pPr indent="0" lvl="0" marL="0" rtl="0" algn="r">
+            <a:pPr marL="0" lvl="0" indent="0" algn="r" rtl="0">
               <a:spcBef>
                 <a:spcPts val="0"/>
               </a:spcBef>
@@ -2884,7 +2932,7 @@
             </a:pPr>
             <a:fld id="{00000000-1234-1234-1234-123412341234}" type="slidenum">
               <a:rPr lang="pt-PT"/>
-              <a:t>‹#›</a:t>
+              <a:t>‹nº›</a:t>
             </a:fld>
             <a:endParaRPr/>
           </a:p>
@@ -2899,11 +2947,11 @@
 </file>
 
 <file path=ppt/slideLayouts/slideLayout3.xml><?xml version="1.0" encoding="utf-8"?>
-<p:sldLayout xmlns:a="http://schemas.openxmlformats.org/drawingml/2006/main" xmlns:r="http://schemas.openxmlformats.org/officeDocument/2006/relationships" xmlns:mc="http://schemas.openxmlformats.org/markup-compatibility/2006" xmlns:mv="urn:schemas-microsoft-com:mac:vml" xmlns:p="http://schemas.openxmlformats.org/presentationml/2006/main" xmlns:c="http://schemas.openxmlformats.org/drawingml/2006/chart" xmlns:dgm="http://schemas.openxmlformats.org/drawingml/2006/diagram" xmlns:o="urn:schemas-microsoft-com:office:office" xmlns:v="urn:schemas-microsoft-com:vml" xmlns:pvml="urn:schemas-microsoft-com:office:powerpoint" xmlns:com="http://schemas.openxmlformats.org/drawingml/2006/compatibility" xmlns:p14="http://schemas.microsoft.com/office/powerpoint/2010/main" xmlns:p15="http://schemas.microsoft.com/office/powerpoint/2012/main" xmlns:ahyp="http://schemas.microsoft.com/office/drawing/2018/hyperlinkcolor" matchingName="Title and body" type="tx">
+<p:sldLayout xmlns:a="http://schemas.openxmlformats.org/drawingml/2006/main" xmlns:r="http://schemas.openxmlformats.org/officeDocument/2006/relationships" xmlns:p="http://schemas.openxmlformats.org/presentationml/2006/main" matchingName="Title and body" type="tx">
   <p:cSld name="TITLE_AND_BODY">
     <p:spTree>
       <p:nvGrpSpPr>
-        <p:cNvPr id="23" name="Shape 23"/>
+        <p:cNvPr id="1" name="Shape 23"/>
         <p:cNvGrpSpPr/>
         <p:nvPr/>
       </p:nvGrpSpPr>
@@ -2937,12 +2985,12 @@
           </a:ln>
         </p:spPr>
         <p:txBody>
-          <a:bodyPr anchorCtr="0" anchor="ctr" bIns="91425" lIns="91425" spcFirstLastPara="1" rIns="91425" wrap="square" tIns="91425">
+          <a:bodyPr spcFirstLastPara="1" wrap="square" lIns="91425" tIns="91425" rIns="91425" bIns="91425" anchor="ctr" anchorCtr="0">
             <a:noAutofit/>
           </a:bodyPr>
           <a:lstStyle/>
           <a:p>
-            <a:pPr indent="0" lvl="0" marL="0" rtl="0" algn="l">
+            <a:pPr marL="0" lvl="0" indent="0" algn="l" rtl="0">
               <a:spcBef>
                 <a:spcPts val="0"/>
               </a:spcBef>
@@ -2951,9 +2999,6 @@
               </a:spcAft>
               <a:buNone/>
             </a:pPr>
-            <a:r>
-              <a:t/>
-            </a:r>
             <a:endParaRPr/>
           </a:p>
         </p:txBody>
@@ -2994,12 +3039,12 @@
             </a:ln>
           </p:spPr>
           <p:txBody>
-            <a:bodyPr anchorCtr="0" anchor="ctr" bIns="91425" lIns="91425" spcFirstLastPara="1" rIns="91425" wrap="square" tIns="91425">
+            <a:bodyPr spcFirstLastPara="1" wrap="square" lIns="91425" tIns="91425" rIns="91425" bIns="91425" anchor="ctr" anchorCtr="0">
               <a:noAutofit/>
             </a:bodyPr>
             <a:lstStyle/>
             <a:p>
-              <a:pPr indent="0" lvl="0" marL="0" rtl="0" algn="l">
+              <a:pPr marL="0" lvl="0" indent="0" algn="l" rtl="0">
                 <a:spcBef>
                   <a:spcPts val="0"/>
                 </a:spcBef>
@@ -3008,9 +3053,6 @@
                 </a:spcAft>
                 <a:buNone/>
               </a:pPr>
-              <a:r>
-                <a:t/>
-              </a:r>
               <a:endParaRPr/>
             </a:p>
           </p:txBody>
@@ -3037,12 +3079,12 @@
             </a:ln>
           </p:spPr>
           <p:txBody>
-            <a:bodyPr anchorCtr="0" anchor="ctr" bIns="91425" lIns="91425" spcFirstLastPara="1" rIns="91425" wrap="square" tIns="91425">
+            <a:bodyPr spcFirstLastPara="1" wrap="square" lIns="91425" tIns="91425" rIns="91425" bIns="91425" anchor="ctr" anchorCtr="0">
               <a:noAutofit/>
             </a:bodyPr>
             <a:lstStyle/>
             <a:p>
-              <a:pPr indent="0" lvl="0" marL="0" rtl="0" algn="l">
+              <a:pPr marL="0" lvl="0" indent="0" algn="l" rtl="0">
                 <a:spcBef>
                   <a:spcPts val="0"/>
                 </a:spcBef>
@@ -3051,9 +3093,6 @@
                 </a:spcAft>
                 <a:buNone/>
               </a:pPr>
-              <a:r>
-                <a:t/>
-              </a:r>
               <a:endParaRPr/>
             </a:p>
           </p:txBody>
@@ -3062,7 +3101,9 @@
       <p:sp>
         <p:nvSpPr>
           <p:cNvPr id="28" name="Google Shape;28;p4"/>
-          <p:cNvSpPr txBox="1"/>
+          <p:cNvSpPr txBox="1">
+            <a:spLocks noGrp="1"/>
+          </p:cNvSpPr>
           <p:nvPr>
             <p:ph type="title"/>
           </p:nvPr>
@@ -3077,7 +3118,7 @@
           </a:prstGeom>
         </p:spPr>
         <p:txBody>
-          <a:bodyPr anchorCtr="0" anchor="t" bIns="91425" lIns="91425" spcFirstLastPara="1" rIns="91425" wrap="square" tIns="91425">
+          <a:bodyPr spcFirstLastPara="1" wrap="square" lIns="91425" tIns="91425" rIns="91425" bIns="91425" anchor="t" anchorCtr="0">
             <a:normAutofit/>
           </a:bodyPr>
           <a:lstStyle>
@@ -3181,15 +3222,19 @@
               <a:defRPr sz="2600"/>
             </a:lvl9pPr>
           </a:lstStyle>
-          <a:p/>
+          <a:p>
+            <a:endParaRPr/>
+          </a:p>
         </p:txBody>
       </p:sp>
       <p:sp>
         <p:nvSpPr>
           <p:cNvPr id="29" name="Google Shape;29;p4"/>
-          <p:cNvSpPr txBox="1"/>
+          <p:cNvSpPr txBox="1">
+            <a:spLocks noGrp="1"/>
+          </p:cNvSpPr>
           <p:nvPr>
-            <p:ph idx="1" type="body"/>
+            <p:ph type="body" idx="1"/>
           </p:nvPr>
         </p:nvSpPr>
         <p:spPr>
@@ -3202,11 +3247,11 @@
           </a:prstGeom>
         </p:spPr>
         <p:txBody>
-          <a:bodyPr anchorCtr="0" anchor="t" bIns="91425" lIns="91425" spcFirstLastPara="1" rIns="91425" wrap="square" tIns="91425">
+          <a:bodyPr spcFirstLastPara="1" wrap="square" lIns="91425" tIns="91425" rIns="91425" bIns="91425" anchor="t" anchorCtr="0">
             <a:normAutofit/>
           </a:bodyPr>
           <a:lstStyle>
-            <a:lvl1pPr indent="-311150" lvl="0" marL="457200">
+            <a:lvl1pPr marL="457200" lvl="0" indent="-311150">
               <a:spcBef>
                 <a:spcPts val="0"/>
               </a:spcBef>
@@ -3217,7 +3262,7 @@
               <a:buChar char="●"/>
               <a:defRPr/>
             </a:lvl1pPr>
-            <a:lvl2pPr indent="-298450" lvl="1" marL="914400">
+            <a:lvl2pPr marL="914400" lvl="1" indent="-298450">
               <a:spcBef>
                 <a:spcPts val="0"/>
               </a:spcBef>
@@ -3228,7 +3273,7 @@
               <a:buChar char="○"/>
               <a:defRPr/>
             </a:lvl2pPr>
-            <a:lvl3pPr indent="-298450" lvl="2" marL="1371600">
+            <a:lvl3pPr marL="1371600" lvl="2" indent="-298450">
               <a:spcBef>
                 <a:spcPts val="0"/>
               </a:spcBef>
@@ -3239,7 +3284,7 @@
               <a:buChar char="■"/>
               <a:defRPr/>
             </a:lvl3pPr>
-            <a:lvl4pPr indent="-298450" lvl="3" marL="1828800">
+            <a:lvl4pPr marL="1828800" lvl="3" indent="-298450">
               <a:spcBef>
                 <a:spcPts val="0"/>
               </a:spcBef>
@@ -3250,7 +3295,7 @@
               <a:buChar char="●"/>
               <a:defRPr/>
             </a:lvl4pPr>
-            <a:lvl5pPr indent="-298450" lvl="4" marL="2286000">
+            <a:lvl5pPr marL="2286000" lvl="4" indent="-298450">
               <a:spcBef>
                 <a:spcPts val="0"/>
               </a:spcBef>
@@ -3261,7 +3306,7 @@
               <a:buChar char="○"/>
               <a:defRPr/>
             </a:lvl5pPr>
-            <a:lvl6pPr indent="-298450" lvl="5" marL="2743200">
+            <a:lvl6pPr marL="2743200" lvl="5" indent="-298450">
               <a:spcBef>
                 <a:spcPts val="0"/>
               </a:spcBef>
@@ -3272,7 +3317,7 @@
               <a:buChar char="■"/>
               <a:defRPr/>
             </a:lvl6pPr>
-            <a:lvl7pPr indent="-298450" lvl="6" marL="3200400">
+            <a:lvl7pPr marL="3200400" lvl="6" indent="-298450">
               <a:spcBef>
                 <a:spcPts val="0"/>
               </a:spcBef>
@@ -3283,7 +3328,7 @@
               <a:buChar char="●"/>
               <a:defRPr/>
             </a:lvl7pPr>
-            <a:lvl8pPr indent="-298450" lvl="7" marL="3657600">
+            <a:lvl8pPr marL="3657600" lvl="7" indent="-298450">
               <a:spcBef>
                 <a:spcPts val="0"/>
               </a:spcBef>
@@ -3294,7 +3339,7 @@
               <a:buChar char="○"/>
               <a:defRPr/>
             </a:lvl8pPr>
-            <a:lvl9pPr indent="-298450" lvl="8" marL="4114800">
+            <a:lvl9pPr marL="4114800" lvl="8" indent="-298450">
               <a:spcBef>
                 <a:spcPts val="0"/>
               </a:spcBef>
@@ -3306,15 +3351,19 @@
               <a:defRPr/>
             </a:lvl9pPr>
           </a:lstStyle>
-          <a:p/>
+          <a:p>
+            <a:endParaRPr/>
+          </a:p>
         </p:txBody>
       </p:sp>
       <p:sp>
         <p:nvSpPr>
           <p:cNvPr id="30" name="Google Shape;30;p4"/>
-          <p:cNvSpPr txBox="1"/>
+          <p:cNvSpPr txBox="1">
+            <a:spLocks noGrp="1"/>
+          </p:cNvSpPr>
           <p:nvPr>
-            <p:ph idx="12" type="sldNum"/>
+            <p:ph type="sldNum" idx="12"/>
           </p:nvPr>
         </p:nvSpPr>
         <p:spPr>
@@ -3327,7 +3376,7 @@
           </a:prstGeom>
         </p:spPr>
         <p:txBody>
-          <a:bodyPr anchorCtr="0" anchor="ctr" bIns="91425" lIns="91425" spcFirstLastPara="1" rIns="91425" wrap="square" tIns="91425">
+          <a:bodyPr spcFirstLastPara="1" wrap="square" lIns="91425" tIns="91425" rIns="91425" bIns="91425" anchor="ctr" anchorCtr="0">
             <a:normAutofit/>
           </a:bodyPr>
           <a:lstStyle>
@@ -3369,7 +3418,7 @@
             </a:lvl9pPr>
           </a:lstStyle>
           <a:p>
-            <a:pPr indent="0" lvl="0" marL="0" rtl="0" algn="r">
+            <a:pPr marL="0" lvl="0" indent="0" algn="r" rtl="0">
               <a:spcBef>
                 <a:spcPts val="0"/>
               </a:spcBef>
@@ -3380,7 +3429,7 @@
             </a:pPr>
             <a:fld id="{00000000-1234-1234-1234-123412341234}" type="slidenum">
               <a:rPr lang="pt-PT"/>
-              <a:t>‹#›</a:t>
+              <a:t>‹nº›</a:t>
             </a:fld>
             <a:endParaRPr/>
           </a:p>
@@ -3395,11 +3444,11 @@
 </file>
 
 <file path=ppt/slideLayouts/slideLayout4.xml><?xml version="1.0" encoding="utf-8"?>
-<p:sldLayout xmlns:a="http://schemas.openxmlformats.org/drawingml/2006/main" xmlns:r="http://schemas.openxmlformats.org/officeDocument/2006/relationships" xmlns:mc="http://schemas.openxmlformats.org/markup-compatibility/2006" xmlns:mv="urn:schemas-microsoft-com:mac:vml" xmlns:p="http://schemas.openxmlformats.org/presentationml/2006/main" xmlns:c="http://schemas.openxmlformats.org/drawingml/2006/chart" xmlns:dgm="http://schemas.openxmlformats.org/drawingml/2006/diagram" xmlns:o="urn:schemas-microsoft-com:office:office" xmlns:v="urn:schemas-microsoft-com:vml" xmlns:pvml="urn:schemas-microsoft-com:office:powerpoint" xmlns:com="http://schemas.openxmlformats.org/drawingml/2006/compatibility" xmlns:p14="http://schemas.microsoft.com/office/powerpoint/2010/main" xmlns:p15="http://schemas.microsoft.com/office/powerpoint/2012/main" xmlns:ahyp="http://schemas.microsoft.com/office/drawing/2018/hyperlinkcolor" matchingName="Title and two columns" type="twoColTx">
+<p:sldLayout xmlns:a="http://schemas.openxmlformats.org/drawingml/2006/main" xmlns:r="http://schemas.openxmlformats.org/officeDocument/2006/relationships" xmlns:p="http://schemas.openxmlformats.org/presentationml/2006/main" matchingName="Title and two columns" type="twoColTx">
   <p:cSld name="TITLE_AND_TWO_COLUMNS">
     <p:spTree>
       <p:nvGrpSpPr>
-        <p:cNvPr id="31" name="Shape 31"/>
+        <p:cNvPr id="1" name="Shape 31"/>
         <p:cNvGrpSpPr/>
         <p:nvPr/>
       </p:nvGrpSpPr>
@@ -3433,12 +3482,12 @@
           </a:ln>
         </p:spPr>
         <p:txBody>
-          <a:bodyPr anchorCtr="0" anchor="ctr" bIns="91425" lIns="91425" spcFirstLastPara="1" rIns="91425" wrap="square" tIns="91425">
+          <a:bodyPr spcFirstLastPara="1" wrap="square" lIns="91425" tIns="91425" rIns="91425" bIns="91425" anchor="ctr" anchorCtr="0">
             <a:noAutofit/>
           </a:bodyPr>
           <a:lstStyle/>
           <a:p>
-            <a:pPr indent="0" lvl="0" marL="0" rtl="0" algn="l">
+            <a:pPr marL="0" lvl="0" indent="0" algn="l" rtl="0">
               <a:spcBef>
                 <a:spcPts val="0"/>
               </a:spcBef>
@@ -3447,9 +3496,6 @@
               </a:spcAft>
               <a:buNone/>
             </a:pPr>
-            <a:r>
-              <a:t/>
-            </a:r>
             <a:endParaRPr/>
           </a:p>
         </p:txBody>
@@ -3490,12 +3536,12 @@
             </a:ln>
           </p:spPr>
           <p:txBody>
-            <a:bodyPr anchorCtr="0" anchor="ctr" bIns="91425" lIns="91425" spcFirstLastPara="1" rIns="91425" wrap="square" tIns="91425">
+            <a:bodyPr spcFirstLastPara="1" wrap="square" lIns="91425" tIns="91425" rIns="91425" bIns="91425" anchor="ctr" anchorCtr="0">
               <a:noAutofit/>
             </a:bodyPr>
             <a:lstStyle/>
             <a:p>
-              <a:pPr indent="0" lvl="0" marL="0" rtl="0" algn="l">
+              <a:pPr marL="0" lvl="0" indent="0" algn="l" rtl="0">
                 <a:spcBef>
                   <a:spcPts val="0"/>
                 </a:spcBef>
@@ -3504,9 +3550,6 @@
                 </a:spcAft>
                 <a:buNone/>
               </a:pPr>
-              <a:r>
-                <a:t/>
-              </a:r>
               <a:endParaRPr/>
             </a:p>
           </p:txBody>
@@ -3533,12 +3576,12 @@
             </a:ln>
           </p:spPr>
           <p:txBody>
-            <a:bodyPr anchorCtr="0" anchor="ctr" bIns="91425" lIns="91425" spcFirstLastPara="1" rIns="91425" wrap="square" tIns="91425">
+            <a:bodyPr spcFirstLastPara="1" wrap="square" lIns="91425" tIns="91425" rIns="91425" bIns="91425" anchor="ctr" anchorCtr="0">
               <a:noAutofit/>
             </a:bodyPr>
             <a:lstStyle/>
             <a:p>
-              <a:pPr indent="0" lvl="0" marL="0" rtl="0" algn="l">
+              <a:pPr marL="0" lvl="0" indent="0" algn="l" rtl="0">
                 <a:spcBef>
                   <a:spcPts val="0"/>
                 </a:spcBef>
@@ -3547,9 +3590,6 @@
                 </a:spcAft>
                 <a:buNone/>
               </a:pPr>
-              <a:r>
-                <a:t/>
-              </a:r>
               <a:endParaRPr/>
             </a:p>
           </p:txBody>
@@ -3558,7 +3598,9 @@
       <p:sp>
         <p:nvSpPr>
           <p:cNvPr id="36" name="Google Shape;36;p5"/>
-          <p:cNvSpPr txBox="1"/>
+          <p:cNvSpPr txBox="1">
+            <a:spLocks noGrp="1"/>
+          </p:cNvSpPr>
           <p:nvPr>
             <p:ph type="title"/>
           </p:nvPr>
@@ -3573,7 +3615,7 @@
           </a:prstGeom>
         </p:spPr>
         <p:txBody>
-          <a:bodyPr anchorCtr="0" anchor="t" bIns="91425" lIns="91425" spcFirstLastPara="1" rIns="91425" wrap="square" tIns="91425">
+          <a:bodyPr spcFirstLastPara="1" wrap="square" lIns="91425" tIns="91425" rIns="91425" bIns="91425" anchor="t" anchorCtr="0">
             <a:normAutofit/>
           </a:bodyPr>
           <a:lstStyle>
@@ -3677,15 +3719,19 @@
               <a:defRPr sz="2600"/>
             </a:lvl9pPr>
           </a:lstStyle>
-          <a:p/>
+          <a:p>
+            <a:endParaRPr/>
+          </a:p>
         </p:txBody>
       </p:sp>
       <p:sp>
         <p:nvSpPr>
           <p:cNvPr id="37" name="Google Shape;37;p5"/>
-          <p:cNvSpPr txBox="1"/>
+          <p:cNvSpPr txBox="1">
+            <a:spLocks noGrp="1"/>
+          </p:cNvSpPr>
           <p:nvPr>
-            <p:ph idx="1" type="body"/>
+            <p:ph type="body" idx="1"/>
           </p:nvPr>
         </p:nvSpPr>
         <p:spPr>
@@ -3698,11 +3744,11 @@
           </a:prstGeom>
         </p:spPr>
         <p:txBody>
-          <a:bodyPr anchorCtr="0" anchor="t" bIns="91425" lIns="91425" spcFirstLastPara="1" rIns="91425" wrap="square" tIns="91425">
+          <a:bodyPr spcFirstLastPara="1" wrap="square" lIns="91425" tIns="91425" rIns="91425" bIns="91425" anchor="t" anchorCtr="0">
             <a:normAutofit/>
           </a:bodyPr>
           <a:lstStyle>
-            <a:lvl1pPr indent="-311150" lvl="0" marL="457200">
+            <a:lvl1pPr marL="457200" lvl="0" indent="-311150">
               <a:spcBef>
                 <a:spcPts val="0"/>
               </a:spcBef>
@@ -3713,7 +3759,7 @@
               <a:buChar char="●"/>
               <a:defRPr/>
             </a:lvl1pPr>
-            <a:lvl2pPr indent="-298450" lvl="1" marL="914400">
+            <a:lvl2pPr marL="914400" lvl="1" indent="-298450">
               <a:spcBef>
                 <a:spcPts val="0"/>
               </a:spcBef>
@@ -3724,7 +3770,7 @@
               <a:buChar char="○"/>
               <a:defRPr/>
             </a:lvl2pPr>
-            <a:lvl3pPr indent="-298450" lvl="2" marL="1371600">
+            <a:lvl3pPr marL="1371600" lvl="2" indent="-298450">
               <a:spcBef>
                 <a:spcPts val="0"/>
               </a:spcBef>
@@ -3735,7 +3781,7 @@
               <a:buChar char="■"/>
               <a:defRPr/>
             </a:lvl3pPr>
-            <a:lvl4pPr indent="-298450" lvl="3" marL="1828800">
+            <a:lvl4pPr marL="1828800" lvl="3" indent="-298450">
               <a:spcBef>
                 <a:spcPts val="0"/>
               </a:spcBef>
@@ -3746,7 +3792,7 @@
               <a:buChar char="●"/>
               <a:defRPr/>
             </a:lvl4pPr>
-            <a:lvl5pPr indent="-298450" lvl="4" marL="2286000">
+            <a:lvl5pPr marL="2286000" lvl="4" indent="-298450">
               <a:spcBef>
                 <a:spcPts val="0"/>
               </a:spcBef>
@@ -3757,7 +3803,7 @@
               <a:buChar char="○"/>
               <a:defRPr/>
             </a:lvl5pPr>
-            <a:lvl6pPr indent="-298450" lvl="5" marL="2743200">
+            <a:lvl6pPr marL="2743200" lvl="5" indent="-298450">
               <a:spcBef>
                 <a:spcPts val="0"/>
               </a:spcBef>
@@ -3768,7 +3814,7 @@
               <a:buChar char="■"/>
               <a:defRPr/>
             </a:lvl6pPr>
-            <a:lvl7pPr indent="-298450" lvl="6" marL="3200400">
+            <a:lvl7pPr marL="3200400" lvl="6" indent="-298450">
               <a:spcBef>
                 <a:spcPts val="0"/>
               </a:spcBef>
@@ -3779,7 +3825,7 @@
               <a:buChar char="●"/>
               <a:defRPr/>
             </a:lvl7pPr>
-            <a:lvl8pPr indent="-298450" lvl="7" marL="3657600">
+            <a:lvl8pPr marL="3657600" lvl="7" indent="-298450">
               <a:spcBef>
                 <a:spcPts val="0"/>
               </a:spcBef>
@@ -3790,7 +3836,7 @@
               <a:buChar char="○"/>
               <a:defRPr/>
             </a:lvl8pPr>
-            <a:lvl9pPr indent="-298450" lvl="8" marL="4114800">
+            <a:lvl9pPr marL="4114800" lvl="8" indent="-298450">
               <a:spcBef>
                 <a:spcPts val="0"/>
               </a:spcBef>
@@ -3802,15 +3848,19 @@
               <a:defRPr/>
             </a:lvl9pPr>
           </a:lstStyle>
-          <a:p/>
+          <a:p>
+            <a:endParaRPr/>
+          </a:p>
         </p:txBody>
       </p:sp>
       <p:sp>
         <p:nvSpPr>
           <p:cNvPr id="38" name="Google Shape;38;p5"/>
-          <p:cNvSpPr txBox="1"/>
+          <p:cNvSpPr txBox="1">
+            <a:spLocks noGrp="1"/>
+          </p:cNvSpPr>
           <p:nvPr>
-            <p:ph idx="2" type="body"/>
+            <p:ph type="body" idx="2"/>
           </p:nvPr>
         </p:nvSpPr>
         <p:spPr>
@@ -3823,11 +3873,11 @@
           </a:prstGeom>
         </p:spPr>
         <p:txBody>
-          <a:bodyPr anchorCtr="0" anchor="t" bIns="91425" lIns="91425" spcFirstLastPara="1" rIns="91425" wrap="square" tIns="91425">
+          <a:bodyPr spcFirstLastPara="1" wrap="square" lIns="91425" tIns="91425" rIns="91425" bIns="91425" anchor="t" anchorCtr="0">
             <a:normAutofit/>
           </a:bodyPr>
           <a:lstStyle>
-            <a:lvl1pPr indent="-311150" lvl="0" marL="457200">
+            <a:lvl1pPr marL="457200" lvl="0" indent="-311150">
               <a:spcBef>
                 <a:spcPts val="0"/>
               </a:spcBef>
@@ -3838,7 +3888,7 @@
               <a:buChar char="●"/>
               <a:defRPr/>
             </a:lvl1pPr>
-            <a:lvl2pPr indent="-298450" lvl="1" marL="914400">
+            <a:lvl2pPr marL="914400" lvl="1" indent="-298450">
               <a:spcBef>
                 <a:spcPts val="0"/>
               </a:spcBef>
@@ -3849,7 +3899,7 @@
               <a:buChar char="○"/>
               <a:defRPr/>
             </a:lvl2pPr>
-            <a:lvl3pPr indent="-298450" lvl="2" marL="1371600">
+            <a:lvl3pPr marL="1371600" lvl="2" indent="-298450">
               <a:spcBef>
                 <a:spcPts val="0"/>
               </a:spcBef>
@@ -3860,7 +3910,7 @@
               <a:buChar char="■"/>
               <a:defRPr/>
             </a:lvl3pPr>
-            <a:lvl4pPr indent="-298450" lvl="3" marL="1828800">
+            <a:lvl4pPr marL="1828800" lvl="3" indent="-298450">
               <a:spcBef>
                 <a:spcPts val="0"/>
               </a:spcBef>
@@ -3871,7 +3921,7 @@
               <a:buChar char="●"/>
               <a:defRPr/>
             </a:lvl4pPr>
-            <a:lvl5pPr indent="-298450" lvl="4" marL="2286000">
+            <a:lvl5pPr marL="2286000" lvl="4" indent="-298450">
               <a:spcBef>
                 <a:spcPts val="0"/>
               </a:spcBef>
@@ -3882,7 +3932,7 @@
               <a:buChar char="○"/>
               <a:defRPr/>
             </a:lvl5pPr>
-            <a:lvl6pPr indent="-298450" lvl="5" marL="2743200">
+            <a:lvl6pPr marL="2743200" lvl="5" indent="-298450">
               <a:spcBef>
                 <a:spcPts val="0"/>
               </a:spcBef>
@@ -3893,7 +3943,7 @@
               <a:buChar char="■"/>
               <a:defRPr/>
             </a:lvl6pPr>
-            <a:lvl7pPr indent="-298450" lvl="6" marL="3200400">
+            <a:lvl7pPr marL="3200400" lvl="6" indent="-298450">
               <a:spcBef>
                 <a:spcPts val="0"/>
               </a:spcBef>
@@ -3904,7 +3954,7 @@
               <a:buChar char="●"/>
               <a:defRPr/>
             </a:lvl7pPr>
-            <a:lvl8pPr indent="-298450" lvl="7" marL="3657600">
+            <a:lvl8pPr marL="3657600" lvl="7" indent="-298450">
               <a:spcBef>
                 <a:spcPts val="0"/>
               </a:spcBef>
@@ -3915,7 +3965,7 @@
               <a:buChar char="○"/>
               <a:defRPr/>
             </a:lvl8pPr>
-            <a:lvl9pPr indent="-298450" lvl="8" marL="4114800">
+            <a:lvl9pPr marL="4114800" lvl="8" indent="-298450">
               <a:spcBef>
                 <a:spcPts val="0"/>
               </a:spcBef>
@@ -3927,15 +3977,19 @@
               <a:defRPr/>
             </a:lvl9pPr>
           </a:lstStyle>
-          <a:p/>
+          <a:p>
+            <a:endParaRPr/>
+          </a:p>
         </p:txBody>
       </p:sp>
       <p:sp>
         <p:nvSpPr>
           <p:cNvPr id="39" name="Google Shape;39;p5"/>
-          <p:cNvSpPr txBox="1"/>
+          <p:cNvSpPr txBox="1">
+            <a:spLocks noGrp="1"/>
+          </p:cNvSpPr>
           <p:nvPr>
-            <p:ph idx="12" type="sldNum"/>
+            <p:ph type="sldNum" idx="12"/>
           </p:nvPr>
         </p:nvSpPr>
         <p:spPr>
@@ -3948,7 +4002,7 @@
           </a:prstGeom>
         </p:spPr>
         <p:txBody>
-          <a:bodyPr anchorCtr="0" anchor="ctr" bIns="91425" lIns="91425" spcFirstLastPara="1" rIns="91425" wrap="square" tIns="91425">
+          <a:bodyPr spcFirstLastPara="1" wrap="square" lIns="91425" tIns="91425" rIns="91425" bIns="91425" anchor="ctr" anchorCtr="0">
             <a:normAutofit/>
           </a:bodyPr>
           <a:lstStyle>
@@ -3990,7 +4044,7 @@
             </a:lvl9pPr>
           </a:lstStyle>
           <a:p>
-            <a:pPr indent="0" lvl="0" marL="0" rtl="0" algn="r">
+            <a:pPr marL="0" lvl="0" indent="0" algn="r" rtl="0">
               <a:spcBef>
                 <a:spcPts val="0"/>
               </a:spcBef>
@@ -4001,7 +4055,7 @@
             </a:pPr>
             <a:fld id="{00000000-1234-1234-1234-123412341234}" type="slidenum">
               <a:rPr lang="pt-PT"/>
-              <a:t>‹#›</a:t>
+              <a:t>‹nº›</a:t>
             </a:fld>
             <a:endParaRPr/>
           </a:p>
@@ -4016,11 +4070,11 @@
 </file>
 
 <file path=ppt/slideLayouts/slideLayout5.xml><?xml version="1.0" encoding="utf-8"?>
-<p:sldLayout xmlns:a="http://schemas.openxmlformats.org/drawingml/2006/main" xmlns:r="http://schemas.openxmlformats.org/officeDocument/2006/relationships" xmlns:mc="http://schemas.openxmlformats.org/markup-compatibility/2006" xmlns:mv="urn:schemas-microsoft-com:mac:vml" xmlns:p="http://schemas.openxmlformats.org/presentationml/2006/main" xmlns:c="http://schemas.openxmlformats.org/drawingml/2006/chart" xmlns:dgm="http://schemas.openxmlformats.org/drawingml/2006/diagram" xmlns:o="urn:schemas-microsoft-com:office:office" xmlns:v="urn:schemas-microsoft-com:vml" xmlns:pvml="urn:schemas-microsoft-com:office:powerpoint" xmlns:com="http://schemas.openxmlformats.org/drawingml/2006/compatibility" xmlns:p14="http://schemas.microsoft.com/office/powerpoint/2010/main" xmlns:p15="http://schemas.microsoft.com/office/powerpoint/2012/main" xmlns:ahyp="http://schemas.microsoft.com/office/drawing/2018/hyperlinkcolor" matchingName="Title only" type="titleOnly">
+<p:sldLayout xmlns:a="http://schemas.openxmlformats.org/drawingml/2006/main" xmlns:r="http://schemas.openxmlformats.org/officeDocument/2006/relationships" xmlns:p="http://schemas.openxmlformats.org/presentationml/2006/main" matchingName="Title only" type="titleOnly">
   <p:cSld name="TITLE_ONLY">
     <p:spTree>
       <p:nvGrpSpPr>
-        <p:cNvPr id="40" name="Shape 40"/>
+        <p:cNvPr id="1" name="Shape 40"/>
         <p:cNvGrpSpPr/>
         <p:nvPr/>
       </p:nvGrpSpPr>
@@ -4054,12 +4108,12 @@
           </a:ln>
         </p:spPr>
         <p:txBody>
-          <a:bodyPr anchorCtr="0" anchor="ctr" bIns="91425" lIns="91425" spcFirstLastPara="1" rIns="91425" wrap="square" tIns="91425">
+          <a:bodyPr spcFirstLastPara="1" wrap="square" lIns="91425" tIns="91425" rIns="91425" bIns="91425" anchor="ctr" anchorCtr="0">
             <a:noAutofit/>
           </a:bodyPr>
           <a:lstStyle/>
           <a:p>
-            <a:pPr indent="0" lvl="0" marL="0" rtl="0" algn="l">
+            <a:pPr marL="0" lvl="0" indent="0" algn="l" rtl="0">
               <a:spcBef>
                 <a:spcPts val="0"/>
               </a:spcBef>
@@ -4068,9 +4122,6 @@
               </a:spcAft>
               <a:buNone/>
             </a:pPr>
-            <a:r>
-              <a:t/>
-            </a:r>
             <a:endParaRPr/>
           </a:p>
         </p:txBody>
@@ -4111,12 +4162,12 @@
             </a:ln>
           </p:spPr>
           <p:txBody>
-            <a:bodyPr anchorCtr="0" anchor="ctr" bIns="91425" lIns="91425" spcFirstLastPara="1" rIns="91425" wrap="square" tIns="91425">
+            <a:bodyPr spcFirstLastPara="1" wrap="square" lIns="91425" tIns="91425" rIns="91425" bIns="91425" anchor="ctr" anchorCtr="0">
               <a:noAutofit/>
             </a:bodyPr>
             <a:lstStyle/>
             <a:p>
-              <a:pPr indent="0" lvl="0" marL="0" rtl="0" algn="l">
+              <a:pPr marL="0" lvl="0" indent="0" algn="l" rtl="0">
                 <a:spcBef>
                   <a:spcPts val="0"/>
                 </a:spcBef>
@@ -4125,9 +4176,6 @@
                 </a:spcAft>
                 <a:buNone/>
               </a:pPr>
-              <a:r>
-                <a:t/>
-              </a:r>
               <a:endParaRPr/>
             </a:p>
           </p:txBody>
@@ -4154,12 +4202,12 @@
             </a:ln>
           </p:spPr>
           <p:txBody>
-            <a:bodyPr anchorCtr="0" anchor="ctr" bIns="91425" lIns="91425" spcFirstLastPara="1" rIns="91425" wrap="square" tIns="91425">
+            <a:bodyPr spcFirstLastPara="1" wrap="square" lIns="91425" tIns="91425" rIns="91425" bIns="91425" anchor="ctr" anchorCtr="0">
               <a:noAutofit/>
             </a:bodyPr>
             <a:lstStyle/>
             <a:p>
-              <a:pPr indent="0" lvl="0" marL="0" rtl="0" algn="l">
+              <a:pPr marL="0" lvl="0" indent="0" algn="l" rtl="0">
                 <a:spcBef>
                   <a:spcPts val="0"/>
                 </a:spcBef>
@@ -4168,9 +4216,6 @@
                 </a:spcAft>
                 <a:buNone/>
               </a:pPr>
-              <a:r>
-                <a:t/>
-              </a:r>
               <a:endParaRPr/>
             </a:p>
           </p:txBody>
@@ -4179,7 +4224,9 @@
       <p:sp>
         <p:nvSpPr>
           <p:cNvPr id="45" name="Google Shape;45;p6"/>
-          <p:cNvSpPr txBox="1"/>
+          <p:cNvSpPr txBox="1">
+            <a:spLocks noGrp="1"/>
+          </p:cNvSpPr>
           <p:nvPr>
             <p:ph type="title"/>
           </p:nvPr>
@@ -4194,7 +4241,7 @@
           </a:prstGeom>
         </p:spPr>
         <p:txBody>
-          <a:bodyPr anchorCtr="0" anchor="t" bIns="91425" lIns="91425" spcFirstLastPara="1" rIns="91425" wrap="square" tIns="91425">
+          <a:bodyPr spcFirstLastPara="1" wrap="square" lIns="91425" tIns="91425" rIns="91425" bIns="91425" anchor="t" anchorCtr="0">
             <a:normAutofit/>
           </a:bodyPr>
           <a:lstStyle>
@@ -4298,15 +4345,19 @@
               <a:defRPr sz="2600"/>
             </a:lvl9pPr>
           </a:lstStyle>
-          <a:p/>
+          <a:p>
+            <a:endParaRPr/>
+          </a:p>
         </p:txBody>
       </p:sp>
       <p:sp>
         <p:nvSpPr>
           <p:cNvPr id="46" name="Google Shape;46;p6"/>
-          <p:cNvSpPr txBox="1"/>
+          <p:cNvSpPr txBox="1">
+            <a:spLocks noGrp="1"/>
+          </p:cNvSpPr>
           <p:nvPr>
-            <p:ph idx="12" type="sldNum"/>
+            <p:ph type="sldNum" idx="12"/>
           </p:nvPr>
         </p:nvSpPr>
         <p:spPr>
@@ -4319,7 +4370,7 @@
           </a:prstGeom>
         </p:spPr>
         <p:txBody>
-          <a:bodyPr anchorCtr="0" anchor="ctr" bIns="91425" lIns="91425" spcFirstLastPara="1" rIns="91425" wrap="square" tIns="91425">
+          <a:bodyPr spcFirstLastPara="1" wrap="square" lIns="91425" tIns="91425" rIns="91425" bIns="91425" anchor="ctr" anchorCtr="0">
             <a:normAutofit/>
           </a:bodyPr>
           <a:lstStyle>
@@ -4361,7 +4412,7 @@
             </a:lvl9pPr>
           </a:lstStyle>
           <a:p>
-            <a:pPr indent="0" lvl="0" marL="0" rtl="0" algn="r">
+            <a:pPr marL="0" lvl="0" indent="0" algn="r" rtl="0">
               <a:spcBef>
                 <a:spcPts val="0"/>
               </a:spcBef>
@@ -4372,7 +4423,7 @@
             </a:pPr>
             <a:fld id="{00000000-1234-1234-1234-123412341234}" type="slidenum">
               <a:rPr lang="pt-PT"/>
-              <a:t>‹#›</a:t>
+              <a:t>‹nº›</a:t>
             </a:fld>
             <a:endParaRPr/>
           </a:p>
@@ -4387,11 +4438,11 @@
 </file>
 
 <file path=ppt/slideLayouts/slideLayout6.xml><?xml version="1.0" encoding="utf-8"?>
-<p:sldLayout xmlns:a="http://schemas.openxmlformats.org/drawingml/2006/main" xmlns:r="http://schemas.openxmlformats.org/officeDocument/2006/relationships" xmlns:mc="http://schemas.openxmlformats.org/markup-compatibility/2006" xmlns:mv="urn:schemas-microsoft-com:mac:vml" xmlns:p="http://schemas.openxmlformats.org/presentationml/2006/main" xmlns:c="http://schemas.openxmlformats.org/drawingml/2006/chart" xmlns:dgm="http://schemas.openxmlformats.org/drawingml/2006/diagram" xmlns:o="urn:schemas-microsoft-com:office:office" xmlns:v="urn:schemas-microsoft-com:vml" xmlns:pvml="urn:schemas-microsoft-com:office:powerpoint" xmlns:com="http://schemas.openxmlformats.org/drawingml/2006/compatibility" xmlns:p14="http://schemas.microsoft.com/office/powerpoint/2010/main" xmlns:p15="http://schemas.microsoft.com/office/powerpoint/2012/main" xmlns:ahyp="http://schemas.microsoft.com/office/drawing/2018/hyperlinkcolor" matchingName="One column text">
+<p:sldLayout xmlns:a="http://schemas.openxmlformats.org/drawingml/2006/main" xmlns:r="http://schemas.openxmlformats.org/officeDocument/2006/relationships" xmlns:p="http://schemas.openxmlformats.org/presentationml/2006/main" matchingName="One column text">
   <p:cSld name="ONE_COLUMN_TEXT">
     <p:spTree>
       <p:nvGrpSpPr>
-        <p:cNvPr id="47" name="Shape 47"/>
+        <p:cNvPr id="1" name="Shape 47"/>
         <p:cNvGrpSpPr/>
         <p:nvPr/>
       </p:nvGrpSpPr>
@@ -4425,12 +4476,12 @@
           </a:ln>
         </p:spPr>
         <p:txBody>
-          <a:bodyPr anchorCtr="0" anchor="ctr" bIns="91425" lIns="91425" spcFirstLastPara="1" rIns="91425" wrap="square" tIns="91425">
+          <a:bodyPr spcFirstLastPara="1" wrap="square" lIns="91425" tIns="91425" rIns="91425" bIns="91425" anchor="ctr" anchorCtr="0">
             <a:noAutofit/>
           </a:bodyPr>
           <a:lstStyle/>
           <a:p>
-            <a:pPr indent="0" lvl="0" marL="0" rtl="0" algn="l">
+            <a:pPr marL="0" lvl="0" indent="0" algn="l" rtl="0">
               <a:spcBef>
                 <a:spcPts val="0"/>
               </a:spcBef>
@@ -4439,9 +4490,6 @@
               </a:spcAft>
               <a:buNone/>
             </a:pPr>
-            <a:r>
-              <a:t/>
-            </a:r>
             <a:endParaRPr/>
           </a:p>
         </p:txBody>
@@ -4482,12 +4530,12 @@
             </a:ln>
           </p:spPr>
           <p:txBody>
-            <a:bodyPr anchorCtr="0" anchor="ctr" bIns="91425" lIns="91425" spcFirstLastPara="1" rIns="91425" wrap="square" tIns="91425">
+            <a:bodyPr spcFirstLastPara="1" wrap="square" lIns="91425" tIns="91425" rIns="91425" bIns="91425" anchor="ctr" anchorCtr="0">
               <a:noAutofit/>
             </a:bodyPr>
             <a:lstStyle/>
             <a:p>
-              <a:pPr indent="0" lvl="0" marL="0" rtl="0" algn="l">
+              <a:pPr marL="0" lvl="0" indent="0" algn="l" rtl="0">
                 <a:spcBef>
                   <a:spcPts val="0"/>
                 </a:spcBef>
@@ -4496,9 +4544,6 @@
                 </a:spcAft>
                 <a:buNone/>
               </a:pPr>
-              <a:r>
-                <a:t/>
-              </a:r>
               <a:endParaRPr/>
             </a:p>
           </p:txBody>
@@ -4525,12 +4570,12 @@
             </a:ln>
           </p:spPr>
           <p:txBody>
-            <a:bodyPr anchorCtr="0" anchor="ctr" bIns="91425" lIns="91425" spcFirstLastPara="1" rIns="91425" wrap="square" tIns="91425">
+            <a:bodyPr spcFirstLastPara="1" wrap="square" lIns="91425" tIns="91425" rIns="91425" bIns="91425" anchor="ctr" anchorCtr="0">
               <a:noAutofit/>
             </a:bodyPr>
             <a:lstStyle/>
             <a:p>
-              <a:pPr indent="0" lvl="0" marL="0" rtl="0" algn="l">
+              <a:pPr marL="0" lvl="0" indent="0" algn="l" rtl="0">
                 <a:spcBef>
                   <a:spcPts val="0"/>
                 </a:spcBef>
@@ -4539,9 +4584,6 @@
                 </a:spcAft>
                 <a:buNone/>
               </a:pPr>
-              <a:r>
-                <a:t/>
-              </a:r>
               <a:endParaRPr/>
             </a:p>
           </p:txBody>
@@ -4550,7 +4592,9 @@
       <p:sp>
         <p:nvSpPr>
           <p:cNvPr id="52" name="Google Shape;52;p7"/>
-          <p:cNvSpPr txBox="1"/>
+          <p:cNvSpPr txBox="1">
+            <a:spLocks noGrp="1"/>
+          </p:cNvSpPr>
           <p:nvPr>
             <p:ph type="title"/>
           </p:nvPr>
@@ -4565,7 +4609,7 @@
           </a:prstGeom>
         </p:spPr>
         <p:txBody>
-          <a:bodyPr anchorCtr="0" anchor="t" bIns="91425" lIns="91425" spcFirstLastPara="1" rIns="91425" wrap="square" tIns="91425">
+          <a:bodyPr spcFirstLastPara="1" wrap="square" lIns="91425" tIns="91425" rIns="91425" bIns="91425" anchor="t" anchorCtr="0">
             <a:normAutofit/>
           </a:bodyPr>
           <a:lstStyle>
@@ -4669,15 +4713,19 @@
               <a:defRPr sz="2600"/>
             </a:lvl9pPr>
           </a:lstStyle>
-          <a:p/>
+          <a:p>
+            <a:endParaRPr/>
+          </a:p>
         </p:txBody>
       </p:sp>
       <p:sp>
         <p:nvSpPr>
           <p:cNvPr id="53" name="Google Shape;53;p7"/>
-          <p:cNvSpPr txBox="1"/>
+          <p:cNvSpPr txBox="1">
+            <a:spLocks noGrp="1"/>
+          </p:cNvSpPr>
           <p:nvPr>
-            <p:ph idx="1" type="body"/>
+            <p:ph type="body" idx="1"/>
           </p:nvPr>
         </p:nvSpPr>
         <p:spPr>
@@ -4690,11 +4738,11 @@
           </a:prstGeom>
         </p:spPr>
         <p:txBody>
-          <a:bodyPr anchorCtr="0" anchor="t" bIns="91425" lIns="91425" spcFirstLastPara="1" rIns="91425" wrap="square" tIns="91425">
+          <a:bodyPr spcFirstLastPara="1" wrap="square" lIns="91425" tIns="91425" rIns="91425" bIns="91425" anchor="t" anchorCtr="0">
             <a:normAutofit/>
           </a:bodyPr>
           <a:lstStyle>
-            <a:lvl1pPr indent="-311150" lvl="0" marL="457200">
+            <a:lvl1pPr marL="457200" lvl="0" indent="-311150">
               <a:spcBef>
                 <a:spcPts val="0"/>
               </a:spcBef>
@@ -4705,7 +4753,7 @@
               <a:buChar char="●"/>
               <a:defRPr/>
             </a:lvl1pPr>
-            <a:lvl2pPr indent="-298450" lvl="1" marL="914400">
+            <a:lvl2pPr marL="914400" lvl="1" indent="-298450">
               <a:spcBef>
                 <a:spcPts val="0"/>
               </a:spcBef>
@@ -4716,7 +4764,7 @@
               <a:buChar char="○"/>
               <a:defRPr/>
             </a:lvl2pPr>
-            <a:lvl3pPr indent="-298450" lvl="2" marL="1371600">
+            <a:lvl3pPr marL="1371600" lvl="2" indent="-298450">
               <a:spcBef>
                 <a:spcPts val="0"/>
               </a:spcBef>
@@ -4727,7 +4775,7 @@
               <a:buChar char="■"/>
               <a:defRPr/>
             </a:lvl3pPr>
-            <a:lvl4pPr indent="-298450" lvl="3" marL="1828800">
+            <a:lvl4pPr marL="1828800" lvl="3" indent="-298450">
               <a:spcBef>
                 <a:spcPts val="0"/>
               </a:spcBef>
@@ -4738,7 +4786,7 @@
               <a:buChar char="●"/>
               <a:defRPr/>
             </a:lvl4pPr>
-            <a:lvl5pPr indent="-298450" lvl="4" marL="2286000">
+            <a:lvl5pPr marL="2286000" lvl="4" indent="-298450">
               <a:spcBef>
                 <a:spcPts val="0"/>
               </a:spcBef>
@@ -4749,7 +4797,7 @@
               <a:buChar char="○"/>
               <a:defRPr/>
             </a:lvl5pPr>
-            <a:lvl6pPr indent="-298450" lvl="5" marL="2743200">
+            <a:lvl6pPr marL="2743200" lvl="5" indent="-298450">
               <a:spcBef>
                 <a:spcPts val="0"/>
               </a:spcBef>
@@ -4760,7 +4808,7 @@
               <a:buChar char="■"/>
               <a:defRPr/>
             </a:lvl6pPr>
-            <a:lvl7pPr indent="-298450" lvl="6" marL="3200400">
+            <a:lvl7pPr marL="3200400" lvl="6" indent="-298450">
               <a:spcBef>
                 <a:spcPts val="0"/>
               </a:spcBef>
@@ -4771,7 +4819,7 @@
               <a:buChar char="●"/>
               <a:defRPr/>
             </a:lvl7pPr>
-            <a:lvl8pPr indent="-298450" lvl="7" marL="3657600">
+            <a:lvl8pPr marL="3657600" lvl="7" indent="-298450">
               <a:spcBef>
                 <a:spcPts val="0"/>
               </a:spcBef>
@@ -4782,7 +4830,7 @@
               <a:buChar char="○"/>
               <a:defRPr/>
             </a:lvl8pPr>
-            <a:lvl9pPr indent="-298450" lvl="8" marL="4114800">
+            <a:lvl9pPr marL="4114800" lvl="8" indent="-298450">
               <a:spcBef>
                 <a:spcPts val="0"/>
               </a:spcBef>
@@ -4794,15 +4842,19 @@
               <a:defRPr/>
             </a:lvl9pPr>
           </a:lstStyle>
-          <a:p/>
+          <a:p>
+            <a:endParaRPr/>
+          </a:p>
         </p:txBody>
       </p:sp>
       <p:sp>
         <p:nvSpPr>
           <p:cNvPr id="54" name="Google Shape;54;p7"/>
-          <p:cNvSpPr txBox="1"/>
+          <p:cNvSpPr txBox="1">
+            <a:spLocks noGrp="1"/>
+          </p:cNvSpPr>
           <p:nvPr>
-            <p:ph idx="12" type="sldNum"/>
+            <p:ph type="sldNum" idx="12"/>
           </p:nvPr>
         </p:nvSpPr>
         <p:spPr>
@@ -4815,7 +4867,7 @@
           </a:prstGeom>
         </p:spPr>
         <p:txBody>
-          <a:bodyPr anchorCtr="0" anchor="ctr" bIns="91425" lIns="91425" spcFirstLastPara="1" rIns="91425" wrap="square" tIns="91425">
+          <a:bodyPr spcFirstLastPara="1" wrap="square" lIns="91425" tIns="91425" rIns="91425" bIns="91425" anchor="ctr" anchorCtr="0">
             <a:normAutofit/>
           </a:bodyPr>
           <a:lstStyle>
@@ -4857,7 +4909,7 @@
             </a:lvl9pPr>
           </a:lstStyle>
           <a:p>
-            <a:pPr indent="0" lvl="0" marL="0" rtl="0" algn="r">
+            <a:pPr marL="0" lvl="0" indent="0" algn="r" rtl="0">
               <a:spcBef>
                 <a:spcPts val="0"/>
               </a:spcBef>
@@ -4868,7 +4920,7 @@
             </a:pPr>
             <a:fld id="{00000000-1234-1234-1234-123412341234}" type="slidenum">
               <a:rPr lang="pt-PT"/>
-              <a:t>‹#›</a:t>
+              <a:t>‹nº›</a:t>
             </a:fld>
             <a:endParaRPr/>
           </a:p>
@@ -4883,18 +4935,19 @@
 </file>
 
 <file path=ppt/slideLayouts/slideLayout7.xml><?xml version="1.0" encoding="utf-8"?>
-<p:sldLayout xmlns:a="http://schemas.openxmlformats.org/drawingml/2006/main" xmlns:r="http://schemas.openxmlformats.org/officeDocument/2006/relationships" xmlns:mc="http://schemas.openxmlformats.org/markup-compatibility/2006" xmlns:mv="urn:schemas-microsoft-com:mac:vml" xmlns:p="http://schemas.openxmlformats.org/presentationml/2006/main" xmlns:c="http://schemas.openxmlformats.org/drawingml/2006/chart" xmlns:dgm="http://schemas.openxmlformats.org/drawingml/2006/diagram" xmlns:o="urn:schemas-microsoft-com:office:office" xmlns:v="urn:schemas-microsoft-com:vml" xmlns:pvml="urn:schemas-microsoft-com:office:powerpoint" xmlns:com="http://schemas.openxmlformats.org/drawingml/2006/compatibility" xmlns:p14="http://schemas.microsoft.com/office/powerpoint/2010/main" xmlns:p15="http://schemas.microsoft.com/office/powerpoint/2012/main" xmlns:ahyp="http://schemas.microsoft.com/office/drawing/2018/hyperlinkcolor" matchingName="Main point">
+<p:sldLayout xmlns:a="http://schemas.openxmlformats.org/drawingml/2006/main" xmlns:r="http://schemas.openxmlformats.org/officeDocument/2006/relationships" xmlns:p="http://schemas.openxmlformats.org/presentationml/2006/main" matchingName="Main point">
   <p:cSld name="MAIN_POINT">
     <p:bg>
       <p:bgPr>
         <a:solidFill>
           <a:schemeClr val="accent3"/>
         </a:solidFill>
+        <a:effectLst/>
       </p:bgPr>
     </p:bg>
     <p:spTree>
       <p:nvGrpSpPr>
-        <p:cNvPr id="55" name="Shape 55"/>
+        <p:cNvPr id="1" name="Shape 55"/>
         <p:cNvGrpSpPr/>
         <p:nvPr/>
       </p:nvGrpSpPr>
@@ -4942,12 +4995,12 @@
             </a:ln>
           </p:spPr>
           <p:txBody>
-            <a:bodyPr anchorCtr="0" anchor="ctr" bIns="91425" lIns="91425" spcFirstLastPara="1" rIns="91425" wrap="square" tIns="91425">
+            <a:bodyPr spcFirstLastPara="1" wrap="square" lIns="91425" tIns="91425" rIns="91425" bIns="91425" anchor="ctr" anchorCtr="0">
               <a:noAutofit/>
             </a:bodyPr>
             <a:lstStyle/>
             <a:p>
-              <a:pPr indent="0" lvl="0" marL="0" rtl="0" algn="l">
+              <a:pPr marL="0" lvl="0" indent="0" algn="l" rtl="0">
                 <a:spcBef>
                   <a:spcPts val="0"/>
                 </a:spcBef>
@@ -4956,9 +5009,6 @@
                 </a:spcAft>
                 <a:buNone/>
               </a:pPr>
-              <a:r>
-                <a:t/>
-              </a:r>
               <a:endParaRPr/>
             </a:p>
           </p:txBody>
@@ -4985,12 +5035,12 @@
             </a:ln>
           </p:spPr>
           <p:txBody>
-            <a:bodyPr anchorCtr="0" anchor="ctr" bIns="91425" lIns="91425" spcFirstLastPara="1" rIns="91425" wrap="square" tIns="91425">
+            <a:bodyPr spcFirstLastPara="1" wrap="square" lIns="91425" tIns="91425" rIns="91425" bIns="91425" anchor="ctr" anchorCtr="0">
               <a:noAutofit/>
             </a:bodyPr>
             <a:lstStyle/>
             <a:p>
-              <a:pPr indent="0" lvl="0" marL="0" rtl="0" algn="l">
+              <a:pPr marL="0" lvl="0" indent="0" algn="l" rtl="0">
                 <a:spcBef>
                   <a:spcPts val="0"/>
                 </a:spcBef>
@@ -4999,9 +5049,6 @@
                 </a:spcAft>
                 <a:buNone/>
               </a:pPr>
-              <a:r>
-                <a:t/>
-              </a:r>
               <a:endParaRPr/>
             </a:p>
           </p:txBody>
@@ -5010,7 +5057,9 @@
       <p:sp>
         <p:nvSpPr>
           <p:cNvPr id="59" name="Google Shape;59;p8"/>
-          <p:cNvSpPr txBox="1"/>
+          <p:cNvSpPr txBox="1">
+            <a:spLocks noGrp="1"/>
+          </p:cNvSpPr>
           <p:nvPr>
             <p:ph type="title"/>
           </p:nvPr>
@@ -5025,7 +5074,7 @@
           </a:prstGeom>
         </p:spPr>
         <p:txBody>
-          <a:bodyPr anchorCtr="0" anchor="ctr" bIns="91425" lIns="91425" spcFirstLastPara="1" rIns="91425" wrap="square" tIns="91425">
+          <a:bodyPr spcFirstLastPara="1" wrap="square" lIns="91425" tIns="91425" rIns="91425" bIns="91425" anchor="ctr" anchorCtr="0">
             <a:normAutofit/>
           </a:bodyPr>
           <a:lstStyle>
@@ -5192,15 +5241,19 @@
               </a:defRPr>
             </a:lvl9pPr>
           </a:lstStyle>
-          <a:p/>
+          <a:p>
+            <a:endParaRPr/>
+          </a:p>
         </p:txBody>
       </p:sp>
       <p:sp>
         <p:nvSpPr>
           <p:cNvPr id="60" name="Google Shape;60;p8"/>
-          <p:cNvSpPr txBox="1"/>
+          <p:cNvSpPr txBox="1">
+            <a:spLocks noGrp="1"/>
+          </p:cNvSpPr>
           <p:nvPr>
-            <p:ph idx="12" type="sldNum"/>
+            <p:ph type="sldNum" idx="12"/>
           </p:nvPr>
         </p:nvSpPr>
         <p:spPr>
@@ -5213,7 +5266,7 @@
           </a:prstGeom>
         </p:spPr>
         <p:txBody>
-          <a:bodyPr anchorCtr="0" anchor="ctr" bIns="91425" lIns="91425" spcFirstLastPara="1" rIns="91425" wrap="square" tIns="91425">
+          <a:bodyPr spcFirstLastPara="1" wrap="square" lIns="91425" tIns="91425" rIns="91425" bIns="91425" anchor="ctr" anchorCtr="0">
             <a:normAutofit/>
           </a:bodyPr>
           <a:lstStyle>
@@ -5291,7 +5344,7 @@
             </a:lvl9pPr>
           </a:lstStyle>
           <a:p>
-            <a:pPr indent="0" lvl="0" marL="0" rtl="0" algn="r">
+            <a:pPr marL="0" lvl="0" indent="0" algn="r" rtl="0">
               <a:spcBef>
                 <a:spcPts val="0"/>
               </a:spcBef>
@@ -5302,7 +5355,7 @@
             </a:pPr>
             <a:fld id="{00000000-1234-1234-1234-123412341234}" type="slidenum">
               <a:rPr lang="pt-PT"/>
-              <a:t>‹#›</a:t>
+              <a:t>‹nº›</a:t>
             </a:fld>
             <a:endParaRPr/>
           </a:p>
@@ -5317,11 +5370,11 @@
 </file>
 
 <file path=ppt/slideLayouts/slideLayout8.xml><?xml version="1.0" encoding="utf-8"?>
-<p:sldLayout xmlns:a="http://schemas.openxmlformats.org/drawingml/2006/main" xmlns:r="http://schemas.openxmlformats.org/officeDocument/2006/relationships" xmlns:mc="http://schemas.openxmlformats.org/markup-compatibility/2006" xmlns:mv="urn:schemas-microsoft-com:mac:vml" xmlns:p="http://schemas.openxmlformats.org/presentationml/2006/main" xmlns:c="http://schemas.openxmlformats.org/drawingml/2006/chart" xmlns:dgm="http://schemas.openxmlformats.org/drawingml/2006/diagram" xmlns:o="urn:schemas-microsoft-com:office:office" xmlns:v="urn:schemas-microsoft-com:vml" xmlns:pvml="urn:schemas-microsoft-com:office:powerpoint" xmlns:com="http://schemas.openxmlformats.org/drawingml/2006/compatibility" xmlns:p14="http://schemas.microsoft.com/office/powerpoint/2010/main" xmlns:p15="http://schemas.microsoft.com/office/powerpoint/2012/main" xmlns:ahyp="http://schemas.microsoft.com/office/drawing/2018/hyperlinkcolor" matchingName="Section title and description">
+<p:sldLayout xmlns:a="http://schemas.openxmlformats.org/drawingml/2006/main" xmlns:r="http://schemas.openxmlformats.org/officeDocument/2006/relationships" xmlns:p="http://schemas.openxmlformats.org/presentationml/2006/main" matchingName="Section title and description">
   <p:cSld name="SECTION_TITLE_AND_DESCRIPTION">
     <p:spTree>
       <p:nvGrpSpPr>
-        <p:cNvPr id="61" name="Shape 61"/>
+        <p:cNvPr id="1" name="Shape 61"/>
         <p:cNvGrpSpPr/>
         <p:nvPr/>
       </p:nvGrpSpPr>
@@ -5355,12 +5408,12 @@
           </a:ln>
         </p:spPr>
         <p:txBody>
-          <a:bodyPr anchorCtr="0" anchor="ctr" bIns="91425" lIns="91425" spcFirstLastPara="1" rIns="91425" wrap="square" tIns="91425">
+          <a:bodyPr spcFirstLastPara="1" wrap="square" lIns="91425" tIns="91425" rIns="91425" bIns="91425" anchor="ctr" anchorCtr="0">
             <a:noAutofit/>
           </a:bodyPr>
           <a:lstStyle/>
           <a:p>
-            <a:pPr indent="0" lvl="0" marL="0" rtl="0" algn="l">
+            <a:pPr marL="0" lvl="0" indent="0" algn="l" rtl="0">
               <a:spcBef>
                 <a:spcPts val="0"/>
               </a:spcBef>
@@ -5369,9 +5422,6 @@
               </a:spcAft>
               <a:buNone/>
             </a:pPr>
-            <a:r>
-              <a:t/>
-            </a:r>
             <a:endParaRPr/>
           </a:p>
         </p:txBody>
@@ -5412,12 +5462,12 @@
             </a:ln>
           </p:spPr>
           <p:txBody>
-            <a:bodyPr anchorCtr="0" anchor="ctr" bIns="91425" lIns="91425" spcFirstLastPara="1" rIns="91425" wrap="square" tIns="91425">
+            <a:bodyPr spcFirstLastPara="1" wrap="square" lIns="91425" tIns="91425" rIns="91425" bIns="91425" anchor="ctr" anchorCtr="0">
               <a:noAutofit/>
             </a:bodyPr>
             <a:lstStyle/>
             <a:p>
-              <a:pPr indent="0" lvl="0" marL="0" rtl="0" algn="l">
+              <a:pPr marL="0" lvl="0" indent="0" algn="l" rtl="0">
                 <a:spcBef>
                   <a:spcPts val="0"/>
                 </a:spcBef>
@@ -5426,9 +5476,6 @@
                 </a:spcAft>
                 <a:buNone/>
               </a:pPr>
-              <a:r>
-                <a:t/>
-              </a:r>
               <a:endParaRPr/>
             </a:p>
           </p:txBody>
@@ -5455,12 +5502,12 @@
             </a:ln>
           </p:spPr>
           <p:txBody>
-            <a:bodyPr anchorCtr="0" anchor="ctr" bIns="91425" lIns="91425" spcFirstLastPara="1" rIns="91425" wrap="square" tIns="91425">
+            <a:bodyPr spcFirstLastPara="1" wrap="square" lIns="91425" tIns="91425" rIns="91425" bIns="91425" anchor="ctr" anchorCtr="0">
               <a:noAutofit/>
             </a:bodyPr>
             <a:lstStyle/>
             <a:p>
-              <a:pPr indent="0" lvl="0" marL="0" rtl="0" algn="l">
+              <a:pPr marL="0" lvl="0" indent="0" algn="l" rtl="0">
                 <a:spcBef>
                   <a:spcPts val="0"/>
                 </a:spcBef>
@@ -5469,9 +5516,6 @@
                 </a:spcAft>
                 <a:buNone/>
               </a:pPr>
-              <a:r>
-                <a:t/>
-              </a:r>
               <a:endParaRPr/>
             </a:p>
           </p:txBody>
@@ -5480,7 +5524,9 @@
       <p:sp>
         <p:nvSpPr>
           <p:cNvPr id="66" name="Google Shape;66;p9"/>
-          <p:cNvSpPr txBox="1"/>
+          <p:cNvSpPr txBox="1">
+            <a:spLocks noGrp="1"/>
+          </p:cNvSpPr>
           <p:nvPr>
             <p:ph type="title"/>
           </p:nvPr>
@@ -5495,7 +5541,7 @@
           </a:prstGeom>
         </p:spPr>
         <p:txBody>
-          <a:bodyPr anchorCtr="0" anchor="t" bIns="91425" lIns="91425" spcFirstLastPara="1" rIns="91425" wrap="square" tIns="91425">
+          <a:bodyPr spcFirstLastPara="1" wrap="square" lIns="91425" tIns="91425" rIns="91425" bIns="91425" anchor="t" anchorCtr="0">
             <a:normAutofit/>
           </a:bodyPr>
           <a:lstStyle>
@@ -5599,15 +5645,19 @@
               <a:defRPr sz="2600"/>
             </a:lvl9pPr>
           </a:lstStyle>
-          <a:p/>
+          <a:p>
+            <a:endParaRPr/>
+          </a:p>
         </p:txBody>
       </p:sp>
       <p:sp>
         <p:nvSpPr>
           <p:cNvPr id="67" name="Google Shape;67;p9"/>
-          <p:cNvSpPr txBox="1"/>
+          <p:cNvSpPr txBox="1">
+            <a:spLocks noGrp="1"/>
+          </p:cNvSpPr>
           <p:nvPr>
-            <p:ph idx="1" type="subTitle"/>
+            <p:ph type="subTitle" idx="1"/>
           </p:nvPr>
         </p:nvSpPr>
         <p:spPr>
@@ -5620,7 +5670,7 @@
           </a:prstGeom>
         </p:spPr>
         <p:txBody>
-          <a:bodyPr anchorCtr="0" anchor="t" bIns="91425" lIns="91425" spcFirstLastPara="1" rIns="91425" wrap="square" tIns="91425">
+          <a:bodyPr spcFirstLastPara="1" wrap="square" lIns="91425" tIns="91425" rIns="91425" bIns="91425" anchor="t" anchorCtr="0">
             <a:normAutofit/>
           </a:bodyPr>
           <a:lstStyle>
@@ -5751,15 +5801,19 @@
               <a:defRPr sz="1600"/>
             </a:lvl9pPr>
           </a:lstStyle>
-          <a:p/>
+          <a:p>
+            <a:endParaRPr/>
+          </a:p>
         </p:txBody>
       </p:sp>
       <p:sp>
         <p:nvSpPr>
           <p:cNvPr id="68" name="Google Shape;68;p9"/>
-          <p:cNvSpPr txBox="1"/>
+          <p:cNvSpPr txBox="1">
+            <a:spLocks noGrp="1"/>
+          </p:cNvSpPr>
           <p:nvPr>
-            <p:ph idx="2" type="body"/>
+            <p:ph type="body" idx="2"/>
           </p:nvPr>
         </p:nvSpPr>
         <p:spPr>
@@ -5772,11 +5826,11 @@
           </a:prstGeom>
         </p:spPr>
         <p:txBody>
-          <a:bodyPr anchorCtr="0" anchor="t" bIns="91425" lIns="91425" spcFirstLastPara="1" rIns="91425" wrap="square" tIns="91425">
+          <a:bodyPr spcFirstLastPara="1" wrap="square" lIns="91425" tIns="91425" rIns="91425" bIns="91425" anchor="t" anchorCtr="0">
             <a:normAutofit/>
           </a:bodyPr>
           <a:lstStyle>
-            <a:lvl1pPr indent="-311150" lvl="0" marL="457200">
+            <a:lvl1pPr marL="457200" lvl="0" indent="-311150">
               <a:spcBef>
                 <a:spcPts val="0"/>
               </a:spcBef>
@@ -5787,7 +5841,7 @@
               <a:buChar char="●"/>
               <a:defRPr/>
             </a:lvl1pPr>
-            <a:lvl2pPr indent="-298450" lvl="1" marL="914400">
+            <a:lvl2pPr marL="914400" lvl="1" indent="-298450">
               <a:spcBef>
                 <a:spcPts val="0"/>
               </a:spcBef>
@@ -5798,7 +5852,7 @@
               <a:buChar char="○"/>
               <a:defRPr/>
             </a:lvl2pPr>
-            <a:lvl3pPr indent="-298450" lvl="2" marL="1371600">
+            <a:lvl3pPr marL="1371600" lvl="2" indent="-298450">
               <a:spcBef>
                 <a:spcPts val="0"/>
               </a:spcBef>
@@ -5809,7 +5863,7 @@
               <a:buChar char="■"/>
               <a:defRPr/>
             </a:lvl3pPr>
-            <a:lvl4pPr indent="-298450" lvl="3" marL="1828800">
+            <a:lvl4pPr marL="1828800" lvl="3" indent="-298450">
               <a:spcBef>
                 <a:spcPts val="0"/>
               </a:spcBef>
@@ -5820,7 +5874,7 @@
               <a:buChar char="●"/>
               <a:defRPr/>
             </a:lvl4pPr>
-            <a:lvl5pPr indent="-298450" lvl="4" marL="2286000">
+            <a:lvl5pPr marL="2286000" lvl="4" indent="-298450">
               <a:spcBef>
                 <a:spcPts val="0"/>
               </a:spcBef>
@@ -5831,7 +5885,7 @@
               <a:buChar char="○"/>
               <a:defRPr/>
             </a:lvl5pPr>
-            <a:lvl6pPr indent="-298450" lvl="5" marL="2743200">
+            <a:lvl6pPr marL="2743200" lvl="5" indent="-298450">
               <a:spcBef>
                 <a:spcPts val="0"/>
               </a:spcBef>
@@ -5842,7 +5896,7 @@
               <a:buChar char="■"/>
               <a:defRPr/>
             </a:lvl6pPr>
-            <a:lvl7pPr indent="-298450" lvl="6" marL="3200400">
+            <a:lvl7pPr marL="3200400" lvl="6" indent="-298450">
               <a:spcBef>
                 <a:spcPts val="0"/>
               </a:spcBef>
@@ -5853,7 +5907,7 @@
               <a:buChar char="●"/>
               <a:defRPr/>
             </a:lvl7pPr>
-            <a:lvl8pPr indent="-298450" lvl="7" marL="3657600">
+            <a:lvl8pPr marL="3657600" lvl="7" indent="-298450">
               <a:spcBef>
                 <a:spcPts val="0"/>
               </a:spcBef>
@@ -5864,7 +5918,7 @@
               <a:buChar char="○"/>
               <a:defRPr/>
             </a:lvl8pPr>
-            <a:lvl9pPr indent="-298450" lvl="8" marL="4114800">
+            <a:lvl9pPr marL="4114800" lvl="8" indent="-298450">
               <a:spcBef>
                 <a:spcPts val="0"/>
               </a:spcBef>
@@ -5876,15 +5930,19 @@
               <a:defRPr/>
             </a:lvl9pPr>
           </a:lstStyle>
-          <a:p/>
+          <a:p>
+            <a:endParaRPr/>
+          </a:p>
         </p:txBody>
       </p:sp>
       <p:sp>
         <p:nvSpPr>
           <p:cNvPr id="69" name="Google Shape;69;p9"/>
-          <p:cNvSpPr txBox="1"/>
+          <p:cNvSpPr txBox="1">
+            <a:spLocks noGrp="1"/>
+          </p:cNvSpPr>
           <p:nvPr>
-            <p:ph idx="12" type="sldNum"/>
+            <p:ph type="sldNum" idx="12"/>
           </p:nvPr>
         </p:nvSpPr>
         <p:spPr>
@@ -5897,7 +5955,7 @@
           </a:prstGeom>
         </p:spPr>
         <p:txBody>
-          <a:bodyPr anchorCtr="0" anchor="ctr" bIns="91425" lIns="91425" spcFirstLastPara="1" rIns="91425" wrap="square" tIns="91425">
+          <a:bodyPr spcFirstLastPara="1" wrap="square" lIns="91425" tIns="91425" rIns="91425" bIns="91425" anchor="ctr" anchorCtr="0">
             <a:normAutofit/>
           </a:bodyPr>
           <a:lstStyle>
@@ -5939,7 +5997,7 @@
             </a:lvl9pPr>
           </a:lstStyle>
           <a:p>
-            <a:pPr indent="0" lvl="0" marL="0" rtl="0" algn="r">
+            <a:pPr marL="0" lvl="0" indent="0" algn="r" rtl="0">
               <a:spcBef>
                 <a:spcPts val="0"/>
               </a:spcBef>
@@ -5950,7 +6008,7 @@
             </a:pPr>
             <a:fld id="{00000000-1234-1234-1234-123412341234}" type="slidenum">
               <a:rPr lang="pt-PT"/>
-              <a:t>‹#›</a:t>
+              <a:t>‹nº›</a:t>
             </a:fld>
             <a:endParaRPr/>
           </a:p>
@@ -5965,11 +6023,11 @@
 </file>
 
 <file path=ppt/slideLayouts/slideLayout9.xml><?xml version="1.0" encoding="utf-8"?>
-<p:sldLayout xmlns:a="http://schemas.openxmlformats.org/drawingml/2006/main" xmlns:r="http://schemas.openxmlformats.org/officeDocument/2006/relationships" xmlns:mc="http://schemas.openxmlformats.org/markup-compatibility/2006" xmlns:mv="urn:schemas-microsoft-com:mac:vml" xmlns:p="http://schemas.openxmlformats.org/presentationml/2006/main" xmlns:c="http://schemas.openxmlformats.org/drawingml/2006/chart" xmlns:dgm="http://schemas.openxmlformats.org/drawingml/2006/diagram" xmlns:o="urn:schemas-microsoft-com:office:office" xmlns:v="urn:schemas-microsoft-com:vml" xmlns:pvml="urn:schemas-microsoft-com:office:powerpoint" xmlns:com="http://schemas.openxmlformats.org/drawingml/2006/compatibility" xmlns:p14="http://schemas.microsoft.com/office/powerpoint/2010/main" xmlns:p15="http://schemas.microsoft.com/office/powerpoint/2012/main" xmlns:ahyp="http://schemas.microsoft.com/office/drawing/2018/hyperlinkcolor" matchingName="Caption">
+<p:sldLayout xmlns:a="http://schemas.openxmlformats.org/drawingml/2006/main" xmlns:r="http://schemas.openxmlformats.org/officeDocument/2006/relationships" xmlns:p="http://schemas.openxmlformats.org/presentationml/2006/main" matchingName="Caption">
   <p:cSld name="CAPTION_ONLY">
     <p:spTree>
       <p:nvGrpSpPr>
-        <p:cNvPr id="70" name="Shape 70"/>
+        <p:cNvPr id="1" name="Shape 70"/>
         <p:cNvGrpSpPr/>
         <p:nvPr/>
       </p:nvGrpSpPr>
@@ -5984,9 +6042,11 @@
       <p:sp>
         <p:nvSpPr>
           <p:cNvPr id="71" name="Google Shape;71;p10"/>
-          <p:cNvSpPr txBox="1"/>
+          <p:cNvSpPr txBox="1">
+            <a:spLocks noGrp="1"/>
+          </p:cNvSpPr>
           <p:nvPr>
-            <p:ph idx="1" type="body"/>
+            <p:ph type="body" idx="1"/>
           </p:nvPr>
         </p:nvSpPr>
         <p:spPr>
@@ -5999,11 +6059,11 @@
           </a:prstGeom>
         </p:spPr>
         <p:txBody>
-          <a:bodyPr anchorCtr="0" anchor="ctr" bIns="91425" lIns="91425" spcFirstLastPara="1" rIns="91425" wrap="square" tIns="91425">
+          <a:bodyPr spcFirstLastPara="1" wrap="square" lIns="91425" tIns="91425" rIns="91425" bIns="91425" anchor="ctr" anchorCtr="0">
             <a:normAutofit/>
           </a:bodyPr>
           <a:lstStyle>
-            <a:lvl1pPr indent="-228600" lvl="0" marL="457200">
+            <a:lvl1pPr marL="457200" lvl="0" indent="-228600">
               <a:lnSpc>
                 <a:spcPct val="100000"/>
               </a:lnSpc>
@@ -6018,15 +6078,19 @@
               <a:defRPr/>
             </a:lvl1pPr>
           </a:lstStyle>
-          <a:p/>
+          <a:p>
+            <a:endParaRPr/>
+          </a:p>
         </p:txBody>
       </p:sp>
       <p:sp>
         <p:nvSpPr>
           <p:cNvPr id="72" name="Google Shape;72;p10"/>
-          <p:cNvSpPr txBox="1"/>
+          <p:cNvSpPr txBox="1">
+            <a:spLocks noGrp="1"/>
+          </p:cNvSpPr>
           <p:nvPr>
-            <p:ph idx="12" type="sldNum"/>
+            <p:ph type="sldNum" idx="12"/>
           </p:nvPr>
         </p:nvSpPr>
         <p:spPr>
@@ -6039,7 +6103,7 @@
           </a:prstGeom>
         </p:spPr>
         <p:txBody>
-          <a:bodyPr anchorCtr="0" anchor="ctr" bIns="91425" lIns="91425" spcFirstLastPara="1" rIns="91425" wrap="square" tIns="91425">
+          <a:bodyPr spcFirstLastPara="1" wrap="square" lIns="91425" tIns="91425" rIns="91425" bIns="91425" anchor="ctr" anchorCtr="0">
             <a:normAutofit/>
           </a:bodyPr>
           <a:lstStyle>
@@ -6081,7 +6145,7 @@
             </a:lvl9pPr>
           </a:lstStyle>
           <a:p>
-            <a:pPr indent="0" lvl="0" marL="0" rtl="0" algn="r">
+            <a:pPr marL="0" lvl="0" indent="0" algn="r" rtl="0">
               <a:spcBef>
                 <a:spcPts val="0"/>
               </a:spcBef>
@@ -6092,7 +6156,7 @@
             </a:pPr>
             <a:fld id="{00000000-1234-1234-1234-123412341234}" type="slidenum">
               <a:rPr lang="pt-PT"/>
-              <a:t>‹#›</a:t>
+              <a:t>‹nº›</a:t>
             </a:fld>
             <a:endParaRPr/>
           </a:p>
@@ -6107,18 +6171,19 @@
 </file>
 
 <file path=ppt/slideMasters/slideMaster1.xml><?xml version="1.0" encoding="utf-8"?>
-<p:sldMaster xmlns:a="http://schemas.openxmlformats.org/drawingml/2006/main" xmlns:r="http://schemas.openxmlformats.org/officeDocument/2006/relationships" xmlns:mc="http://schemas.openxmlformats.org/markup-compatibility/2006" xmlns:mv="urn:schemas-microsoft-com:mac:vml" xmlns:p="http://schemas.openxmlformats.org/presentationml/2006/main" xmlns:c="http://schemas.openxmlformats.org/drawingml/2006/chart" xmlns:dgm="http://schemas.openxmlformats.org/drawingml/2006/diagram" xmlns:o="urn:schemas-microsoft-com:office:office" xmlns:v="urn:schemas-microsoft-com:vml" xmlns:pvml="urn:schemas-microsoft-com:office:powerpoint" xmlns:com="http://schemas.openxmlformats.org/drawingml/2006/compatibility" xmlns:p14="http://schemas.microsoft.com/office/powerpoint/2010/main" xmlns:p15="http://schemas.microsoft.com/office/powerpoint/2012/main" xmlns:ahyp="http://schemas.microsoft.com/office/drawing/2018/hyperlinkcolor">
+<p:sldMaster xmlns:a="http://schemas.openxmlformats.org/drawingml/2006/main" xmlns:r="http://schemas.openxmlformats.org/officeDocument/2006/relationships" xmlns:p="http://schemas.openxmlformats.org/presentationml/2006/main">
   <p:cSld name="streamline">
     <p:bg>
       <p:bgPr>
         <a:solidFill>
           <a:schemeClr val="lt1"/>
         </a:solidFill>
+        <a:effectLst/>
       </p:bgPr>
     </p:bg>
     <p:spTree>
       <p:nvGrpSpPr>
-        <p:cNvPr id="5" name="Shape 5"/>
+        <p:cNvPr id="1" name="Shape 5"/>
         <p:cNvGrpSpPr/>
         <p:nvPr/>
       </p:nvGrpSpPr>
@@ -6133,7 +6198,9 @@
       <p:sp>
         <p:nvSpPr>
           <p:cNvPr id="6" name="Google Shape;6;p1"/>
-          <p:cNvSpPr txBox="1"/>
+          <p:cNvSpPr txBox="1">
+            <a:spLocks noGrp="1"/>
+          </p:cNvSpPr>
           <p:nvPr>
             <p:ph type="title"/>
           </p:nvPr>
@@ -6152,7 +6219,7 @@
           </a:ln>
         </p:spPr>
         <p:txBody>
-          <a:bodyPr anchorCtr="0" anchor="t" bIns="91425" lIns="91425" spcFirstLastPara="1" rIns="91425" wrap="square" tIns="91425">
+          <a:bodyPr spcFirstLastPara="1" wrap="square" lIns="91425" tIns="91425" rIns="91425" bIns="91425" anchor="t" anchorCtr="0">
             <a:normAutofit/>
           </a:bodyPr>
           <a:lstStyle>
@@ -6169,7 +6236,7 @@
               <a:buSzPts val="2800"/>
               <a:buFont typeface="Raleway"/>
               <a:buNone/>
-              <a:defRPr b="1" sz="2800">
+              <a:defRPr sz="2800" b="1">
                 <a:solidFill>
                   <a:schemeClr val="dk2"/>
                 </a:solidFill>
@@ -6192,7 +6259,7 @@
               <a:buSzPts val="2800"/>
               <a:buFont typeface="Raleway"/>
               <a:buNone/>
-              <a:defRPr b="1" sz="2800">
+              <a:defRPr sz="2800" b="1">
                 <a:solidFill>
                   <a:schemeClr val="dk2"/>
                 </a:solidFill>
@@ -6215,7 +6282,7 @@
               <a:buSzPts val="2800"/>
               <a:buFont typeface="Raleway"/>
               <a:buNone/>
-              <a:defRPr b="1" sz="2800">
+              <a:defRPr sz="2800" b="1">
                 <a:solidFill>
                   <a:schemeClr val="dk2"/>
                 </a:solidFill>
@@ -6238,7 +6305,7 @@
               <a:buSzPts val="2800"/>
               <a:buFont typeface="Raleway"/>
               <a:buNone/>
-              <a:defRPr b="1" sz="2800">
+              <a:defRPr sz="2800" b="1">
                 <a:solidFill>
                   <a:schemeClr val="dk2"/>
                 </a:solidFill>
@@ -6261,7 +6328,7 @@
               <a:buSzPts val="2800"/>
               <a:buFont typeface="Raleway"/>
               <a:buNone/>
-              <a:defRPr b="1" sz="2800">
+              <a:defRPr sz="2800" b="1">
                 <a:solidFill>
                   <a:schemeClr val="dk2"/>
                 </a:solidFill>
@@ -6284,7 +6351,7 @@
               <a:buSzPts val="2800"/>
               <a:buFont typeface="Raleway"/>
               <a:buNone/>
-              <a:defRPr b="1" sz="2800">
+              <a:defRPr sz="2800" b="1">
                 <a:solidFill>
                   <a:schemeClr val="dk2"/>
                 </a:solidFill>
@@ -6307,7 +6374,7 @@
               <a:buSzPts val="2800"/>
               <a:buFont typeface="Raleway"/>
               <a:buNone/>
-              <a:defRPr b="1" sz="2800">
+              <a:defRPr sz="2800" b="1">
                 <a:solidFill>
                   <a:schemeClr val="dk2"/>
                 </a:solidFill>
@@ -6330,7 +6397,7 @@
               <a:buSzPts val="2800"/>
               <a:buFont typeface="Raleway"/>
               <a:buNone/>
-              <a:defRPr b="1" sz="2800">
+              <a:defRPr sz="2800" b="1">
                 <a:solidFill>
                   <a:schemeClr val="dk2"/>
                 </a:solidFill>
@@ -6353,7 +6420,7 @@
               <a:buSzPts val="2800"/>
               <a:buFont typeface="Raleway"/>
               <a:buNone/>
-              <a:defRPr b="1" sz="2800">
+              <a:defRPr sz="2800" b="1">
                 <a:solidFill>
                   <a:schemeClr val="dk2"/>
                 </a:solidFill>
@@ -6364,15 +6431,19 @@
               </a:defRPr>
             </a:lvl9pPr>
           </a:lstStyle>
-          <a:p/>
+          <a:p>
+            <a:endParaRPr/>
+          </a:p>
         </p:txBody>
       </p:sp>
       <p:sp>
         <p:nvSpPr>
           <p:cNvPr id="7" name="Google Shape;7;p1"/>
-          <p:cNvSpPr txBox="1"/>
+          <p:cNvSpPr txBox="1">
+            <a:spLocks noGrp="1"/>
+          </p:cNvSpPr>
           <p:nvPr>
-            <p:ph idx="1" type="body"/>
+            <p:ph type="body" idx="1"/>
           </p:nvPr>
         </p:nvSpPr>
         <p:spPr>
@@ -6389,11 +6460,11 @@
           </a:ln>
         </p:spPr>
         <p:txBody>
-          <a:bodyPr anchorCtr="0" anchor="t" bIns="91425" lIns="91425" spcFirstLastPara="1" rIns="91425" wrap="square" tIns="91425">
+          <a:bodyPr spcFirstLastPara="1" wrap="square" lIns="91425" tIns="91425" rIns="91425" bIns="91425" anchor="t" anchorCtr="0">
             <a:normAutofit/>
           </a:bodyPr>
           <a:lstStyle>
-            <a:lvl1pPr indent="-311150" lvl="0" marL="457200">
+            <a:lvl1pPr marL="457200" lvl="0" indent="-311150">
               <a:lnSpc>
                 <a:spcPct val="115000"/>
               </a:lnSpc>
@@ -6419,7 +6490,7 @@
                 <a:sym typeface="Lato"/>
               </a:defRPr>
             </a:lvl1pPr>
-            <a:lvl2pPr indent="-298450" lvl="1" marL="914400">
+            <a:lvl2pPr marL="914400" lvl="1" indent="-298450">
               <a:lnSpc>
                 <a:spcPct val="115000"/>
               </a:lnSpc>
@@ -6445,7 +6516,7 @@
                 <a:sym typeface="Lato"/>
               </a:defRPr>
             </a:lvl2pPr>
-            <a:lvl3pPr indent="-298450" lvl="2" marL="1371600">
+            <a:lvl3pPr marL="1371600" lvl="2" indent="-298450">
               <a:lnSpc>
                 <a:spcPct val="115000"/>
               </a:lnSpc>
@@ -6471,7 +6542,7 @@
                 <a:sym typeface="Lato"/>
               </a:defRPr>
             </a:lvl3pPr>
-            <a:lvl4pPr indent="-298450" lvl="3" marL="1828800">
+            <a:lvl4pPr marL="1828800" lvl="3" indent="-298450">
               <a:lnSpc>
                 <a:spcPct val="115000"/>
               </a:lnSpc>
@@ -6497,7 +6568,7 @@
                 <a:sym typeface="Lato"/>
               </a:defRPr>
             </a:lvl4pPr>
-            <a:lvl5pPr indent="-298450" lvl="4" marL="2286000">
+            <a:lvl5pPr marL="2286000" lvl="4" indent="-298450">
               <a:lnSpc>
                 <a:spcPct val="115000"/>
               </a:lnSpc>
@@ -6523,7 +6594,7 @@
                 <a:sym typeface="Lato"/>
               </a:defRPr>
             </a:lvl5pPr>
-            <a:lvl6pPr indent="-298450" lvl="5" marL="2743200">
+            <a:lvl6pPr marL="2743200" lvl="5" indent="-298450">
               <a:lnSpc>
                 <a:spcPct val="115000"/>
               </a:lnSpc>
@@ -6549,7 +6620,7 @@
                 <a:sym typeface="Lato"/>
               </a:defRPr>
             </a:lvl6pPr>
-            <a:lvl7pPr indent="-298450" lvl="6" marL="3200400">
+            <a:lvl7pPr marL="3200400" lvl="6" indent="-298450">
               <a:lnSpc>
                 <a:spcPct val="115000"/>
               </a:lnSpc>
@@ -6575,7 +6646,7 @@
                 <a:sym typeface="Lato"/>
               </a:defRPr>
             </a:lvl7pPr>
-            <a:lvl8pPr indent="-298450" lvl="7" marL="3657600">
+            <a:lvl8pPr marL="3657600" lvl="7" indent="-298450">
               <a:lnSpc>
                 <a:spcPct val="115000"/>
               </a:lnSpc>
@@ -6601,7 +6672,7 @@
                 <a:sym typeface="Lato"/>
               </a:defRPr>
             </a:lvl8pPr>
-            <a:lvl9pPr indent="-298450" lvl="8" marL="4114800">
+            <a:lvl9pPr marL="4114800" lvl="8" indent="-298450">
               <a:lnSpc>
                 <a:spcPct val="115000"/>
               </a:lnSpc>
@@ -6628,15 +6699,19 @@
               </a:defRPr>
             </a:lvl9pPr>
           </a:lstStyle>
-          <a:p/>
+          <a:p>
+            <a:endParaRPr/>
+          </a:p>
         </p:txBody>
       </p:sp>
       <p:sp>
         <p:nvSpPr>
           <p:cNvPr id="8" name="Google Shape;8;p1"/>
-          <p:cNvSpPr txBox="1"/>
+          <p:cNvSpPr txBox="1">
+            <a:spLocks noGrp="1"/>
+          </p:cNvSpPr>
           <p:nvPr>
-            <p:ph idx="12" type="sldNum"/>
+            <p:ph type="sldNum" idx="12"/>
           </p:nvPr>
         </p:nvSpPr>
         <p:spPr>
@@ -6653,7 +6728,7 @@
           </a:ln>
         </p:spPr>
         <p:txBody>
-          <a:bodyPr anchorCtr="0" anchor="ctr" bIns="91425" lIns="91425" spcFirstLastPara="1" rIns="91425" wrap="square" tIns="91425">
+          <a:bodyPr spcFirstLastPara="1" wrap="square" lIns="91425" tIns="91425" rIns="91425" bIns="91425" anchor="ctr" anchorCtr="0">
             <a:normAutofit/>
           </a:bodyPr>
           <a:lstStyle>
@@ -6767,7 +6842,7 @@
             </a:lvl9pPr>
           </a:lstStyle>
           <a:p>
-            <a:pPr indent="0" lvl="0" marL="0" rtl="0" algn="r">
+            <a:pPr marL="0" lvl="0" indent="0" algn="r" rtl="0">
               <a:spcBef>
                 <a:spcPts val="0"/>
               </a:spcBef>
@@ -6778,7 +6853,7 @@
             </a:pPr>
             <a:fld id="{00000000-1234-1234-1234-123412341234}" type="slidenum">
               <a:rPr lang="pt-PT"/>
-              <a:t>‹#›</a:t>
+              <a:t>‹nº›</a:t>
             </a:fld>
             <a:endParaRPr/>
           </a:p>
@@ -6786,7 +6861,7 @@
       </p:sp>
     </p:spTree>
   </p:cSld>
-  <p:clrMap accent1="accent1" accent2="accent2" accent3="accent3" accent4="accent4" accent5="accent5" accent6="accent6" bg1="lt1" bg2="dk2" tx1="dk1" tx2="lt2" folHlink="folHlink" hlink="hlink"/>
+  <p:clrMap bg1="lt1" tx1="dk1" bg2="dk2" tx2="lt2" accent1="accent1" accent2="accent2" accent3="accent3" accent4="accent4" accent5="accent5" accent6="accent6" hlink="hlink" folHlink="folHlink"/>
   <p:sldLayoutIdLst>
     <p:sldLayoutId id="2147483648" r:id="rId1"/>
     <p:sldLayoutId id="2147483649" r:id="rId2"/>
@@ -6800,10 +6875,10 @@
     <p:sldLayoutId id="2147483657" r:id="rId10"/>
     <p:sldLayoutId id="2147483658" r:id="rId11"/>
   </p:sldLayoutIdLst>
-  <p:hf dt="0" ftr="0" hdr="0" sldNum="0"/>
+  <p:hf sldNum="0" hdr="0" ftr="0" dt="0"/>
   <p:txStyles>
     <p:titleStyle>
-      <a:defPPr lvl="0" marR="0" rtl="0" algn="l">
+      <a:defPPr marR="0" lvl="0" algn="l" rtl="0">
         <a:lnSpc>
           <a:spcPct val="100000"/>
         </a:lnSpc>
@@ -6814,7 +6889,7 @@
           <a:spcPts val="0"/>
         </a:spcAft>
       </a:defPPr>
-      <a:lvl1pPr lvl="0" marR="0" rtl="0" algn="l">
+      <a:lvl1pPr marR="0" lvl="0" algn="l" rtl="0">
         <a:lnSpc>
           <a:spcPct val="100000"/>
         </a:lnSpc>
@@ -6828,7 +6903,7 @@
           <a:srgbClr val="000000"/>
         </a:buClr>
         <a:buFont typeface="Arial"/>
-        <a:defRPr b="0" i="0" sz="1400" u="none" cap="none" strike="noStrike">
+        <a:defRPr sz="1400" b="0" i="0" u="none" strike="noStrike" cap="none">
           <a:solidFill>
             <a:srgbClr val="000000"/>
           </a:solidFill>
@@ -6838,7 +6913,7 @@
           <a:sym typeface="Arial"/>
         </a:defRPr>
       </a:lvl1pPr>
-      <a:lvl2pPr lvl="1" marR="0" rtl="0" algn="l">
+      <a:lvl2pPr marR="0" lvl="1" algn="l" rtl="0">
         <a:lnSpc>
           <a:spcPct val="100000"/>
         </a:lnSpc>
@@ -6852,7 +6927,7 @@
           <a:srgbClr val="000000"/>
         </a:buClr>
         <a:buFont typeface="Arial"/>
-        <a:defRPr b="0" i="0" sz="1400" u="none" cap="none" strike="noStrike">
+        <a:defRPr sz="1400" b="0" i="0" u="none" strike="noStrike" cap="none">
           <a:solidFill>
             <a:srgbClr val="000000"/>
           </a:solidFill>
@@ -6862,7 +6937,7 @@
           <a:sym typeface="Arial"/>
         </a:defRPr>
       </a:lvl2pPr>
-      <a:lvl3pPr lvl="2" marR="0" rtl="0" algn="l">
+      <a:lvl3pPr marR="0" lvl="2" algn="l" rtl="0">
         <a:lnSpc>
           <a:spcPct val="100000"/>
         </a:lnSpc>
@@ -6876,7 +6951,7 @@
           <a:srgbClr val="000000"/>
         </a:buClr>
         <a:buFont typeface="Arial"/>
-        <a:defRPr b="0" i="0" sz="1400" u="none" cap="none" strike="noStrike">
+        <a:defRPr sz="1400" b="0" i="0" u="none" strike="noStrike" cap="none">
           <a:solidFill>
             <a:srgbClr val="000000"/>
           </a:solidFill>
@@ -6886,7 +6961,7 @@
           <a:sym typeface="Arial"/>
         </a:defRPr>
       </a:lvl3pPr>
-      <a:lvl4pPr lvl="3" marR="0" rtl="0" algn="l">
+      <a:lvl4pPr marR="0" lvl="3" algn="l" rtl="0">
         <a:lnSpc>
           <a:spcPct val="100000"/>
         </a:lnSpc>
@@ -6900,7 +6975,7 @@
           <a:srgbClr val="000000"/>
         </a:buClr>
         <a:buFont typeface="Arial"/>
-        <a:defRPr b="0" i="0" sz="1400" u="none" cap="none" strike="noStrike">
+        <a:defRPr sz="1400" b="0" i="0" u="none" strike="noStrike" cap="none">
           <a:solidFill>
             <a:srgbClr val="000000"/>
           </a:solidFill>
@@ -6910,7 +6985,7 @@
           <a:sym typeface="Arial"/>
         </a:defRPr>
       </a:lvl4pPr>
-      <a:lvl5pPr lvl="4" marR="0" rtl="0" algn="l">
+      <a:lvl5pPr marR="0" lvl="4" algn="l" rtl="0">
         <a:lnSpc>
           <a:spcPct val="100000"/>
         </a:lnSpc>
@@ -6924,7 +6999,7 @@
           <a:srgbClr val="000000"/>
         </a:buClr>
         <a:buFont typeface="Arial"/>
-        <a:defRPr b="0" i="0" sz="1400" u="none" cap="none" strike="noStrike">
+        <a:defRPr sz="1400" b="0" i="0" u="none" strike="noStrike" cap="none">
           <a:solidFill>
             <a:srgbClr val="000000"/>
           </a:solidFill>
@@ -6934,7 +7009,7 @@
           <a:sym typeface="Arial"/>
         </a:defRPr>
       </a:lvl5pPr>
-      <a:lvl6pPr lvl="5" marR="0" rtl="0" algn="l">
+      <a:lvl6pPr marR="0" lvl="5" algn="l" rtl="0">
         <a:lnSpc>
           <a:spcPct val="100000"/>
         </a:lnSpc>
@@ -6948,7 +7023,7 @@
           <a:srgbClr val="000000"/>
         </a:buClr>
         <a:buFont typeface="Arial"/>
-        <a:defRPr b="0" i="0" sz="1400" u="none" cap="none" strike="noStrike">
+        <a:defRPr sz="1400" b="0" i="0" u="none" strike="noStrike" cap="none">
           <a:solidFill>
             <a:srgbClr val="000000"/>
           </a:solidFill>
@@ -6958,7 +7033,7 @@
           <a:sym typeface="Arial"/>
         </a:defRPr>
       </a:lvl6pPr>
-      <a:lvl7pPr lvl="6" marR="0" rtl="0" algn="l">
+      <a:lvl7pPr marR="0" lvl="6" algn="l" rtl="0">
         <a:lnSpc>
           <a:spcPct val="100000"/>
         </a:lnSpc>
@@ -6972,7 +7047,7 @@
           <a:srgbClr val="000000"/>
         </a:buClr>
         <a:buFont typeface="Arial"/>
-        <a:defRPr b="0" i="0" sz="1400" u="none" cap="none" strike="noStrike">
+        <a:defRPr sz="1400" b="0" i="0" u="none" strike="noStrike" cap="none">
           <a:solidFill>
             <a:srgbClr val="000000"/>
           </a:solidFill>
@@ -6982,7 +7057,7 @@
           <a:sym typeface="Arial"/>
         </a:defRPr>
       </a:lvl7pPr>
-      <a:lvl8pPr lvl="7" marR="0" rtl="0" algn="l">
+      <a:lvl8pPr marR="0" lvl="7" algn="l" rtl="0">
         <a:lnSpc>
           <a:spcPct val="100000"/>
         </a:lnSpc>
@@ -6996,7 +7071,7 @@
           <a:srgbClr val="000000"/>
         </a:buClr>
         <a:buFont typeface="Arial"/>
-        <a:defRPr b="0" i="0" sz="1400" u="none" cap="none" strike="noStrike">
+        <a:defRPr sz="1400" b="0" i="0" u="none" strike="noStrike" cap="none">
           <a:solidFill>
             <a:srgbClr val="000000"/>
           </a:solidFill>
@@ -7006,7 +7081,7 @@
           <a:sym typeface="Arial"/>
         </a:defRPr>
       </a:lvl8pPr>
-      <a:lvl9pPr lvl="8" marR="0" rtl="0" algn="l">
+      <a:lvl9pPr marR="0" lvl="8" algn="l" rtl="0">
         <a:lnSpc>
           <a:spcPct val="100000"/>
         </a:lnSpc>
@@ -7020,7 +7095,7 @@
           <a:srgbClr val="000000"/>
         </a:buClr>
         <a:buFont typeface="Arial"/>
-        <a:defRPr b="0" i="0" sz="1400" u="none" cap="none" strike="noStrike">
+        <a:defRPr sz="1400" b="0" i="0" u="none" strike="noStrike" cap="none">
           <a:solidFill>
             <a:srgbClr val="000000"/>
           </a:solidFill>
@@ -7032,7 +7107,7 @@
       </a:lvl9pPr>
     </p:titleStyle>
     <p:bodyStyle>
-      <a:defPPr lvl="0" marR="0" rtl="0" algn="l">
+      <a:defPPr marR="0" lvl="0" algn="l" rtl="0">
         <a:lnSpc>
           <a:spcPct val="100000"/>
         </a:lnSpc>
@@ -7043,7 +7118,7 @@
           <a:spcPts val="0"/>
         </a:spcAft>
       </a:defPPr>
-      <a:lvl1pPr lvl="0" marR="0" rtl="0" algn="l">
+      <a:lvl1pPr marR="0" lvl="0" algn="l" rtl="0">
         <a:lnSpc>
           <a:spcPct val="100000"/>
         </a:lnSpc>
@@ -7057,7 +7132,7 @@
           <a:srgbClr val="000000"/>
         </a:buClr>
         <a:buFont typeface="Arial"/>
-        <a:defRPr b="0" i="0" sz="1400" u="none" cap="none" strike="noStrike">
+        <a:defRPr sz="1400" b="0" i="0" u="none" strike="noStrike" cap="none">
           <a:solidFill>
             <a:srgbClr val="000000"/>
           </a:solidFill>
@@ -7067,7 +7142,7 @@
           <a:sym typeface="Arial"/>
         </a:defRPr>
       </a:lvl1pPr>
-      <a:lvl2pPr lvl="1" marR="0" rtl="0" algn="l">
+      <a:lvl2pPr marR="0" lvl="1" algn="l" rtl="0">
         <a:lnSpc>
           <a:spcPct val="100000"/>
         </a:lnSpc>
@@ -7081,7 +7156,7 @@
           <a:srgbClr val="000000"/>
         </a:buClr>
         <a:buFont typeface="Arial"/>
-        <a:defRPr b="0" i="0" sz="1400" u="none" cap="none" strike="noStrike">
+        <a:defRPr sz="1400" b="0" i="0" u="none" strike="noStrike" cap="none">
           <a:solidFill>
             <a:srgbClr val="000000"/>
           </a:solidFill>
@@ -7091,7 +7166,7 @@
           <a:sym typeface="Arial"/>
         </a:defRPr>
       </a:lvl2pPr>
-      <a:lvl3pPr lvl="2" marR="0" rtl="0" algn="l">
+      <a:lvl3pPr marR="0" lvl="2" algn="l" rtl="0">
         <a:lnSpc>
           <a:spcPct val="100000"/>
         </a:lnSpc>
@@ -7105,7 +7180,7 @@
           <a:srgbClr val="000000"/>
         </a:buClr>
         <a:buFont typeface="Arial"/>
-        <a:defRPr b="0" i="0" sz="1400" u="none" cap="none" strike="noStrike">
+        <a:defRPr sz="1400" b="0" i="0" u="none" strike="noStrike" cap="none">
           <a:solidFill>
             <a:srgbClr val="000000"/>
           </a:solidFill>
@@ -7115,7 +7190,7 @@
           <a:sym typeface="Arial"/>
         </a:defRPr>
       </a:lvl3pPr>
-      <a:lvl4pPr lvl="3" marR="0" rtl="0" algn="l">
+      <a:lvl4pPr marR="0" lvl="3" algn="l" rtl="0">
         <a:lnSpc>
           <a:spcPct val="100000"/>
         </a:lnSpc>
@@ -7129,7 +7204,7 @@
           <a:srgbClr val="000000"/>
         </a:buClr>
         <a:buFont typeface="Arial"/>
-        <a:defRPr b="0" i="0" sz="1400" u="none" cap="none" strike="noStrike">
+        <a:defRPr sz="1400" b="0" i="0" u="none" strike="noStrike" cap="none">
           <a:solidFill>
             <a:srgbClr val="000000"/>
           </a:solidFill>
@@ -7139,7 +7214,7 @@
           <a:sym typeface="Arial"/>
         </a:defRPr>
       </a:lvl4pPr>
-      <a:lvl5pPr lvl="4" marR="0" rtl="0" algn="l">
+      <a:lvl5pPr marR="0" lvl="4" algn="l" rtl="0">
         <a:lnSpc>
           <a:spcPct val="100000"/>
         </a:lnSpc>
@@ -7153,7 +7228,7 @@
           <a:srgbClr val="000000"/>
         </a:buClr>
         <a:buFont typeface="Arial"/>
-        <a:defRPr b="0" i="0" sz="1400" u="none" cap="none" strike="noStrike">
+        <a:defRPr sz="1400" b="0" i="0" u="none" strike="noStrike" cap="none">
           <a:solidFill>
             <a:srgbClr val="000000"/>
           </a:solidFill>
@@ -7163,7 +7238,7 @@
           <a:sym typeface="Arial"/>
         </a:defRPr>
       </a:lvl5pPr>
-      <a:lvl6pPr lvl="5" marR="0" rtl="0" algn="l">
+      <a:lvl6pPr marR="0" lvl="5" algn="l" rtl="0">
         <a:lnSpc>
           <a:spcPct val="100000"/>
         </a:lnSpc>
@@ -7177,7 +7252,7 @@
           <a:srgbClr val="000000"/>
         </a:buClr>
         <a:buFont typeface="Arial"/>
-        <a:defRPr b="0" i="0" sz="1400" u="none" cap="none" strike="noStrike">
+        <a:defRPr sz="1400" b="0" i="0" u="none" strike="noStrike" cap="none">
           <a:solidFill>
             <a:srgbClr val="000000"/>
           </a:solidFill>
@@ -7187,7 +7262,7 @@
           <a:sym typeface="Arial"/>
         </a:defRPr>
       </a:lvl6pPr>
-      <a:lvl7pPr lvl="6" marR="0" rtl="0" algn="l">
+      <a:lvl7pPr marR="0" lvl="6" algn="l" rtl="0">
         <a:lnSpc>
           <a:spcPct val="100000"/>
         </a:lnSpc>
@@ -7201,7 +7276,7 @@
           <a:srgbClr val="000000"/>
         </a:buClr>
         <a:buFont typeface="Arial"/>
-        <a:defRPr b="0" i="0" sz="1400" u="none" cap="none" strike="noStrike">
+        <a:defRPr sz="1400" b="0" i="0" u="none" strike="noStrike" cap="none">
           <a:solidFill>
             <a:srgbClr val="000000"/>
           </a:solidFill>
@@ -7211,7 +7286,7 @@
           <a:sym typeface="Arial"/>
         </a:defRPr>
       </a:lvl7pPr>
-      <a:lvl8pPr lvl="7" marR="0" rtl="0" algn="l">
+      <a:lvl8pPr marR="0" lvl="7" algn="l" rtl="0">
         <a:lnSpc>
           <a:spcPct val="100000"/>
         </a:lnSpc>
@@ -7225,7 +7300,7 @@
           <a:srgbClr val="000000"/>
         </a:buClr>
         <a:buFont typeface="Arial"/>
-        <a:defRPr b="0" i="0" sz="1400" u="none" cap="none" strike="noStrike">
+        <a:defRPr sz="1400" b="0" i="0" u="none" strike="noStrike" cap="none">
           <a:solidFill>
             <a:srgbClr val="000000"/>
           </a:solidFill>
@@ -7235,7 +7310,7 @@
           <a:sym typeface="Arial"/>
         </a:defRPr>
       </a:lvl8pPr>
-      <a:lvl9pPr lvl="8" marR="0" rtl="0" algn="l">
+      <a:lvl9pPr marR="0" lvl="8" algn="l" rtl="0">
         <a:lnSpc>
           <a:spcPct val="100000"/>
         </a:lnSpc>
@@ -7249,7 +7324,7 @@
           <a:srgbClr val="000000"/>
         </a:buClr>
         <a:buFont typeface="Arial"/>
-        <a:defRPr b="0" i="0" sz="1400" u="none" cap="none" strike="noStrike">
+        <a:defRPr sz="1400" b="0" i="0" u="none" strike="noStrike" cap="none">
           <a:solidFill>
             <a:srgbClr val="000000"/>
           </a:solidFill>
@@ -7261,7 +7336,7 @@
       </a:lvl9pPr>
     </p:bodyStyle>
     <p:otherStyle>
-      <a:defPPr lvl="0" marR="0" rtl="0" algn="l">
+      <a:defPPr marR="0" lvl="0" algn="l" rtl="0">
         <a:lnSpc>
           <a:spcPct val="100000"/>
         </a:lnSpc>
@@ -7272,7 +7347,7 @@
           <a:spcPts val="0"/>
         </a:spcAft>
       </a:defPPr>
-      <a:lvl1pPr lvl="0" marR="0" rtl="0" algn="l">
+      <a:lvl1pPr marR="0" lvl="0" algn="l" rtl="0">
         <a:lnSpc>
           <a:spcPct val="100000"/>
         </a:lnSpc>
@@ -7286,7 +7361,7 @@
           <a:srgbClr val="000000"/>
         </a:buClr>
         <a:buFont typeface="Arial"/>
-        <a:defRPr b="0" i="0" sz="1400" u="none" cap="none" strike="noStrike">
+        <a:defRPr sz="1400" b="0" i="0" u="none" strike="noStrike" cap="none">
           <a:solidFill>
             <a:srgbClr val="000000"/>
           </a:solidFill>
@@ -7296,7 +7371,7 @@
           <a:sym typeface="Arial"/>
         </a:defRPr>
       </a:lvl1pPr>
-      <a:lvl2pPr lvl="1" marR="0" rtl="0" algn="l">
+      <a:lvl2pPr marR="0" lvl="1" algn="l" rtl="0">
         <a:lnSpc>
           <a:spcPct val="100000"/>
         </a:lnSpc>
@@ -7310,7 +7385,7 @@
           <a:srgbClr val="000000"/>
         </a:buClr>
         <a:buFont typeface="Arial"/>
-        <a:defRPr b="0" i="0" sz="1400" u="none" cap="none" strike="noStrike">
+        <a:defRPr sz="1400" b="0" i="0" u="none" strike="noStrike" cap="none">
           <a:solidFill>
             <a:srgbClr val="000000"/>
           </a:solidFill>
@@ -7320,7 +7395,7 @@
           <a:sym typeface="Arial"/>
         </a:defRPr>
       </a:lvl2pPr>
-      <a:lvl3pPr lvl="2" marR="0" rtl="0" algn="l">
+      <a:lvl3pPr marR="0" lvl="2" algn="l" rtl="0">
         <a:lnSpc>
           <a:spcPct val="100000"/>
         </a:lnSpc>
@@ -7334,7 +7409,7 @@
           <a:srgbClr val="000000"/>
         </a:buClr>
         <a:buFont typeface="Arial"/>
-        <a:defRPr b="0" i="0" sz="1400" u="none" cap="none" strike="noStrike">
+        <a:defRPr sz="1400" b="0" i="0" u="none" strike="noStrike" cap="none">
           <a:solidFill>
             <a:srgbClr val="000000"/>
           </a:solidFill>
@@ -7344,7 +7419,7 @@
           <a:sym typeface="Arial"/>
         </a:defRPr>
       </a:lvl3pPr>
-      <a:lvl4pPr lvl="3" marR="0" rtl="0" algn="l">
+      <a:lvl4pPr marR="0" lvl="3" algn="l" rtl="0">
         <a:lnSpc>
           <a:spcPct val="100000"/>
         </a:lnSpc>
@@ -7358,7 +7433,7 @@
           <a:srgbClr val="000000"/>
         </a:buClr>
         <a:buFont typeface="Arial"/>
-        <a:defRPr b="0" i="0" sz="1400" u="none" cap="none" strike="noStrike">
+        <a:defRPr sz="1400" b="0" i="0" u="none" strike="noStrike" cap="none">
           <a:solidFill>
             <a:srgbClr val="000000"/>
           </a:solidFill>
@@ -7368,7 +7443,7 @@
           <a:sym typeface="Arial"/>
         </a:defRPr>
       </a:lvl4pPr>
-      <a:lvl5pPr lvl="4" marR="0" rtl="0" algn="l">
+      <a:lvl5pPr marR="0" lvl="4" algn="l" rtl="0">
         <a:lnSpc>
           <a:spcPct val="100000"/>
         </a:lnSpc>
@@ -7382,7 +7457,7 @@
           <a:srgbClr val="000000"/>
         </a:buClr>
         <a:buFont typeface="Arial"/>
-        <a:defRPr b="0" i="0" sz="1400" u="none" cap="none" strike="noStrike">
+        <a:defRPr sz="1400" b="0" i="0" u="none" strike="noStrike" cap="none">
           <a:solidFill>
             <a:srgbClr val="000000"/>
           </a:solidFill>
@@ -7392,7 +7467,7 @@
           <a:sym typeface="Arial"/>
         </a:defRPr>
       </a:lvl5pPr>
-      <a:lvl6pPr lvl="5" marR="0" rtl="0" algn="l">
+      <a:lvl6pPr marR="0" lvl="5" algn="l" rtl="0">
         <a:lnSpc>
           <a:spcPct val="100000"/>
         </a:lnSpc>
@@ -7406,7 +7481,7 @@
           <a:srgbClr val="000000"/>
         </a:buClr>
         <a:buFont typeface="Arial"/>
-        <a:defRPr b="0" i="0" sz="1400" u="none" cap="none" strike="noStrike">
+        <a:defRPr sz="1400" b="0" i="0" u="none" strike="noStrike" cap="none">
           <a:solidFill>
             <a:srgbClr val="000000"/>
           </a:solidFill>
@@ -7416,7 +7491,7 @@
           <a:sym typeface="Arial"/>
         </a:defRPr>
       </a:lvl6pPr>
-      <a:lvl7pPr lvl="6" marR="0" rtl="0" algn="l">
+      <a:lvl7pPr marR="0" lvl="6" algn="l" rtl="0">
         <a:lnSpc>
           <a:spcPct val="100000"/>
         </a:lnSpc>
@@ -7430,7 +7505,7 @@
           <a:srgbClr val="000000"/>
         </a:buClr>
         <a:buFont typeface="Arial"/>
-        <a:defRPr b="0" i="0" sz="1400" u="none" cap="none" strike="noStrike">
+        <a:defRPr sz="1400" b="0" i="0" u="none" strike="noStrike" cap="none">
           <a:solidFill>
             <a:srgbClr val="000000"/>
           </a:solidFill>
@@ -7440,7 +7515,7 @@
           <a:sym typeface="Arial"/>
         </a:defRPr>
       </a:lvl7pPr>
-      <a:lvl8pPr lvl="7" marR="0" rtl="0" algn="l">
+      <a:lvl8pPr marR="0" lvl="7" algn="l" rtl="0">
         <a:lnSpc>
           <a:spcPct val="100000"/>
         </a:lnSpc>
@@ -7454,7 +7529,7 @@
           <a:srgbClr val="000000"/>
         </a:buClr>
         <a:buFont typeface="Arial"/>
-        <a:defRPr b="0" i="0" sz="1400" u="none" cap="none" strike="noStrike">
+        <a:defRPr sz="1400" b="0" i="0" u="none" strike="noStrike" cap="none">
           <a:solidFill>
             <a:srgbClr val="000000"/>
           </a:solidFill>
@@ -7464,7 +7539,7 @@
           <a:sym typeface="Arial"/>
         </a:defRPr>
       </a:lvl8pPr>
-      <a:lvl9pPr lvl="8" marR="0" rtl="0" algn="l">
+      <a:lvl9pPr marR="0" lvl="8" algn="l" rtl="0">
         <a:lnSpc>
           <a:spcPct val="100000"/>
         </a:lnSpc>
@@ -7478,7 +7553,7 @@
           <a:srgbClr val="000000"/>
         </a:buClr>
         <a:buFont typeface="Arial"/>
-        <a:defRPr b="0" i="0" sz="1400" u="none" cap="none" strike="noStrike">
+        <a:defRPr sz="1400" b="0" i="0" u="none" strike="noStrike" cap="none">
           <a:solidFill>
             <a:srgbClr val="000000"/>
           </a:solidFill>
@@ -7494,11 +7569,11 @@
 </file>
 
 <file path=ppt/slides/slide1.xml><?xml version="1.0" encoding="utf-8"?>
-<p:sld xmlns:a="http://schemas.openxmlformats.org/drawingml/2006/main" xmlns:r="http://schemas.openxmlformats.org/officeDocument/2006/relationships" xmlns:mc="http://schemas.openxmlformats.org/markup-compatibility/2006" xmlns:mv="urn:schemas-microsoft-com:mac:vml" xmlns:p="http://schemas.openxmlformats.org/presentationml/2006/main" xmlns:c="http://schemas.openxmlformats.org/drawingml/2006/chart" xmlns:dgm="http://schemas.openxmlformats.org/drawingml/2006/diagram" xmlns:o="urn:schemas-microsoft-com:office:office" xmlns:v="urn:schemas-microsoft-com:vml" xmlns:pvml="urn:schemas-microsoft-com:office:powerpoint" xmlns:com="http://schemas.openxmlformats.org/drawingml/2006/compatibility" xmlns:p14="http://schemas.microsoft.com/office/powerpoint/2010/main" xmlns:p15="http://schemas.microsoft.com/office/powerpoint/2012/main" xmlns:ahyp="http://schemas.microsoft.com/office/drawing/2018/hyperlinkcolor">
+<p:sld xmlns:a="http://schemas.openxmlformats.org/drawingml/2006/main" xmlns:r="http://schemas.openxmlformats.org/officeDocument/2006/relationships" xmlns:p="http://schemas.openxmlformats.org/presentationml/2006/main">
   <p:cSld>
     <p:spTree>
       <p:nvGrpSpPr>
-        <p:cNvPr id="85" name="Shape 85"/>
+        <p:cNvPr id="1" name="Shape 85"/>
         <p:cNvGrpSpPr/>
         <p:nvPr/>
       </p:nvGrpSpPr>
@@ -7513,7 +7588,9 @@
       <p:sp>
         <p:nvSpPr>
           <p:cNvPr id="86" name="Google Shape;86;p13"/>
-          <p:cNvSpPr txBox="1"/>
+          <p:cNvSpPr txBox="1">
+            <a:spLocks noGrp="1"/>
+          </p:cNvSpPr>
           <p:nvPr>
             <p:ph type="ctrTitle"/>
           </p:nvPr>
@@ -7528,12 +7605,12 @@
           </a:prstGeom>
         </p:spPr>
         <p:txBody>
-          <a:bodyPr anchorCtr="0" anchor="t" bIns="91425" lIns="91425" spcFirstLastPara="1" rIns="91425" wrap="square" tIns="91425">
+          <a:bodyPr spcFirstLastPara="1" wrap="square" lIns="91425" tIns="91425" rIns="91425" bIns="91425" anchor="t" anchorCtr="0">
             <a:normAutofit/>
           </a:bodyPr>
           <a:lstStyle/>
           <a:p>
-            <a:pPr indent="0" lvl="0" marL="0" rtl="0" algn="l">
+            <a:pPr marL="0" lvl="0" indent="0" algn="l" rtl="0">
               <a:spcBef>
                 <a:spcPts val="0"/>
               </a:spcBef>
@@ -7553,9 +7630,11 @@
       <p:sp>
         <p:nvSpPr>
           <p:cNvPr id="87" name="Google Shape;87;p13"/>
-          <p:cNvSpPr txBox="1"/>
+          <p:cNvSpPr txBox="1">
+            <a:spLocks noGrp="1"/>
+          </p:cNvSpPr>
           <p:nvPr>
-            <p:ph idx="1" type="subTitle"/>
+            <p:ph type="subTitle" idx="1"/>
           </p:nvPr>
         </p:nvSpPr>
         <p:spPr>
@@ -7568,12 +7647,12 @@
           </a:prstGeom>
         </p:spPr>
         <p:txBody>
-          <a:bodyPr anchorCtr="0" anchor="t" bIns="91425" lIns="91425" spcFirstLastPara="1" rIns="91425" wrap="square" tIns="91425">
+          <a:bodyPr spcFirstLastPara="1" wrap="square" lIns="91425" tIns="91425" rIns="91425" bIns="91425" anchor="t" anchorCtr="0">
             <a:normAutofit/>
           </a:bodyPr>
           <a:lstStyle/>
           <a:p>
-            <a:pPr indent="0" lvl="0" marL="0" rtl="0" algn="l">
+            <a:pPr marL="0" lvl="0" indent="0" algn="l" rtl="0">
               <a:spcBef>
                 <a:spcPts val="0"/>
               </a:spcBef>
@@ -7583,13 +7662,13 @@
               <a:buNone/>
             </a:pPr>
             <a:r>
-              <a:rPr lang="pt-PT"/>
+              <a:rPr lang="pt-PT" dirty="0"/>
               <a:t>Pedro Mesquita 	1211171</a:t>
             </a:r>
-            <a:endParaRPr/>
+            <a:endParaRPr dirty="0"/>
           </a:p>
           <a:p>
-            <a:pPr indent="0" lvl="0" marL="0" rtl="0" algn="l">
+            <a:pPr marL="0" lvl="0" indent="0" algn="l" rtl="0">
               <a:spcBef>
                 <a:spcPts val="0"/>
               </a:spcBef>
@@ -7599,21 +7678,13 @@
               <a:buNone/>
             </a:pPr>
             <a:r>
-              <a:rPr lang="pt-PT"/>
-              <a:t>Luís Monteiro	</a:t>
+              <a:rPr lang="pt-PT" dirty="0"/>
+              <a:t>Luís Monteiro	1211250</a:t>
             </a:r>
-            <a:r>
-              <a:rPr lang="pt-PT"/>
-              <a:t>	</a:t>
-            </a:r>
-            <a:r>
-              <a:rPr lang="pt-PT"/>
-              <a:t>1211250</a:t>
-            </a:r>
-            <a:endParaRPr/>
+            <a:endParaRPr dirty="0"/>
           </a:p>
           <a:p>
-            <a:pPr indent="0" lvl="0" marL="0" rtl="0" algn="l">
+            <a:pPr marL="0" lvl="0" indent="0" algn="l" rtl="0">
               <a:spcBef>
                 <a:spcPts val="0"/>
               </a:spcBef>
@@ -7623,13 +7694,13 @@
               <a:buNone/>
             </a:pPr>
             <a:r>
-              <a:rPr lang="pt-PT"/>
+              <a:rPr lang="pt-PT" dirty="0"/>
               <a:t>Miguel Marques 	1201078</a:t>
             </a:r>
-            <a:endParaRPr/>
+            <a:endParaRPr dirty="0"/>
           </a:p>
           <a:p>
-            <a:pPr indent="0" lvl="0" marL="0" rtl="0" algn="l">
+            <a:pPr marL="0" lvl="0" indent="0" algn="l" rtl="0">
               <a:spcBef>
                 <a:spcPts val="0"/>
               </a:spcBef>
@@ -7639,21 +7710,13 @@
               <a:buNone/>
             </a:pPr>
             <a:r>
-              <a:rPr lang="pt-PT"/>
-              <a:t>Tiago Afonso 	</a:t>
+              <a:rPr lang="pt-PT" dirty="0"/>
+              <a:t>Tiago Afonso	1201305</a:t>
             </a:r>
-            <a:r>
-              <a:rPr lang="pt-PT"/>
-              <a:t>	</a:t>
-            </a:r>
-            <a:r>
-              <a:rPr lang="pt-PT"/>
-              <a:t>1201305</a:t>
-            </a:r>
-            <a:endParaRPr/>
+            <a:endParaRPr dirty="0"/>
           </a:p>
           <a:p>
-            <a:pPr indent="0" lvl="0" marL="0" rtl="0" algn="l">
+            <a:pPr marL="0" lvl="0" indent="0" algn="l" rtl="0">
               <a:spcBef>
                 <a:spcPts val="0"/>
               </a:spcBef>
@@ -7662,10 +7725,7 @@
               </a:spcAft>
               <a:buNone/>
             </a:pPr>
-            <a:r>
-              <a:t/>
-            </a:r>
-            <a:endParaRPr/>
+            <a:endParaRPr dirty="0"/>
           </a:p>
         </p:txBody>
       </p:sp>
@@ -7689,12 +7749,12 @@
           </a:ln>
         </p:spPr>
         <p:txBody>
-          <a:bodyPr anchorCtr="0" anchor="t" bIns="91425" lIns="91425" spcFirstLastPara="1" rIns="91425" wrap="square" tIns="91425">
+          <a:bodyPr spcFirstLastPara="1" wrap="square" lIns="91425" tIns="91425" rIns="91425" bIns="91425" anchor="t" anchorCtr="0">
             <a:spAutoFit/>
           </a:bodyPr>
           <a:lstStyle/>
           <a:p>
-            <a:pPr indent="0" lvl="0" marL="0" rtl="0" algn="l">
+            <a:pPr marL="0" lvl="0" indent="0" algn="l" rtl="0">
               <a:spcBef>
                 <a:spcPts val="0"/>
               </a:spcBef>
@@ -7741,12 +7801,12 @@
           </a:ln>
         </p:spPr>
         <p:txBody>
-          <a:bodyPr anchorCtr="0" anchor="t" bIns="91425" lIns="91425" spcFirstLastPara="1" rIns="91425" wrap="square" tIns="91425">
+          <a:bodyPr spcFirstLastPara="1" wrap="square" lIns="91425" tIns="91425" rIns="91425" bIns="91425" anchor="t" anchorCtr="0">
             <a:noAutofit/>
           </a:bodyPr>
           <a:lstStyle/>
           <a:p>
-            <a:pPr indent="0" lvl="0" marL="0" rtl="0" algn="l">
+            <a:pPr marL="0" lvl="0" indent="0" algn="l" rtl="0">
               <a:lnSpc>
                 <a:spcPct val="115000"/>
               </a:lnSpc>
@@ -7791,11 +7851,11 @@
 </file>
 
 <file path=ppt/slides/slide2.xml><?xml version="1.0" encoding="utf-8"?>
-<p:sld xmlns:a="http://schemas.openxmlformats.org/drawingml/2006/main" xmlns:r="http://schemas.openxmlformats.org/officeDocument/2006/relationships" xmlns:mc="http://schemas.openxmlformats.org/markup-compatibility/2006" xmlns:mv="urn:schemas-microsoft-com:mac:vml" xmlns:p="http://schemas.openxmlformats.org/presentationml/2006/main" xmlns:c="http://schemas.openxmlformats.org/drawingml/2006/chart" xmlns:dgm="http://schemas.openxmlformats.org/drawingml/2006/diagram" xmlns:o="urn:schemas-microsoft-com:office:office" xmlns:v="urn:schemas-microsoft-com:vml" xmlns:pvml="urn:schemas-microsoft-com:office:powerpoint" xmlns:com="http://schemas.openxmlformats.org/drawingml/2006/compatibility" xmlns:p14="http://schemas.microsoft.com/office/powerpoint/2010/main" xmlns:p15="http://schemas.microsoft.com/office/powerpoint/2012/main" xmlns:ahyp="http://schemas.microsoft.com/office/drawing/2018/hyperlinkcolor">
+<p:sld xmlns:a="http://schemas.openxmlformats.org/drawingml/2006/main" xmlns:r="http://schemas.openxmlformats.org/officeDocument/2006/relationships" xmlns:p="http://schemas.openxmlformats.org/presentationml/2006/main">
   <p:cSld>
     <p:spTree>
       <p:nvGrpSpPr>
-        <p:cNvPr id="93" name="Shape 93"/>
+        <p:cNvPr id="1" name="Shape 93"/>
         <p:cNvGrpSpPr/>
         <p:nvPr/>
       </p:nvGrpSpPr>
@@ -7810,7 +7870,9 @@
       <p:sp>
         <p:nvSpPr>
           <p:cNvPr id="94" name="Google Shape;94;p14"/>
-          <p:cNvSpPr txBox="1"/>
+          <p:cNvSpPr txBox="1">
+            <a:spLocks noGrp="1"/>
+          </p:cNvSpPr>
           <p:nvPr>
             <p:ph type="title"/>
           </p:nvPr>
@@ -7825,12 +7887,12 @@
           </a:prstGeom>
         </p:spPr>
         <p:txBody>
-          <a:bodyPr anchorCtr="0" anchor="t" bIns="91425" lIns="91425" spcFirstLastPara="1" rIns="91425" wrap="square" tIns="91425">
+          <a:bodyPr spcFirstLastPara="1" wrap="square" lIns="91425" tIns="91425" rIns="91425" bIns="91425" anchor="t" anchorCtr="0">
             <a:normAutofit fontScale="90000"/>
           </a:bodyPr>
           <a:lstStyle/>
           <a:p>
-            <a:pPr indent="0" lvl="0" marL="0" rtl="0" algn="l">
+            <a:pPr marL="0" lvl="0" indent="0" algn="l" rtl="0">
               <a:spcBef>
                 <a:spcPts val="0"/>
               </a:spcBef>
@@ -7867,12 +7929,12 @@
           </a:ln>
         </p:spPr>
         <p:txBody>
-          <a:bodyPr anchorCtr="0" anchor="t" bIns="91425" lIns="91425" spcFirstLastPara="1" rIns="91425" wrap="square" tIns="91425">
+          <a:bodyPr spcFirstLastPara="1" wrap="square" lIns="91425" tIns="91425" rIns="91425" bIns="91425" anchor="t" anchorCtr="0">
             <a:noAutofit/>
           </a:bodyPr>
           <a:lstStyle/>
           <a:p>
-            <a:pPr indent="-311150" lvl="0" marL="457200" rtl="0" algn="l">
+            <a:pPr marL="457200" lvl="0" indent="-311150" algn="l" rtl="0">
               <a:lnSpc>
                 <a:spcPct val="110000"/>
               </a:lnSpc>
@@ -7912,7 +7974,7 @@
             </a:endParaRPr>
           </a:p>
           <a:p>
-            <a:pPr indent="-311150" lvl="0" marL="457200" rtl="0" algn="l">
+            <a:pPr marL="457200" lvl="0" indent="-311150" algn="l" rtl="0">
               <a:lnSpc>
                 <a:spcPct val="110000"/>
               </a:lnSpc>
@@ -7952,7 +8014,7 @@
             </a:endParaRPr>
           </a:p>
           <a:p>
-            <a:pPr indent="-311150" lvl="0" marL="457200" rtl="0" algn="l">
+            <a:pPr marL="457200" lvl="0" indent="-311150" algn="l" rtl="0">
               <a:lnSpc>
                 <a:spcPct val="110000"/>
               </a:lnSpc>
@@ -7992,7 +8054,7 @@
             </a:endParaRPr>
           </a:p>
           <a:p>
-            <a:pPr indent="-311150" lvl="0" marL="457200" rtl="0" algn="l">
+            <a:pPr marL="457200" lvl="0" indent="-311150" algn="l" rtl="0">
               <a:lnSpc>
                 <a:spcPct val="110000"/>
               </a:lnSpc>
@@ -8070,11 +8132,11 @@
 </file>
 
 <file path=ppt/slides/slide3.xml><?xml version="1.0" encoding="utf-8"?>
-<p:sld xmlns:a="http://schemas.openxmlformats.org/drawingml/2006/main" xmlns:r="http://schemas.openxmlformats.org/officeDocument/2006/relationships" xmlns:mc="http://schemas.openxmlformats.org/markup-compatibility/2006" xmlns:mv="urn:schemas-microsoft-com:mac:vml" xmlns:p="http://schemas.openxmlformats.org/presentationml/2006/main" xmlns:c="http://schemas.openxmlformats.org/drawingml/2006/chart" xmlns:dgm="http://schemas.openxmlformats.org/drawingml/2006/diagram" xmlns:o="urn:schemas-microsoft-com:office:office" xmlns:v="urn:schemas-microsoft-com:vml" xmlns:pvml="urn:schemas-microsoft-com:office:powerpoint" xmlns:com="http://schemas.openxmlformats.org/drawingml/2006/compatibility" xmlns:p14="http://schemas.microsoft.com/office/powerpoint/2010/main" xmlns:p15="http://schemas.microsoft.com/office/powerpoint/2012/main" xmlns:ahyp="http://schemas.microsoft.com/office/drawing/2018/hyperlinkcolor">
+<p:sld xmlns:a="http://schemas.openxmlformats.org/drawingml/2006/main" xmlns:r="http://schemas.openxmlformats.org/officeDocument/2006/relationships" xmlns:p="http://schemas.openxmlformats.org/presentationml/2006/main">
   <p:cSld>
     <p:spTree>
       <p:nvGrpSpPr>
-        <p:cNvPr id="100" name="Shape 100"/>
+        <p:cNvPr id="1" name="Shape 100"/>
         <p:cNvGrpSpPr/>
         <p:nvPr/>
       </p:nvGrpSpPr>
@@ -8089,7 +8151,9 @@
       <p:sp>
         <p:nvSpPr>
           <p:cNvPr id="101" name="Google Shape;101;p15"/>
-          <p:cNvSpPr txBox="1"/>
+          <p:cNvSpPr txBox="1">
+            <a:spLocks noGrp="1"/>
+          </p:cNvSpPr>
           <p:nvPr>
             <p:ph type="title"/>
           </p:nvPr>
@@ -8104,12 +8168,12 @@
           </a:prstGeom>
         </p:spPr>
         <p:txBody>
-          <a:bodyPr anchorCtr="0" anchor="t" bIns="91425" lIns="91425" spcFirstLastPara="1" rIns="91425" wrap="square" tIns="91425">
+          <a:bodyPr spcFirstLastPara="1" wrap="square" lIns="91425" tIns="91425" rIns="91425" bIns="91425" anchor="t" anchorCtr="0">
             <a:normAutofit fontScale="90000"/>
           </a:bodyPr>
           <a:lstStyle/>
           <a:p>
-            <a:pPr indent="0" lvl="0" marL="0" rtl="0" algn="l">
+            <a:pPr marL="0" lvl="0" indent="0" algn="l" rtl="0">
               <a:spcBef>
                 <a:spcPts val="0"/>
               </a:spcBef>
@@ -8146,12 +8210,12 @@
           </a:ln>
         </p:spPr>
         <p:txBody>
-          <a:bodyPr anchorCtr="0" anchor="t" bIns="91425" lIns="91425" spcFirstLastPara="1" rIns="91425" wrap="square" tIns="91425">
+          <a:bodyPr spcFirstLastPara="1" wrap="square" lIns="91425" tIns="91425" rIns="91425" bIns="91425" anchor="t" anchorCtr="0">
             <a:noAutofit/>
           </a:bodyPr>
           <a:lstStyle/>
           <a:p>
-            <a:pPr indent="-311150" lvl="0" marL="457200" rtl="0" algn="l">
+            <a:pPr marL="457200" lvl="0" indent="-311150" algn="l" rtl="0">
               <a:lnSpc>
                 <a:spcPct val="110000"/>
               </a:lnSpc>
@@ -8191,7 +8255,7 @@
             </a:endParaRPr>
           </a:p>
           <a:p>
-            <a:pPr indent="-311150" lvl="0" marL="457200" rtl="0" algn="l">
+            <a:pPr marL="457200" lvl="0" indent="-311150" algn="l" rtl="0">
               <a:lnSpc>
                 <a:spcPct val="110000"/>
               </a:lnSpc>
@@ -8231,7 +8295,7 @@
             </a:endParaRPr>
           </a:p>
           <a:p>
-            <a:pPr indent="-311150" lvl="0" marL="457200" rtl="0" algn="l">
+            <a:pPr marL="457200" lvl="0" indent="-311150" algn="l" rtl="0">
               <a:lnSpc>
                 <a:spcPct val="110000"/>
               </a:lnSpc>
@@ -8309,11 +8373,11 @@
 </file>
 
 <file path=ppt/slides/slide4.xml><?xml version="1.0" encoding="utf-8"?>
-<p:sld xmlns:a="http://schemas.openxmlformats.org/drawingml/2006/main" xmlns:r="http://schemas.openxmlformats.org/officeDocument/2006/relationships" xmlns:mc="http://schemas.openxmlformats.org/markup-compatibility/2006" xmlns:mv="urn:schemas-microsoft-com:mac:vml" xmlns:p="http://schemas.openxmlformats.org/presentationml/2006/main" xmlns:c="http://schemas.openxmlformats.org/drawingml/2006/chart" xmlns:dgm="http://schemas.openxmlformats.org/drawingml/2006/diagram" xmlns:o="urn:schemas-microsoft-com:office:office" xmlns:v="urn:schemas-microsoft-com:vml" xmlns:pvml="urn:schemas-microsoft-com:office:powerpoint" xmlns:com="http://schemas.openxmlformats.org/drawingml/2006/compatibility" xmlns:p14="http://schemas.microsoft.com/office/powerpoint/2010/main" xmlns:p15="http://schemas.microsoft.com/office/powerpoint/2012/main" xmlns:ahyp="http://schemas.microsoft.com/office/drawing/2018/hyperlinkcolor">
+<p:sld xmlns:a="http://schemas.openxmlformats.org/drawingml/2006/main" xmlns:r="http://schemas.openxmlformats.org/officeDocument/2006/relationships" xmlns:p="http://schemas.openxmlformats.org/presentationml/2006/main">
   <p:cSld>
     <p:spTree>
       <p:nvGrpSpPr>
-        <p:cNvPr id="107" name="Shape 107"/>
+        <p:cNvPr id="1" name="Shape 107"/>
         <p:cNvGrpSpPr/>
         <p:nvPr/>
       </p:nvGrpSpPr>
@@ -8328,7 +8392,9 @@
       <p:sp>
         <p:nvSpPr>
           <p:cNvPr id="108" name="Google Shape;108;p16"/>
-          <p:cNvSpPr txBox="1"/>
+          <p:cNvSpPr txBox="1">
+            <a:spLocks noGrp="1"/>
+          </p:cNvSpPr>
           <p:nvPr>
             <p:ph type="title"/>
           </p:nvPr>
@@ -8343,12 +8409,12 @@
           </a:prstGeom>
         </p:spPr>
         <p:txBody>
-          <a:bodyPr anchorCtr="0" anchor="t" bIns="91425" lIns="91425" spcFirstLastPara="1" rIns="91425" wrap="square" tIns="91425">
+          <a:bodyPr spcFirstLastPara="1" wrap="square" lIns="91425" tIns="91425" rIns="91425" bIns="91425" anchor="t" anchorCtr="0">
             <a:normAutofit fontScale="90000"/>
           </a:bodyPr>
           <a:lstStyle/>
           <a:p>
-            <a:pPr indent="0" lvl="0" marL="0" rtl="0" algn="l">
+            <a:pPr marL="0" lvl="0" indent="0" algn="l" rtl="0">
               <a:spcBef>
                 <a:spcPts val="0"/>
               </a:spcBef>
@@ -8413,12 +8479,12 @@
           </a:ln>
         </p:spPr>
         <p:txBody>
-          <a:bodyPr anchorCtr="0" anchor="t" bIns="91425" lIns="91425" spcFirstLastPara="1" rIns="91425" wrap="square" tIns="91425">
+          <a:bodyPr spcFirstLastPara="1" wrap="square" lIns="91425" tIns="91425" rIns="91425" bIns="91425" anchor="t" anchorCtr="0">
             <a:spAutoFit/>
           </a:bodyPr>
           <a:lstStyle/>
           <a:p>
-            <a:pPr indent="0" lvl="0" marL="0" rtl="0" algn="l">
+            <a:pPr marL="0" lvl="0" indent="0" algn="l" rtl="0">
               <a:spcBef>
                 <a:spcPts val="0"/>
               </a:spcBef>
@@ -8427,9 +8493,6 @@
               </a:spcAft>
               <a:buNone/>
             </a:pPr>
-            <a:r>
-              <a:t/>
-            </a:r>
             <a:endParaRPr>
               <a:latin typeface="Lato"/>
               <a:ea typeface="Lato"/>
@@ -8459,12 +8522,12 @@
           </a:ln>
         </p:spPr>
         <p:txBody>
-          <a:bodyPr anchorCtr="0" anchor="t" bIns="91425" lIns="91425" spcFirstLastPara="1" rIns="91425" wrap="square" tIns="91425">
+          <a:bodyPr spcFirstLastPara="1" wrap="square" lIns="91425" tIns="91425" rIns="91425" bIns="91425" anchor="t" anchorCtr="0">
             <a:noAutofit/>
           </a:bodyPr>
           <a:lstStyle/>
           <a:p>
-            <a:pPr indent="-311150" lvl="0" marL="457200" rtl="0" algn="l">
+            <a:pPr marL="457200" lvl="0" indent="-311150" algn="l" rtl="0">
               <a:lnSpc>
                 <a:spcPct val="110000"/>
               </a:lnSpc>
@@ -8504,7 +8567,7 @@
             </a:endParaRPr>
           </a:p>
           <a:p>
-            <a:pPr indent="-311150" lvl="0" marL="457200" rtl="0" algn="l">
+            <a:pPr marL="457200" lvl="0" indent="-311150" algn="l" rtl="0">
               <a:lnSpc>
                 <a:spcPct val="110000"/>
               </a:lnSpc>
@@ -8554,11 +8617,11 @@
 </file>
 
 <file path=ppt/slides/slide5.xml><?xml version="1.0" encoding="utf-8"?>
-<p:sld xmlns:a="http://schemas.openxmlformats.org/drawingml/2006/main" xmlns:r="http://schemas.openxmlformats.org/officeDocument/2006/relationships" xmlns:mc="http://schemas.openxmlformats.org/markup-compatibility/2006" xmlns:mv="urn:schemas-microsoft-com:mac:vml" xmlns:p="http://schemas.openxmlformats.org/presentationml/2006/main" xmlns:c="http://schemas.openxmlformats.org/drawingml/2006/chart" xmlns:dgm="http://schemas.openxmlformats.org/drawingml/2006/diagram" xmlns:o="urn:schemas-microsoft-com:office:office" xmlns:v="urn:schemas-microsoft-com:vml" xmlns:pvml="urn:schemas-microsoft-com:office:powerpoint" xmlns:com="http://schemas.openxmlformats.org/drawingml/2006/compatibility" xmlns:p14="http://schemas.microsoft.com/office/powerpoint/2010/main" xmlns:p15="http://schemas.microsoft.com/office/powerpoint/2012/main" xmlns:ahyp="http://schemas.microsoft.com/office/drawing/2018/hyperlinkcolor">
+<p:sld xmlns:a="http://schemas.openxmlformats.org/drawingml/2006/main" xmlns:r="http://schemas.openxmlformats.org/officeDocument/2006/relationships" xmlns:p="http://schemas.openxmlformats.org/presentationml/2006/main">
   <p:cSld>
     <p:spTree>
       <p:nvGrpSpPr>
-        <p:cNvPr id="115" name="Shape 115"/>
+        <p:cNvPr id="1" name="Shape 115"/>
         <p:cNvGrpSpPr/>
         <p:nvPr/>
       </p:nvGrpSpPr>
@@ -8573,7 +8636,9 @@
       <p:sp>
         <p:nvSpPr>
           <p:cNvPr id="116" name="Google Shape;116;p17"/>
-          <p:cNvSpPr txBox="1"/>
+          <p:cNvSpPr txBox="1">
+            <a:spLocks noGrp="1"/>
+          </p:cNvSpPr>
           <p:nvPr>
             <p:ph type="title"/>
           </p:nvPr>
@@ -8588,12 +8653,12 @@
           </a:prstGeom>
         </p:spPr>
         <p:txBody>
-          <a:bodyPr anchorCtr="0" anchor="t" bIns="91425" lIns="91425" spcFirstLastPara="1" rIns="91425" wrap="square" tIns="91425">
+          <a:bodyPr spcFirstLastPara="1" wrap="square" lIns="91425" tIns="91425" rIns="91425" bIns="91425" anchor="t" anchorCtr="0">
             <a:normAutofit fontScale="90000"/>
           </a:bodyPr>
           <a:lstStyle/>
           <a:p>
-            <a:pPr indent="0" lvl="0" marL="0" rtl="0" algn="l">
+            <a:pPr marL="0" lvl="0" indent="0" algn="l" rtl="0">
               <a:spcBef>
                 <a:spcPts val="0"/>
               </a:spcBef>
@@ -8630,12 +8695,12 @@
           </a:ln>
         </p:spPr>
         <p:txBody>
-          <a:bodyPr anchorCtr="0" anchor="t" bIns="91425" lIns="91425" spcFirstLastPara="1" rIns="91425" wrap="square" tIns="91425">
+          <a:bodyPr spcFirstLastPara="1" wrap="square" lIns="91425" tIns="91425" rIns="91425" bIns="91425" anchor="t" anchorCtr="0">
             <a:noAutofit/>
           </a:bodyPr>
           <a:lstStyle/>
           <a:p>
-            <a:pPr indent="-311150" lvl="0" marL="457200" rtl="0" algn="l">
+            <a:pPr marL="457200" lvl="0" indent="-311150" algn="l" rtl="0">
               <a:lnSpc>
                 <a:spcPct val="110000"/>
               </a:lnSpc>
@@ -8681,7 +8746,7 @@
             </a:endParaRPr>
           </a:p>
           <a:p>
-            <a:pPr indent="-311150" lvl="0" marL="457200" rtl="0" algn="l">
+            <a:pPr marL="457200" lvl="0" indent="-311150" algn="l" rtl="0">
               <a:lnSpc>
                 <a:spcPct val="110000"/>
               </a:lnSpc>
@@ -8715,7 +8780,7 @@
             </a:endParaRPr>
           </a:p>
           <a:p>
-            <a:pPr indent="-311150" lvl="0" marL="457200" rtl="0" algn="l">
+            <a:pPr marL="457200" lvl="0" indent="-311150" algn="l" rtl="0">
               <a:lnSpc>
                 <a:spcPct val="110000"/>
               </a:lnSpc>
@@ -8759,7 +8824,288 @@
 </file>
 
 <file path=ppt/theme/theme1.xml><?xml version="1.0" encoding="utf-8"?>
-<a:theme xmlns:a="http://schemas.openxmlformats.org/drawingml/2006/main" xmlns:r="http://schemas.openxmlformats.org/officeDocument/2006/relationships">
+<a:theme xmlns:a="http://schemas.openxmlformats.org/drawingml/2006/main" name="Streamline">
+  <a:themeElements>
+    <a:clrScheme name="Streamline">
+      <a:dk1>
+        <a:srgbClr val="1A9988"/>
+      </a:dk1>
+      <a:lt1>
+        <a:srgbClr val="FFFFFF"/>
+      </a:lt1>
+      <a:dk2>
+        <a:srgbClr val="1A1A1A"/>
+      </a:dk2>
+      <a:lt2>
+        <a:srgbClr val="E9EDEE"/>
+      </a:lt2>
+      <a:accent1>
+        <a:srgbClr val="595959"/>
+      </a:accent1>
+      <a:accent2>
+        <a:srgbClr val="6AA4C8"/>
+      </a:accent2>
+      <a:accent3>
+        <a:srgbClr val="EB5600"/>
+      </a:accent3>
+      <a:accent4>
+        <a:srgbClr val="A2FFE8"/>
+      </a:accent4>
+      <a:accent5>
+        <a:srgbClr val="1C3678"/>
+      </a:accent5>
+      <a:accent6>
+        <a:srgbClr val="FFB8A2"/>
+      </a:accent6>
+      <a:hlink>
+        <a:srgbClr val="1C3678"/>
+      </a:hlink>
+      <a:folHlink>
+        <a:srgbClr val="1C3678"/>
+      </a:folHlink>
+    </a:clrScheme>
+    <a:fontScheme name="Office">
+      <a:majorFont>
+        <a:latin typeface="Arial"/>
+        <a:ea typeface=""/>
+        <a:cs typeface=""/>
+        <a:font script="Jpan" typeface="ＭＳ Ｐゴシック"/>
+        <a:font script="Hang" typeface="맑은 고딕"/>
+        <a:font script="Hans" typeface="宋体"/>
+        <a:font script="Hant" typeface="新細明體"/>
+        <a:font script="Arab" typeface="Times New Roman"/>
+        <a:font script="Hebr" typeface="Times New Roman"/>
+        <a:font script="Thai" typeface="Angsana New"/>
+        <a:font script="Ethi" typeface="Nyala"/>
+        <a:font script="Beng" typeface="Vrinda"/>
+        <a:font script="Gujr" typeface="Shruti"/>
+        <a:font script="Khmr" typeface="MoolBoran"/>
+        <a:font script="Knda" typeface="Tunga"/>
+        <a:font script="Guru" typeface="Raavi"/>
+        <a:font script="Cans" typeface="Euphemia"/>
+        <a:font script="Cher" typeface="Plantagenet Cherokee"/>
+        <a:font script="Yiii" typeface="Microsoft Yi Baiti"/>
+        <a:font script="Tibt" typeface="Microsoft Himalaya"/>
+        <a:font script="Thaa" typeface="MV Boli"/>
+        <a:font script="Deva" typeface="Mangal"/>
+        <a:font script="Telu" typeface="Gautami"/>
+        <a:font script="Taml" typeface="Latha"/>
+        <a:font script="Syrc" typeface="Estrangelo Edessa"/>
+        <a:font script="Orya" typeface="Kalinga"/>
+        <a:font script="Mlym" typeface="Kartika"/>
+        <a:font script="Laoo" typeface="DokChampa"/>
+        <a:font script="Sinh" typeface="Iskoola Pota"/>
+        <a:font script="Mong" typeface="Mongolian Baiti"/>
+        <a:font script="Viet" typeface="Times New Roman"/>
+        <a:font script="Uigh" typeface="Microsoft Uighur"/>
+        <a:font script="Geor" typeface="Sylfaen"/>
+      </a:majorFont>
+      <a:minorFont>
+        <a:latin typeface="Arial"/>
+        <a:ea typeface=""/>
+        <a:cs typeface=""/>
+        <a:font script="Jpan" typeface="ＭＳ Ｐゴシック"/>
+        <a:font script="Hang" typeface="맑은 고딕"/>
+        <a:font script="Hans" typeface="宋体"/>
+        <a:font script="Hant" typeface="新細明體"/>
+        <a:font script="Arab" typeface="Arial"/>
+        <a:font script="Hebr" typeface="Arial"/>
+        <a:font script="Thai" typeface="Cordia New"/>
+        <a:font script="Ethi" typeface="Nyala"/>
+        <a:font script="Beng" typeface="Vrinda"/>
+        <a:font script="Gujr" typeface="Shruti"/>
+        <a:font script="Khmr" typeface="DaunPenh"/>
+        <a:font script="Knda" typeface="Tunga"/>
+        <a:font script="Guru" typeface="Raavi"/>
+        <a:font script="Cans" typeface="Euphemia"/>
+        <a:font script="Cher" typeface="Plantagenet Cherokee"/>
+        <a:font script="Yiii" typeface="Microsoft Yi Baiti"/>
+        <a:font script="Tibt" typeface="Microsoft Himalaya"/>
+        <a:font script="Thaa" typeface="MV Boli"/>
+        <a:font script="Deva" typeface="Mangal"/>
+        <a:font script="Telu" typeface="Gautami"/>
+        <a:font script="Taml" typeface="Latha"/>
+        <a:font script="Syrc" typeface="Estrangelo Edessa"/>
+        <a:font script="Orya" typeface="Kalinga"/>
+        <a:font script="Mlym" typeface="Kartika"/>
+        <a:font script="Laoo" typeface="DokChampa"/>
+        <a:font script="Sinh" typeface="Iskoola Pota"/>
+        <a:font script="Mong" typeface="Mongolian Baiti"/>
+        <a:font script="Viet" typeface="Arial"/>
+        <a:font script="Uigh" typeface="Microsoft Uighur"/>
+        <a:font script="Geor" typeface="Sylfaen"/>
+      </a:minorFont>
+    </a:fontScheme>
+    <a:fmtScheme name="Office">
+      <a:fillStyleLst>
+        <a:solidFill>
+          <a:schemeClr val="phClr"/>
+        </a:solidFill>
+        <a:gradFill rotWithShape="1">
+          <a:gsLst>
+            <a:gs pos="0">
+              <a:schemeClr val="phClr">
+                <a:tint val="50000"/>
+                <a:satMod val="300000"/>
+              </a:schemeClr>
+            </a:gs>
+            <a:gs pos="35000">
+              <a:schemeClr val="phClr">
+                <a:tint val="37000"/>
+                <a:satMod val="300000"/>
+              </a:schemeClr>
+            </a:gs>
+            <a:gs pos="100000">
+              <a:schemeClr val="phClr">
+                <a:tint val="15000"/>
+                <a:satMod val="350000"/>
+              </a:schemeClr>
+            </a:gs>
+          </a:gsLst>
+          <a:lin ang="16200000" scaled="1"/>
+        </a:gradFill>
+        <a:gradFill rotWithShape="1">
+          <a:gsLst>
+            <a:gs pos="0">
+              <a:schemeClr val="phClr">
+                <a:tint val="100000"/>
+                <a:shade val="100000"/>
+                <a:satMod val="130000"/>
+              </a:schemeClr>
+            </a:gs>
+            <a:gs pos="100000">
+              <a:schemeClr val="phClr">
+                <a:tint val="50000"/>
+                <a:shade val="100000"/>
+                <a:satMod val="350000"/>
+              </a:schemeClr>
+            </a:gs>
+          </a:gsLst>
+          <a:lin ang="16200000" scaled="0"/>
+        </a:gradFill>
+      </a:fillStyleLst>
+      <a:lnStyleLst>
+        <a:ln w="9525" cap="flat" cmpd="sng" algn="ctr">
+          <a:solidFill>
+            <a:schemeClr val="phClr">
+              <a:shade val="95000"/>
+              <a:satMod val="105000"/>
+            </a:schemeClr>
+          </a:solidFill>
+          <a:prstDash val="solid"/>
+        </a:ln>
+        <a:ln w="25400" cap="flat" cmpd="sng" algn="ctr">
+          <a:solidFill>
+            <a:schemeClr val="phClr"/>
+          </a:solidFill>
+          <a:prstDash val="solid"/>
+        </a:ln>
+        <a:ln w="38100" cap="flat" cmpd="sng" algn="ctr">
+          <a:solidFill>
+            <a:schemeClr val="phClr"/>
+          </a:solidFill>
+          <a:prstDash val="solid"/>
+        </a:ln>
+      </a:lnStyleLst>
+      <a:effectStyleLst>
+        <a:effectStyle>
+          <a:effectLst>
+            <a:outerShdw blurRad="40000" dist="20000" dir="5400000" rotWithShape="0">
+              <a:srgbClr val="000000">
+                <a:alpha val="38000"/>
+              </a:srgbClr>
+            </a:outerShdw>
+          </a:effectLst>
+        </a:effectStyle>
+        <a:effectStyle>
+          <a:effectLst>
+            <a:outerShdw blurRad="40000" dist="23000" dir="5400000" rotWithShape="0">
+              <a:srgbClr val="000000">
+                <a:alpha val="35000"/>
+              </a:srgbClr>
+            </a:outerShdw>
+          </a:effectLst>
+        </a:effectStyle>
+        <a:effectStyle>
+          <a:effectLst>
+            <a:outerShdw blurRad="40000" dist="23000" dir="5400000" rotWithShape="0">
+              <a:srgbClr val="000000">
+                <a:alpha val="35000"/>
+              </a:srgbClr>
+            </a:outerShdw>
+          </a:effectLst>
+          <a:scene3d>
+            <a:camera prst="orthographicFront">
+              <a:rot lat="0" lon="0" rev="0"/>
+            </a:camera>
+            <a:lightRig rig="threePt" dir="t">
+              <a:rot lat="0" lon="0" rev="1200000"/>
+            </a:lightRig>
+          </a:scene3d>
+          <a:sp3d>
+            <a:bevelT w="63500" h="25400"/>
+          </a:sp3d>
+        </a:effectStyle>
+      </a:effectStyleLst>
+      <a:bgFillStyleLst>
+        <a:solidFill>
+          <a:schemeClr val="phClr"/>
+        </a:solidFill>
+        <a:gradFill rotWithShape="1">
+          <a:gsLst>
+            <a:gs pos="0">
+              <a:schemeClr val="phClr">
+                <a:tint val="40000"/>
+                <a:satMod val="350000"/>
+              </a:schemeClr>
+            </a:gs>
+            <a:gs pos="40000">
+              <a:schemeClr val="phClr">
+                <a:tint val="45000"/>
+                <a:shade val="99000"/>
+                <a:satMod val="350000"/>
+              </a:schemeClr>
+            </a:gs>
+            <a:gs pos="100000">
+              <a:schemeClr val="phClr">
+                <a:shade val="20000"/>
+                <a:satMod val="255000"/>
+              </a:schemeClr>
+            </a:gs>
+          </a:gsLst>
+          <a:path path="circle">
+            <a:fillToRect l="50000" t="-80000" r="50000" b="180000"/>
+          </a:path>
+        </a:gradFill>
+        <a:gradFill rotWithShape="1">
+          <a:gsLst>
+            <a:gs pos="0">
+              <a:schemeClr val="phClr">
+                <a:tint val="80000"/>
+                <a:satMod val="300000"/>
+              </a:schemeClr>
+            </a:gs>
+            <a:gs pos="100000">
+              <a:schemeClr val="phClr">
+                <a:shade val="30000"/>
+                <a:satMod val="200000"/>
+              </a:schemeClr>
+            </a:gs>
+          </a:gsLst>
+          <a:path path="circle">
+            <a:fillToRect l="50000" t="50000" r="50000" b="50000"/>
+          </a:path>
+        </a:gradFill>
+      </a:bgFillStyleLst>
+    </a:fmtScheme>
+  </a:themeElements>
+  <a:objectDefaults/>
+  <a:extraClrSchemeLst/>
+</a:theme>
+</file>
+
+<file path=ppt/theme/theme2.xml><?xml version="1.0" encoding="utf-8"?>
+<a:theme xmlns:a="http://schemas.openxmlformats.org/drawingml/2006/main">
   <a:themeElements>
     <a:clrScheme name="Default">
       <a:dk1>
@@ -9034,284 +9380,7 @@
       </a:bgFillStyleLst>
     </a:fmtScheme>
   </a:themeElements>
-</a:theme>
-</file>
-
-<file path=ppt/theme/theme2.xml><?xml version="1.0" encoding="utf-8"?>
-<a:theme xmlns:a="http://schemas.openxmlformats.org/drawingml/2006/main" xmlns:r="http://schemas.openxmlformats.org/officeDocument/2006/relationships" name="Streamline">
-  <a:themeElements>
-    <a:clrScheme name="Streamline">
-      <a:dk1>
-        <a:srgbClr val="1A9988"/>
-      </a:dk1>
-      <a:lt1>
-        <a:srgbClr val="FFFFFF"/>
-      </a:lt1>
-      <a:dk2>
-        <a:srgbClr val="1A1A1A"/>
-      </a:dk2>
-      <a:lt2>
-        <a:srgbClr val="E9EDEE"/>
-      </a:lt2>
-      <a:accent1>
-        <a:srgbClr val="595959"/>
-      </a:accent1>
-      <a:accent2>
-        <a:srgbClr val="6AA4C8"/>
-      </a:accent2>
-      <a:accent3>
-        <a:srgbClr val="EB5600"/>
-      </a:accent3>
-      <a:accent4>
-        <a:srgbClr val="A2FFE8"/>
-      </a:accent4>
-      <a:accent5>
-        <a:srgbClr val="1C3678"/>
-      </a:accent5>
-      <a:accent6>
-        <a:srgbClr val="FFB8A2"/>
-      </a:accent6>
-      <a:hlink>
-        <a:srgbClr val="1C3678"/>
-      </a:hlink>
-      <a:folHlink>
-        <a:srgbClr val="1C3678"/>
-      </a:folHlink>
-    </a:clrScheme>
-    <a:fontScheme name="Office">
-      <a:majorFont>
-        <a:latin typeface="Arial"/>
-        <a:ea typeface=""/>
-        <a:cs typeface=""/>
-        <a:font script="Jpan" typeface="ＭＳ Ｐゴシック"/>
-        <a:font script="Hang" typeface="맑은 고딕"/>
-        <a:font script="Hans" typeface="宋体"/>
-        <a:font script="Hant" typeface="新細明體"/>
-        <a:font script="Arab" typeface="Times New Roman"/>
-        <a:font script="Hebr" typeface="Times New Roman"/>
-        <a:font script="Thai" typeface="Angsana New"/>
-        <a:font script="Ethi" typeface="Nyala"/>
-        <a:font script="Beng" typeface="Vrinda"/>
-        <a:font script="Gujr" typeface="Shruti"/>
-        <a:font script="Khmr" typeface="MoolBoran"/>
-        <a:font script="Knda" typeface="Tunga"/>
-        <a:font script="Guru" typeface="Raavi"/>
-        <a:font script="Cans" typeface="Euphemia"/>
-        <a:font script="Cher" typeface="Plantagenet Cherokee"/>
-        <a:font script="Yiii" typeface="Microsoft Yi Baiti"/>
-        <a:font script="Tibt" typeface="Microsoft Himalaya"/>
-        <a:font script="Thaa" typeface="MV Boli"/>
-        <a:font script="Deva" typeface="Mangal"/>
-        <a:font script="Telu" typeface="Gautami"/>
-        <a:font script="Taml" typeface="Latha"/>
-        <a:font script="Syrc" typeface="Estrangelo Edessa"/>
-        <a:font script="Orya" typeface="Kalinga"/>
-        <a:font script="Mlym" typeface="Kartika"/>
-        <a:font script="Laoo" typeface="DokChampa"/>
-        <a:font script="Sinh" typeface="Iskoola Pota"/>
-        <a:font script="Mong" typeface="Mongolian Baiti"/>
-        <a:font script="Viet" typeface="Times New Roman"/>
-        <a:font script="Uigh" typeface="Microsoft Uighur"/>
-        <a:font script="Geor" typeface="Sylfaen"/>
-      </a:majorFont>
-      <a:minorFont>
-        <a:latin typeface="Arial"/>
-        <a:ea typeface=""/>
-        <a:cs typeface=""/>
-        <a:font script="Jpan" typeface="ＭＳ Ｐゴシック"/>
-        <a:font script="Hang" typeface="맑은 고딕"/>
-        <a:font script="Hans" typeface="宋体"/>
-        <a:font script="Hant" typeface="新細明體"/>
-        <a:font script="Arab" typeface="Arial"/>
-        <a:font script="Hebr" typeface="Arial"/>
-        <a:font script="Thai" typeface="Cordia New"/>
-        <a:font script="Ethi" typeface="Nyala"/>
-        <a:font script="Beng" typeface="Vrinda"/>
-        <a:font script="Gujr" typeface="Shruti"/>
-        <a:font script="Khmr" typeface="DaunPenh"/>
-        <a:font script="Knda" typeface="Tunga"/>
-        <a:font script="Guru" typeface="Raavi"/>
-        <a:font script="Cans" typeface="Euphemia"/>
-        <a:font script="Cher" typeface="Plantagenet Cherokee"/>
-        <a:font script="Yiii" typeface="Microsoft Yi Baiti"/>
-        <a:font script="Tibt" typeface="Microsoft Himalaya"/>
-        <a:font script="Thaa" typeface="MV Boli"/>
-        <a:font script="Deva" typeface="Mangal"/>
-        <a:font script="Telu" typeface="Gautami"/>
-        <a:font script="Taml" typeface="Latha"/>
-        <a:font script="Syrc" typeface="Estrangelo Edessa"/>
-        <a:font script="Orya" typeface="Kalinga"/>
-        <a:font script="Mlym" typeface="Kartika"/>
-        <a:font script="Laoo" typeface="DokChampa"/>
-        <a:font script="Sinh" typeface="Iskoola Pota"/>
-        <a:font script="Mong" typeface="Mongolian Baiti"/>
-        <a:font script="Viet" typeface="Arial"/>
-        <a:font script="Uigh" typeface="Microsoft Uighur"/>
-        <a:font script="Geor" typeface="Sylfaen"/>
-      </a:minorFont>
-    </a:fontScheme>
-    <a:fmtScheme name="Office">
-      <a:fillStyleLst>
-        <a:solidFill>
-          <a:schemeClr val="phClr"/>
-        </a:solidFill>
-        <a:gradFill rotWithShape="1">
-          <a:gsLst>
-            <a:gs pos="0">
-              <a:schemeClr val="phClr">
-                <a:tint val="50000"/>
-                <a:satMod val="300000"/>
-              </a:schemeClr>
-            </a:gs>
-            <a:gs pos="35000">
-              <a:schemeClr val="phClr">
-                <a:tint val="37000"/>
-                <a:satMod val="300000"/>
-              </a:schemeClr>
-            </a:gs>
-            <a:gs pos="100000">
-              <a:schemeClr val="phClr">
-                <a:tint val="15000"/>
-                <a:satMod val="350000"/>
-              </a:schemeClr>
-            </a:gs>
-          </a:gsLst>
-          <a:lin ang="16200000" scaled="1"/>
-        </a:gradFill>
-        <a:gradFill rotWithShape="1">
-          <a:gsLst>
-            <a:gs pos="0">
-              <a:schemeClr val="phClr">
-                <a:tint val="100000"/>
-                <a:shade val="100000"/>
-                <a:satMod val="130000"/>
-              </a:schemeClr>
-            </a:gs>
-            <a:gs pos="100000">
-              <a:schemeClr val="phClr">
-                <a:tint val="50000"/>
-                <a:shade val="100000"/>
-                <a:satMod val="350000"/>
-              </a:schemeClr>
-            </a:gs>
-          </a:gsLst>
-          <a:lin ang="16200000" scaled="0"/>
-        </a:gradFill>
-      </a:fillStyleLst>
-      <a:lnStyleLst>
-        <a:ln w="9525" cap="flat" cmpd="sng" algn="ctr">
-          <a:solidFill>
-            <a:schemeClr val="phClr">
-              <a:shade val="95000"/>
-              <a:satMod val="105000"/>
-            </a:schemeClr>
-          </a:solidFill>
-          <a:prstDash val="solid"/>
-        </a:ln>
-        <a:ln w="25400" cap="flat" cmpd="sng" algn="ctr">
-          <a:solidFill>
-            <a:schemeClr val="phClr"/>
-          </a:solidFill>
-          <a:prstDash val="solid"/>
-        </a:ln>
-        <a:ln w="38100" cap="flat" cmpd="sng" algn="ctr">
-          <a:solidFill>
-            <a:schemeClr val="phClr"/>
-          </a:solidFill>
-          <a:prstDash val="solid"/>
-        </a:ln>
-      </a:lnStyleLst>
-      <a:effectStyleLst>
-        <a:effectStyle>
-          <a:effectLst>
-            <a:outerShdw blurRad="40000" dist="20000" dir="5400000" rotWithShape="0">
-              <a:srgbClr val="000000">
-                <a:alpha val="38000"/>
-              </a:srgbClr>
-            </a:outerShdw>
-          </a:effectLst>
-        </a:effectStyle>
-        <a:effectStyle>
-          <a:effectLst>
-            <a:outerShdw blurRad="40000" dist="23000" dir="5400000" rotWithShape="0">
-              <a:srgbClr val="000000">
-                <a:alpha val="35000"/>
-              </a:srgbClr>
-            </a:outerShdw>
-          </a:effectLst>
-        </a:effectStyle>
-        <a:effectStyle>
-          <a:effectLst>
-            <a:outerShdw blurRad="40000" dist="23000" dir="5400000" rotWithShape="0">
-              <a:srgbClr val="000000">
-                <a:alpha val="35000"/>
-              </a:srgbClr>
-            </a:outerShdw>
-          </a:effectLst>
-          <a:scene3d>
-            <a:camera prst="orthographicFront">
-              <a:rot lat="0" lon="0" rev="0"/>
-            </a:camera>
-            <a:lightRig rig="threePt" dir="t">
-              <a:rot lat="0" lon="0" rev="1200000"/>
-            </a:lightRig>
-          </a:scene3d>
-          <a:sp3d>
-            <a:bevelT w="63500" h="25400"/>
-          </a:sp3d>
-        </a:effectStyle>
-      </a:effectStyleLst>
-      <a:bgFillStyleLst>
-        <a:solidFill>
-          <a:schemeClr val="phClr"/>
-        </a:solidFill>
-        <a:gradFill rotWithShape="1">
-          <a:gsLst>
-            <a:gs pos="0">
-              <a:schemeClr val="phClr">
-                <a:tint val="40000"/>
-                <a:satMod val="350000"/>
-              </a:schemeClr>
-            </a:gs>
-            <a:gs pos="40000">
-              <a:schemeClr val="phClr">
-                <a:tint val="45000"/>
-                <a:shade val="99000"/>
-                <a:satMod val="350000"/>
-              </a:schemeClr>
-            </a:gs>
-            <a:gs pos="100000">
-              <a:schemeClr val="phClr">
-                <a:shade val="20000"/>
-                <a:satMod val="255000"/>
-              </a:schemeClr>
-            </a:gs>
-          </a:gsLst>
-          <a:path path="circle">
-            <a:fillToRect l="50000" t="-80000" r="50000" b="180000"/>
-          </a:path>
-        </a:gradFill>
-        <a:gradFill rotWithShape="1">
-          <a:gsLst>
-            <a:gs pos="0">
-              <a:schemeClr val="phClr">
-                <a:tint val="80000"/>
-                <a:satMod val="300000"/>
-              </a:schemeClr>
-            </a:gs>
-            <a:gs pos="100000">
-              <a:schemeClr val="phClr">
-                <a:shade val="30000"/>
-                <a:satMod val="200000"/>
-              </a:schemeClr>
-            </a:gs>
-          </a:gsLst>
-          <a:path path="circle">
-            <a:fillToRect l="50000" t="50000" r="50000" b="50000"/>
-          </a:path>
-        </a:gradFill>
-      </a:bgFillStyleLst>
-    </a:fmtScheme>
-  </a:themeElements>
+  <a:objectDefaults/>
+  <a:extraClrSchemeLst/>
 </a:theme>
 </file>